--- a/FSharpWorkshop_Slides.pptx
+++ b/FSharpWorkshop_Slides.pptx
@@ -15791,13 +15791,13 @@
   <p:clrMapOvr>
     <a:masterClrMapping/>
   </p:clrMapOvr>
-  <mc:AlternateContent xmlns:mc="http://schemas.openxmlformats.org/markup-compatibility/2006">
-    <mc:Choice xmlns:p14="http://schemas.microsoft.com/office/powerpoint/2010/main" Requires="p14">
+  <mc:AlternateContent xmlns:mc="http://schemas.openxmlformats.org/markup-compatibility/2006" xmlns:p14="http://schemas.microsoft.com/office/powerpoint/2010/main">
+    <mc:Choice Requires="p14">
       <p:transition spd="med" p14:dur="700">
         <p:fade/>
       </p:transition>
     </mc:Choice>
-    <mc:Fallback>
+    <mc:Fallback xmlns="">
       <p:transition spd="med">
         <p:fade/>
       </p:transition>
@@ -18072,9 +18072,10 @@
             <a:p>
               <a:pPr algn="ctr"/>
               <a:r>
-                <a:rPr lang="en-AU" dirty="0"/>
-                <a:t>getSpendings</a:t>
+                <a:rPr lang="en-AU" dirty="0" err="1"/>
+                <a:t>getPurchases</a:t>
               </a:r>
+              <a:endParaRPr lang="en-AU" dirty="0"/>
             </a:p>
           </p:txBody>
         </p:sp>
@@ -49655,12 +49656,6 @@
 </file>
 
 <file path=customXml/item1.xml><?xml version="1.0" encoding="utf-8"?>
-<p:properties xmlns:p="http://schemas.microsoft.com/office/2006/metadata/properties" xmlns:xsi="http://www.w3.org/2001/XMLSchema-instance" xmlns:pc="http://schemas.microsoft.com/office/infopath/2007/PartnerControls">
-  <documentManagement/>
-</p:properties>
-</file>
-
-<file path=customXml/item2.xml><?xml version="1.0" encoding="utf-8"?>
 <ct:contentTypeSchema xmlns:ct="http://schemas.microsoft.com/office/2006/metadata/contentType" xmlns:ma="http://schemas.microsoft.com/office/2006/metadata/properties/metaAttributes" ct:_="" ma:_="" ma:contentTypeName="Document" ma:contentTypeID="0x0101007C1D5F340F01F94FA2FD29A5E6DC872E" ma:contentTypeVersion="0" ma:contentTypeDescription="Create a new document." ma:contentTypeScope="" ma:versionID="f583bd66513a361a730282b6a794e352">
   <xsd:schema xmlns:xsd="http://www.w3.org/2001/XMLSchema" xmlns:xs="http://www.w3.org/2001/XMLSchema" xmlns:p="http://schemas.microsoft.com/office/2006/metadata/properties" targetNamespace="http://schemas.microsoft.com/office/2006/metadata/properties" ma:root="true" ma:fieldsID="6841151cf538834e171094e4faaf2d73">
     <xsd:element name="properties">
@@ -49774,7 +49769,7 @@
 </ct:contentTypeSchema>
 </file>
 
-<file path=customXml/item3.xml><?xml version="1.0" encoding="utf-8"?>
+<file path=customXml/item2.xml><?xml version="1.0" encoding="utf-8"?>
 <?mso-contentType ?>
 <FormTemplates xmlns="http://schemas.microsoft.com/sharepoint/v3/contenttype/forms">
   <Display>DocumentLibraryForm</Display>
@@ -49783,22 +49778,13 @@
 </FormTemplates>
 </file>
 
-<file path=customXml/itemProps1.xml><?xml version="1.0" encoding="utf-8"?>
-<ds:datastoreItem xmlns:ds="http://schemas.openxmlformats.org/officeDocument/2006/customXml" ds:itemID="{9A69BF48-D9C3-4DE0-818A-0C2EC431B649}">
-  <ds:schemaRefs>
-    <ds:schemaRef ds:uri="http://schemas.microsoft.com/office/2006/metadata/properties"/>
-    <ds:schemaRef ds:uri="http://purl.org/dc/elements/1.1/"/>
-    <ds:schemaRef ds:uri="http://www.w3.org/XML/1998/namespace"/>
-    <ds:schemaRef ds:uri="http://purl.org/dc/terms/"/>
-    <ds:schemaRef ds:uri="http://purl.org/dc/dcmitype/"/>
-    <ds:schemaRef ds:uri="http://schemas.microsoft.com/office/2006/documentManagement/types"/>
-    <ds:schemaRef ds:uri="http://schemas.microsoft.com/office/infopath/2007/PartnerControls"/>
-    <ds:schemaRef ds:uri="http://schemas.openxmlformats.org/package/2006/metadata/core-properties"/>
-  </ds:schemaRefs>
-</ds:datastoreItem>
+<file path=customXml/item3.xml><?xml version="1.0" encoding="utf-8"?>
+<p:properties xmlns:p="http://schemas.microsoft.com/office/2006/metadata/properties" xmlns:xsi="http://www.w3.org/2001/XMLSchema-instance" xmlns:pc="http://schemas.microsoft.com/office/infopath/2007/PartnerControls">
+  <documentManagement/>
+</p:properties>
 </file>
 
-<file path=customXml/itemProps2.xml><?xml version="1.0" encoding="utf-8"?>
+<file path=customXml/itemProps1.xml><?xml version="1.0" encoding="utf-8"?>
 <ds:datastoreItem xmlns:ds="http://schemas.openxmlformats.org/officeDocument/2006/customXml" ds:itemID="{566C857B-E52C-4200-9223-45EEE86CA270}">
   <ds:schemaRefs>
     <ds:schemaRef ds:uri="http://schemas.microsoft.com/office/2006/metadata/contentType"/>
@@ -49814,10 +49800,25 @@
 </ds:datastoreItem>
 </file>
 
-<file path=customXml/itemProps3.xml><?xml version="1.0" encoding="utf-8"?>
+<file path=customXml/itemProps2.xml><?xml version="1.0" encoding="utf-8"?>
 <ds:datastoreItem xmlns:ds="http://schemas.openxmlformats.org/officeDocument/2006/customXml" ds:itemID="{13DE0ED7-AE8B-4CE1-892D-805FE0D473B5}">
   <ds:schemaRefs>
     <ds:schemaRef ds:uri="http://schemas.microsoft.com/sharepoint/v3/contenttype/forms"/>
   </ds:schemaRefs>
 </ds:datastoreItem>
+</file>
+
+<file path=customXml/itemProps3.xml><?xml version="1.0" encoding="utf-8"?>
+<ds:datastoreItem xmlns:ds="http://schemas.openxmlformats.org/officeDocument/2006/customXml" ds:itemID="{9A69BF48-D9C3-4DE0-818A-0C2EC431B649}">
+  <ds:schemaRefs>
+    <ds:schemaRef ds:uri="http://purl.org/dc/terms/"/>
+    <ds:schemaRef ds:uri="http://www.w3.org/XML/1998/namespace"/>
+    <ds:schemaRef ds:uri="http://schemas.microsoft.com/office/infopath/2007/PartnerControls"/>
+    <ds:schemaRef ds:uri="http://purl.org/dc/elements/1.1/"/>
+    <ds:schemaRef ds:uri="http://schemas.microsoft.com/office/2006/documentManagement/types"/>
+    <ds:schemaRef ds:uri="http://purl.org/dc/dcmitype/"/>
+    <ds:schemaRef ds:uri="http://schemas.openxmlformats.org/package/2006/metadata/core-properties"/>
+    <ds:schemaRef ds:uri="http://schemas.microsoft.com/office/2006/metadata/properties"/>
+  </ds:schemaRefs>
+</ds:datastoreItem>
 </file>
--- a/FSharpWorkshop_Slides.pptx
+++ b/FSharpWorkshop_Slides.pptx
@@ -2957,7 +2957,7 @@
           <a:p>
             <a:fld id="{20EA5F0D-C1DC-412F-A146-DDB3A74B588F}" type="datetimeFigureOut">
               <a:rPr lang="en-US"/>
-              <a:t>12/4/2016</a:t>
+              <a:t>12/5/2016</a:t>
             </a:fld>
             <a:endParaRPr/>
           </a:p>
@@ -3122,7 +3122,7 @@
           <a:p>
             <a:fld id="{A8CDE508-72C8-4AB5-AA9C-1584D31690E0}" type="datetimeFigureOut">
               <a:rPr lang="en-US"/>
-              <a:t>12/4/2016</a:t>
+              <a:t>12/5/2016</a:t>
             </a:fld>
             <a:endParaRPr/>
           </a:p>
@@ -3847,7 +3847,7 @@
           <a:p>
             <a:fld id="{4BDF68E2-58F2-4D09-BE8B-E3BD06533059}" type="datetimeFigureOut">
               <a:rPr lang="en-US" smtClean="0"/>
-              <a:t>12/4/2016</a:t>
+              <a:t>12/5/2016</a:t>
             </a:fld>
             <a:endParaRPr lang="en-US" dirty="0"/>
           </a:p>
@@ -4067,7 +4067,7 @@
           <a:p>
             <a:fld id="{9E583DDF-CA54-461A-A486-592D2374C532}" type="datetimeFigureOut">
               <a:rPr lang="en-US" smtClean="0"/>
-              <a:t>12/4/2016</a:t>
+              <a:t>12/5/2016</a:t>
             </a:fld>
             <a:endParaRPr lang="en-US"/>
           </a:p>
@@ -4335,7 +4335,7 @@
           <a:p>
             <a:fld id="{9E583DDF-CA54-461A-A486-592D2374C532}" type="datetimeFigureOut">
               <a:rPr lang="en-US" smtClean="0"/>
-              <a:t>12/4/2016</a:t>
+              <a:t>12/5/2016</a:t>
             </a:fld>
             <a:endParaRPr lang="en-US"/>
           </a:p>
@@ -4517,7 +4517,7 @@
           <a:p>
             <a:fld id="{9E583DDF-CA54-461A-A486-592D2374C532}" type="datetimeFigureOut">
               <a:rPr lang="en-US" smtClean="0"/>
-              <a:t>12/4/2016</a:t>
+              <a:t>12/5/2016</a:t>
             </a:fld>
             <a:endParaRPr lang="en-US"/>
           </a:p>
@@ -4872,7 +4872,7 @@
           <a:p>
             <a:fld id="{9E583DDF-CA54-461A-A486-592D2374C532}" type="datetimeFigureOut">
               <a:rPr lang="en-US" smtClean="0"/>
-              <a:t>12/4/2016</a:t>
+              <a:t>12/5/2016</a:t>
             </a:fld>
             <a:endParaRPr lang="en-US"/>
           </a:p>
@@ -5159,7 +5159,7 @@
           <a:p>
             <a:fld id="{0A879FD0-C37A-4F50-8F3B-5FA0D9D0B42F}" type="datetimeFigureOut">
               <a:rPr lang="en-US" smtClean="0"/>
-              <a:t>12/4/2016</a:t>
+              <a:t>12/5/2016</a:t>
             </a:fld>
             <a:endParaRPr lang="en-US"/>
           </a:p>
@@ -5550,7 +5550,7 @@
           <a:p>
             <a:fld id="{9E583DDF-CA54-461A-A486-592D2374C532}" type="datetimeFigureOut">
               <a:rPr lang="en-US" smtClean="0"/>
-              <a:t>12/4/2016</a:t>
+              <a:t>12/5/2016</a:t>
             </a:fld>
             <a:endParaRPr lang="en-US"/>
           </a:p>
@@ -5680,7 +5680,7 @@
           <a:p>
             <a:fld id="{9E583DDF-CA54-461A-A486-592D2374C532}" type="datetimeFigureOut">
               <a:rPr lang="en-US" smtClean="0"/>
-              <a:t>12/4/2016</a:t>
+              <a:t>12/5/2016</a:t>
             </a:fld>
             <a:endParaRPr lang="en-US"/>
           </a:p>
@@ -5863,7 +5863,7 @@
           <a:p>
             <a:fld id="{9E583DDF-CA54-461A-A486-592D2374C532}" type="datetimeFigureOut">
               <a:rPr lang="en-US" smtClean="0"/>
-              <a:t>12/4/2016</a:t>
+              <a:t>12/5/2016</a:t>
             </a:fld>
             <a:endParaRPr lang="en-US"/>
           </a:p>
@@ -6229,7 +6229,7 @@
           <a:p>
             <a:fld id="{9E583DDF-CA54-461A-A486-592D2374C532}" type="datetimeFigureOut">
               <a:rPr lang="en-US" smtClean="0"/>
-              <a:t>12/4/2016</a:t>
+              <a:t>12/5/2016</a:t>
             </a:fld>
             <a:endParaRPr lang="en-US"/>
           </a:p>
@@ -6618,7 +6618,7 @@
           <a:p>
             <a:fld id="{9E583DDF-CA54-461A-A486-592D2374C532}" type="datetimeFigureOut">
               <a:rPr lang="en-US" smtClean="0"/>
-              <a:t>12/4/2016</a:t>
+              <a:t>12/5/2016</a:t>
             </a:fld>
             <a:endParaRPr lang="en-US"/>
           </a:p>
@@ -6918,7 +6918,7 @@
             <a:fld id="{9E583DDF-CA54-461A-A486-592D2374C532}" type="datetimeFigureOut">
               <a:rPr lang="en-US" smtClean="0"/>
               <a:pPr/>
-              <a:t>12/4/2016</a:t>
+              <a:t>12/5/2016</a:t>
             </a:fld>
             <a:endParaRPr lang="en-US"/>
           </a:p>
@@ -30467,7 +30467,7 @@
           </a:p>
           <a:p>
             <a:r>
-              <a:rPr lang="en-AU" sz="2000" dirty="0">
+              <a:rPr lang="en-AU" sz="2000">
                 <a:solidFill>
                   <a:srgbClr val="0000CC"/>
                 </a:solidFill>
@@ -30475,12 +30475,12 @@
               <a:t>match</a:t>
             </a:r>
             <a:r>
-              <a:rPr lang="en-AU" sz="2000" dirty="0">
+              <a:rPr lang="en-AU" sz="2000">
                 <a:solidFill>
                   <a:schemeClr val="tx1"/>
                 </a:solidFill>
               </a:rPr>
-              <a:t> x </a:t>
+              <a:t> result </a:t>
             </a:r>
             <a:r>
               <a:rPr lang="en-AU" sz="2000" dirty="0">
@@ -49656,6 +49656,21 @@
 </file>
 
 <file path=customXml/item1.xml><?xml version="1.0" encoding="utf-8"?>
+<?mso-contentType ?>
+<FormTemplates xmlns="http://schemas.microsoft.com/sharepoint/v3/contenttype/forms">
+  <Display>DocumentLibraryForm</Display>
+  <Edit>DocumentLibraryForm</Edit>
+  <New>DocumentLibraryForm</New>
+</FormTemplates>
+</file>
+
+<file path=customXml/item2.xml><?xml version="1.0" encoding="utf-8"?>
+<p:properties xmlns:p="http://schemas.microsoft.com/office/2006/metadata/properties" xmlns:xsi="http://www.w3.org/2001/XMLSchema-instance" xmlns:pc="http://schemas.microsoft.com/office/infopath/2007/PartnerControls">
+  <documentManagement/>
+</p:properties>
+</file>
+
+<file path=customXml/item3.xml><?xml version="1.0" encoding="utf-8"?>
 <ct:contentTypeSchema xmlns:ct="http://schemas.microsoft.com/office/2006/metadata/contentType" xmlns:ma="http://schemas.microsoft.com/office/2006/metadata/properties/metaAttributes" ct:_="" ma:_="" ma:contentTypeName="Document" ma:contentTypeID="0x0101007C1D5F340F01F94FA2FD29A5E6DC872E" ma:contentTypeVersion="0" ma:contentTypeDescription="Create a new document." ma:contentTypeScope="" ma:versionID="f583bd66513a361a730282b6a794e352">
   <xsd:schema xmlns:xsd="http://www.w3.org/2001/XMLSchema" xmlns:xs="http://www.w3.org/2001/XMLSchema" xmlns:p="http://schemas.microsoft.com/office/2006/metadata/properties" targetNamespace="http://schemas.microsoft.com/office/2006/metadata/properties" ma:root="true" ma:fieldsID="6841151cf538834e171094e4faaf2d73">
     <xsd:element name="properties">
@@ -49769,22 +49784,30 @@
 </ct:contentTypeSchema>
 </file>
 
-<file path=customXml/item2.xml><?xml version="1.0" encoding="utf-8"?>
-<?mso-contentType ?>
-<FormTemplates xmlns="http://schemas.microsoft.com/sharepoint/v3/contenttype/forms">
-  <Display>DocumentLibraryForm</Display>
-  <Edit>DocumentLibraryForm</Edit>
-  <New>DocumentLibraryForm</New>
-</FormTemplates>
+<file path=customXml/itemProps1.xml><?xml version="1.0" encoding="utf-8"?>
+<ds:datastoreItem xmlns:ds="http://schemas.openxmlformats.org/officeDocument/2006/customXml" ds:itemID="{13DE0ED7-AE8B-4CE1-892D-805FE0D473B5}">
+  <ds:schemaRefs>
+    <ds:schemaRef ds:uri="http://schemas.microsoft.com/sharepoint/v3/contenttype/forms"/>
+  </ds:schemaRefs>
+</ds:datastoreItem>
 </file>
 
-<file path=customXml/item3.xml><?xml version="1.0" encoding="utf-8"?>
-<p:properties xmlns:p="http://schemas.microsoft.com/office/2006/metadata/properties" xmlns:xsi="http://www.w3.org/2001/XMLSchema-instance" xmlns:pc="http://schemas.microsoft.com/office/infopath/2007/PartnerControls">
-  <documentManagement/>
-</p:properties>
+<file path=customXml/itemProps2.xml><?xml version="1.0" encoding="utf-8"?>
+<ds:datastoreItem xmlns:ds="http://schemas.openxmlformats.org/officeDocument/2006/customXml" ds:itemID="{9A69BF48-D9C3-4DE0-818A-0C2EC431B649}">
+  <ds:schemaRefs>
+    <ds:schemaRef ds:uri="http://purl.org/dc/terms/"/>
+    <ds:schemaRef ds:uri="http://www.w3.org/XML/1998/namespace"/>
+    <ds:schemaRef ds:uri="http://schemas.microsoft.com/office/infopath/2007/PartnerControls"/>
+    <ds:schemaRef ds:uri="http://purl.org/dc/elements/1.1/"/>
+    <ds:schemaRef ds:uri="http://schemas.microsoft.com/office/2006/documentManagement/types"/>
+    <ds:schemaRef ds:uri="http://purl.org/dc/dcmitype/"/>
+    <ds:schemaRef ds:uri="http://schemas.openxmlformats.org/package/2006/metadata/core-properties"/>
+    <ds:schemaRef ds:uri="http://schemas.microsoft.com/office/2006/metadata/properties"/>
+  </ds:schemaRefs>
+</ds:datastoreItem>
 </file>
 
-<file path=customXml/itemProps1.xml><?xml version="1.0" encoding="utf-8"?>
+<file path=customXml/itemProps3.xml><?xml version="1.0" encoding="utf-8"?>
 <ds:datastoreItem xmlns:ds="http://schemas.openxmlformats.org/officeDocument/2006/customXml" ds:itemID="{566C857B-E52C-4200-9223-45EEE86CA270}">
   <ds:schemaRefs>
     <ds:schemaRef ds:uri="http://schemas.microsoft.com/office/2006/metadata/contentType"/>
@@ -49798,27 +49821,4 @@
     <ds:schemaRef ds:uri="http://schemas.microsoft.com/office/infopath/2007/PartnerControls"/>
   </ds:schemaRefs>
 </ds:datastoreItem>
-</file>
-
-<file path=customXml/itemProps2.xml><?xml version="1.0" encoding="utf-8"?>
-<ds:datastoreItem xmlns:ds="http://schemas.openxmlformats.org/officeDocument/2006/customXml" ds:itemID="{13DE0ED7-AE8B-4CE1-892D-805FE0D473B5}">
-  <ds:schemaRefs>
-    <ds:schemaRef ds:uri="http://schemas.microsoft.com/sharepoint/v3/contenttype/forms"/>
-  </ds:schemaRefs>
-</ds:datastoreItem>
-</file>
-
-<file path=customXml/itemProps3.xml><?xml version="1.0" encoding="utf-8"?>
-<ds:datastoreItem xmlns:ds="http://schemas.openxmlformats.org/officeDocument/2006/customXml" ds:itemID="{9A69BF48-D9C3-4DE0-818A-0C2EC431B649}">
-  <ds:schemaRefs>
-    <ds:schemaRef ds:uri="http://purl.org/dc/terms/"/>
-    <ds:schemaRef ds:uri="http://www.w3.org/XML/1998/namespace"/>
-    <ds:schemaRef ds:uri="http://schemas.microsoft.com/office/infopath/2007/PartnerControls"/>
-    <ds:schemaRef ds:uri="http://purl.org/dc/elements/1.1/"/>
-    <ds:schemaRef ds:uri="http://schemas.microsoft.com/office/2006/documentManagement/types"/>
-    <ds:schemaRef ds:uri="http://purl.org/dc/dcmitype/"/>
-    <ds:schemaRef ds:uri="http://schemas.openxmlformats.org/package/2006/metadata/core-properties"/>
-    <ds:schemaRef ds:uri="http://schemas.microsoft.com/office/2006/metadata/properties"/>
-  </ds:schemaRefs>
-</ds:datastoreItem>
 </file>
--- a/FSharpWorkshop_Slides.pptx
+++ b/FSharpWorkshop_Slides.pptx
@@ -5,70 +5,71 @@
     <p:sldMasterId id="2147483673" r:id="rId4"/>
   </p:sldMasterIdLst>
   <p:notesMasterIdLst>
-    <p:notesMasterId r:id="rId63"/>
+    <p:notesMasterId r:id="rId64"/>
   </p:notesMasterIdLst>
   <p:handoutMasterIdLst>
-    <p:handoutMasterId r:id="rId64"/>
+    <p:handoutMasterId r:id="rId65"/>
   </p:handoutMasterIdLst>
   <p:sldIdLst>
     <p:sldId id="385" r:id="rId5"/>
-    <p:sldId id="383" r:id="rId6"/>
-    <p:sldId id="382" r:id="rId7"/>
-    <p:sldId id="273" r:id="rId8"/>
-    <p:sldId id="386" r:id="rId9"/>
-    <p:sldId id="280" r:id="rId10"/>
-    <p:sldId id="281" r:id="rId11"/>
-    <p:sldId id="275" r:id="rId12"/>
-    <p:sldId id="274" r:id="rId13"/>
-    <p:sldId id="278" r:id="rId14"/>
-    <p:sldId id="284" r:id="rId15"/>
-    <p:sldId id="387" r:id="rId16"/>
-    <p:sldId id="286" r:id="rId17"/>
-    <p:sldId id="291" r:id="rId18"/>
-    <p:sldId id="293" r:id="rId19"/>
-    <p:sldId id="296" r:id="rId20"/>
-    <p:sldId id="402" r:id="rId21"/>
-    <p:sldId id="298" r:id="rId22"/>
-    <p:sldId id="377" r:id="rId23"/>
-    <p:sldId id="300" r:id="rId24"/>
-    <p:sldId id="301" r:id="rId25"/>
-    <p:sldId id="303" r:id="rId26"/>
-    <p:sldId id="304" r:id="rId27"/>
-    <p:sldId id="305" r:id="rId28"/>
-    <p:sldId id="369" r:id="rId29"/>
-    <p:sldId id="313" r:id="rId30"/>
-    <p:sldId id="312" r:id="rId31"/>
-    <p:sldId id="378" r:id="rId32"/>
-    <p:sldId id="314" r:id="rId33"/>
-    <p:sldId id="306" r:id="rId34"/>
-    <p:sldId id="308" r:id="rId35"/>
-    <p:sldId id="315" r:id="rId36"/>
-    <p:sldId id="316" r:id="rId37"/>
-    <p:sldId id="317" r:id="rId38"/>
-    <p:sldId id="320" r:id="rId39"/>
-    <p:sldId id="321" r:id="rId40"/>
-    <p:sldId id="322" r:id="rId41"/>
-    <p:sldId id="323" r:id="rId42"/>
-    <p:sldId id="370" r:id="rId43"/>
-    <p:sldId id="333" r:id="rId44"/>
-    <p:sldId id="332" r:id="rId45"/>
-    <p:sldId id="379" r:id="rId46"/>
-    <p:sldId id="334" r:id="rId47"/>
-    <p:sldId id="326" r:id="rId48"/>
-    <p:sldId id="324" r:id="rId49"/>
-    <p:sldId id="325" r:id="rId50"/>
-    <p:sldId id="338" r:id="rId51"/>
-    <p:sldId id="388" r:id="rId52"/>
-    <p:sldId id="394" r:id="rId53"/>
-    <p:sldId id="395" r:id="rId54"/>
-    <p:sldId id="396" r:id="rId55"/>
-    <p:sldId id="397" r:id="rId56"/>
-    <p:sldId id="371" r:id="rId57"/>
-    <p:sldId id="351" r:id="rId58"/>
-    <p:sldId id="349" r:id="rId59"/>
-    <p:sldId id="380" r:id="rId60"/>
-    <p:sldId id="357" r:id="rId61"/>
-    <p:sldId id="400" r:id="rId62"/>
+    <p:sldId id="403" r:id="rId6"/>
+    <p:sldId id="383" r:id="rId7"/>
+    <p:sldId id="382" r:id="rId8"/>
+    <p:sldId id="273" r:id="rId9"/>
+    <p:sldId id="386" r:id="rId10"/>
+    <p:sldId id="280" r:id="rId11"/>
+    <p:sldId id="281" r:id="rId12"/>
+    <p:sldId id="275" r:id="rId13"/>
+    <p:sldId id="274" r:id="rId14"/>
+    <p:sldId id="278" r:id="rId15"/>
+    <p:sldId id="284" r:id="rId16"/>
+    <p:sldId id="387" r:id="rId17"/>
+    <p:sldId id="286" r:id="rId18"/>
+    <p:sldId id="291" r:id="rId19"/>
+    <p:sldId id="293" r:id="rId20"/>
+    <p:sldId id="296" r:id="rId21"/>
+    <p:sldId id="402" r:id="rId22"/>
+    <p:sldId id="298" r:id="rId23"/>
+    <p:sldId id="377" r:id="rId24"/>
+    <p:sldId id="300" r:id="rId25"/>
+    <p:sldId id="301" r:id="rId26"/>
+    <p:sldId id="303" r:id="rId27"/>
+    <p:sldId id="304" r:id="rId28"/>
+    <p:sldId id="305" r:id="rId29"/>
+    <p:sldId id="369" r:id="rId30"/>
+    <p:sldId id="313" r:id="rId31"/>
+    <p:sldId id="312" r:id="rId32"/>
+    <p:sldId id="378" r:id="rId33"/>
+    <p:sldId id="314" r:id="rId34"/>
+    <p:sldId id="306" r:id="rId35"/>
+    <p:sldId id="308" r:id="rId36"/>
+    <p:sldId id="315" r:id="rId37"/>
+    <p:sldId id="316" r:id="rId38"/>
+    <p:sldId id="317" r:id="rId39"/>
+    <p:sldId id="320" r:id="rId40"/>
+    <p:sldId id="321" r:id="rId41"/>
+    <p:sldId id="322" r:id="rId42"/>
+    <p:sldId id="323" r:id="rId43"/>
+    <p:sldId id="370" r:id="rId44"/>
+    <p:sldId id="333" r:id="rId45"/>
+    <p:sldId id="332" r:id="rId46"/>
+    <p:sldId id="379" r:id="rId47"/>
+    <p:sldId id="334" r:id="rId48"/>
+    <p:sldId id="326" r:id="rId49"/>
+    <p:sldId id="324" r:id="rId50"/>
+    <p:sldId id="325" r:id="rId51"/>
+    <p:sldId id="338" r:id="rId52"/>
+    <p:sldId id="388" r:id="rId53"/>
+    <p:sldId id="394" r:id="rId54"/>
+    <p:sldId id="395" r:id="rId55"/>
+    <p:sldId id="396" r:id="rId56"/>
+    <p:sldId id="397" r:id="rId57"/>
+    <p:sldId id="371" r:id="rId58"/>
+    <p:sldId id="351" r:id="rId59"/>
+    <p:sldId id="349" r:id="rId60"/>
+    <p:sldId id="380" r:id="rId61"/>
+    <p:sldId id="357" r:id="rId62"/>
+    <p:sldId id="400" r:id="rId63"/>
   </p:sldIdLst>
   <p:sldSz cx="12192000" cy="6858000"/>
   <p:notesSz cx="7102475" cy="10233025"/>
@@ -3518,7 +3519,7 @@
           <a:p>
             <a:fld id="{7FB667E1-E601-4AAF-B95C-B25720D70A60}" type="slidenum">
               <a:rPr lang="en-US" smtClean="0"/>
-              <a:t>16</a:t>
+              <a:t>17</a:t>
             </a:fld>
             <a:endParaRPr lang="en-US"/>
           </a:p>
@@ -3602,7 +3603,7 @@
           <a:p>
             <a:fld id="{7FB667E1-E601-4AAF-B95C-B25720D70A60}" type="slidenum">
               <a:rPr lang="en-US" smtClean="0"/>
-              <a:t>41</a:t>
+              <a:t>42</a:t>
             </a:fld>
             <a:endParaRPr lang="en-US"/>
           </a:p>
@@ -7882,6 +7883,203 @@
 </file>
 
 <file path=ppt/slides/slide10.xml><?xml version="1.0" encoding="utf-8"?>
+<p:sld xmlns:a="http://schemas.openxmlformats.org/drawingml/2006/main" xmlns:r="http://schemas.openxmlformats.org/officeDocument/2006/relationships" xmlns:p="http://schemas.openxmlformats.org/presentationml/2006/main" showMasterSp="0">
+  <p:cSld>
+    <p:spTree>
+      <p:nvGrpSpPr>
+        <p:cNvPr id="1" name=""/>
+        <p:cNvGrpSpPr/>
+        <p:nvPr/>
+      </p:nvGrpSpPr>
+      <p:grpSpPr>
+        <a:xfrm>
+          <a:off x="0" y="0"/>
+          <a:ext cx="0" cy="0"/>
+          <a:chOff x="0" y="0"/>
+          <a:chExt cx="0" cy="0"/>
+        </a:xfrm>
+      </p:grpSpPr>
+      <p:sp>
+        <p:nvSpPr>
+          <p:cNvPr id="3" name="Title 12"/>
+          <p:cNvSpPr>
+            <a:spLocks noGrp="1"/>
+          </p:cNvSpPr>
+          <p:nvPr>
+            <p:ph type="title"/>
+          </p:nvPr>
+        </p:nvSpPr>
+        <p:spPr>
+          <a:xfrm>
+            <a:off x="1341120" y="185350"/>
+            <a:ext cx="9509760" cy="909948"/>
+          </a:xfrm>
+        </p:spPr>
+        <p:txBody>
+          <a:bodyPr>
+            <a:normAutofit/>
+          </a:bodyPr>
+          <a:lstStyle/>
+          <a:p>
+            <a:pPr algn="ctr"/>
+            <a:r>
+              <a:rPr lang="en-US" sz="5400" dirty="0">
+                <a:solidFill>
+                  <a:schemeClr val="accent1"/>
+                </a:solidFill>
+              </a:rPr>
+              <a:t>Agenda</a:t>
+            </a:r>
+          </a:p>
+        </p:txBody>
+      </p:sp>
+      <p:sp>
+        <p:nvSpPr>
+          <p:cNvPr id="14" name="Content Placeholder 13"/>
+          <p:cNvSpPr>
+            <a:spLocks noGrp="1"/>
+          </p:cNvSpPr>
+          <p:nvPr>
+            <p:ph idx="1"/>
+          </p:nvPr>
+        </p:nvSpPr>
+        <p:spPr>
+          <a:xfrm>
+            <a:off x="33864" y="1349367"/>
+            <a:ext cx="12124269" cy="5178853"/>
+          </a:xfrm>
+        </p:spPr>
+        <p:txBody>
+          <a:bodyPr>
+            <a:normAutofit/>
+          </a:bodyPr>
+          <a:lstStyle/>
+          <a:p>
+            <a:pPr marL="45720" indent="0" algn="ctr">
+              <a:buNone/>
+            </a:pPr>
+            <a:r>
+              <a:rPr lang="en-AU" sz="3000" b="1" dirty="0">
+                <a:solidFill>
+                  <a:schemeClr val="accent1"/>
+                </a:solidFill>
+              </a:rPr>
+              <a:t>Module 1</a:t>
+            </a:r>
+            <a:endParaRPr lang="en-AU" sz="3000" dirty="0">
+              <a:solidFill>
+                <a:schemeClr val="accent1"/>
+              </a:solidFill>
+            </a:endParaRPr>
+          </a:p>
+          <a:p>
+            <a:pPr marL="45720" indent="0" algn="ctr">
+              <a:buNone/>
+            </a:pPr>
+            <a:r>
+              <a:rPr lang="en-AU" sz="3000" dirty="0"/>
+              <a:t>Bindings | Functions | Tuples | Records</a:t>
+            </a:r>
+          </a:p>
+          <a:p>
+            <a:pPr marL="45720" indent="0" algn="ctr">
+              <a:buNone/>
+            </a:pPr>
+            <a:r>
+              <a:rPr lang="en-AU" sz="3000" b="1" dirty="0">
+                <a:solidFill>
+                  <a:schemeClr val="accent1"/>
+                </a:solidFill>
+              </a:rPr>
+              <a:t>Module 2</a:t>
+            </a:r>
+          </a:p>
+          <a:p>
+            <a:pPr marL="45720" indent="0" algn="ctr">
+              <a:buNone/>
+            </a:pPr>
+            <a:r>
+              <a:rPr lang="en-AU" sz="3000" dirty="0"/>
+              <a:t>High order functions | Pipelining | Partial application | Composition</a:t>
+            </a:r>
+          </a:p>
+          <a:p>
+            <a:pPr marL="45720" indent="0" algn="ctr">
+              <a:buNone/>
+            </a:pPr>
+            <a:r>
+              <a:rPr lang="en-AU" sz="3000" b="1" dirty="0">
+                <a:solidFill>
+                  <a:schemeClr val="accent1"/>
+                </a:solidFill>
+              </a:rPr>
+              <a:t>Module 3</a:t>
+            </a:r>
+          </a:p>
+          <a:p>
+            <a:pPr marL="45720" indent="0" algn="ctr">
+              <a:buNone/>
+            </a:pPr>
+            <a:r>
+              <a:rPr lang="en-AU" sz="3000" dirty="0"/>
+              <a:t>Options | Pattern matching | Discriminated unions | Units of measure</a:t>
+            </a:r>
+          </a:p>
+          <a:p>
+            <a:pPr marL="45720" indent="0" algn="ctr">
+              <a:buNone/>
+            </a:pPr>
+            <a:r>
+              <a:rPr lang="en-AU" sz="3000" b="1" dirty="0">
+                <a:solidFill>
+                  <a:schemeClr val="accent1"/>
+                </a:solidFill>
+              </a:rPr>
+              <a:t>Module 4 </a:t>
+            </a:r>
+            <a:endParaRPr lang="en-AU" sz="3000" dirty="0">
+              <a:solidFill>
+                <a:schemeClr val="accent1"/>
+              </a:solidFill>
+            </a:endParaRPr>
+          </a:p>
+          <a:p>
+            <a:pPr marL="45720" indent="0" algn="ctr">
+              <a:buNone/>
+            </a:pPr>
+            <a:r>
+              <a:rPr lang="en-AU" sz="3000" dirty="0"/>
+              <a:t>Functional lists | Object-oriented programming | Type providers</a:t>
+            </a:r>
+          </a:p>
+        </p:txBody>
+      </p:sp>
+    </p:spTree>
+    <p:extLst>
+      <p:ext uri="{BB962C8B-B14F-4D97-AF65-F5344CB8AC3E}">
+        <p14:creationId xmlns:p14="http://schemas.microsoft.com/office/powerpoint/2010/main" val="1530262540"/>
+      </p:ext>
+    </p:extLst>
+  </p:cSld>
+  <p:clrMapOvr>
+    <a:masterClrMapping/>
+  </p:clrMapOvr>
+  <mc:AlternateContent xmlns:mc="http://schemas.openxmlformats.org/markup-compatibility/2006" xmlns:p14="http://schemas.microsoft.com/office/powerpoint/2010/main">
+    <mc:Choice Requires="p14">
+      <p:transition spd="med" p14:dur="700">
+        <p:fade/>
+      </p:transition>
+    </mc:Choice>
+    <mc:Fallback xmlns="">
+      <p:transition spd="med">
+        <p:fade/>
+      </p:transition>
+    </mc:Fallback>
+  </mc:AlternateContent>
+</p:sld>
+</file>
+
+<file path=ppt/slides/slide11.xml><?xml version="1.0" encoding="utf-8"?>
 <p:sld xmlns:a="http://schemas.openxmlformats.org/drawingml/2006/main" xmlns:r="http://schemas.openxmlformats.org/officeDocument/2006/relationships" xmlns:p="http://schemas.openxmlformats.org/presentationml/2006/main">
   <p:cSld>
     <p:spTree>
@@ -8175,7 +8373,7 @@
 </p:sld>
 </file>
 
-<file path=ppt/slides/slide11.xml><?xml version="1.0" encoding="utf-8"?>
+<file path=ppt/slides/slide12.xml><?xml version="1.0" encoding="utf-8"?>
 <p:sld xmlns:a="http://schemas.openxmlformats.org/drawingml/2006/main" xmlns:r="http://schemas.openxmlformats.org/officeDocument/2006/relationships" xmlns:p="http://schemas.openxmlformats.org/presentationml/2006/main">
   <p:cSld>
     <p:spTree>
@@ -8795,7 +8993,7 @@
 </p:sld>
 </file>
 
-<file path=ppt/slides/slide12.xml><?xml version="1.0" encoding="utf-8"?>
+<file path=ppt/slides/slide13.xml><?xml version="1.0" encoding="utf-8"?>
 <p:sld xmlns:a="http://schemas.openxmlformats.org/drawingml/2006/main" xmlns:r="http://schemas.openxmlformats.org/officeDocument/2006/relationships" xmlns:p="http://schemas.openxmlformats.org/presentationml/2006/main">
   <p:cSld>
     <p:spTree>
@@ -15242,7 +15440,7 @@
 </p:sld>
 </file>
 
-<file path=ppt/slides/slide13.xml><?xml version="1.0" encoding="utf-8"?>
+<file path=ppt/slides/slide14.xml><?xml version="1.0" encoding="utf-8"?>
 <p:sld xmlns:a="http://schemas.openxmlformats.org/drawingml/2006/main" xmlns:r="http://schemas.openxmlformats.org/officeDocument/2006/relationships" xmlns:p="http://schemas.openxmlformats.org/presentationml/2006/main" show="0">
   <p:cSld>
     <p:spTree>
@@ -16160,7 +16358,7 @@
 </p:sld>
 </file>
 
-<file path=ppt/slides/slide14.xml><?xml version="1.0" encoding="utf-8"?>
+<file path=ppt/slides/slide15.xml><?xml version="1.0" encoding="utf-8"?>
 <p:sld xmlns:a="http://schemas.openxmlformats.org/drawingml/2006/main" xmlns:r="http://schemas.openxmlformats.org/officeDocument/2006/relationships" xmlns:p="http://schemas.openxmlformats.org/presentationml/2006/main">
   <p:cSld>
     <p:spTree>
@@ -16550,7 +16748,7 @@
 </p:sld>
 </file>
 
-<file path=ppt/slides/slide15.xml><?xml version="1.0" encoding="utf-8"?>
+<file path=ppt/slides/slide16.xml><?xml version="1.0" encoding="utf-8"?>
 <p:sld xmlns:a="http://schemas.openxmlformats.org/drawingml/2006/main" xmlns:r="http://schemas.openxmlformats.org/officeDocument/2006/relationships" xmlns:p="http://schemas.openxmlformats.org/presentationml/2006/main">
   <p:cSld>
     <p:spTree>
@@ -17593,7 +17791,7 @@
 </p:sld>
 </file>
 
-<file path=ppt/slides/slide16.xml><?xml version="1.0" encoding="utf-8"?>
+<file path=ppt/slides/slide17.xml><?xml version="1.0" encoding="utf-8"?>
 <p:sld xmlns:a="http://schemas.openxmlformats.org/drawingml/2006/main" xmlns:r="http://schemas.openxmlformats.org/officeDocument/2006/relationships" xmlns:p="http://schemas.openxmlformats.org/presentationml/2006/main">
   <p:cSld>
     <p:spTree>
@@ -17887,7 +18085,7 @@
 </p:sld>
 </file>
 
-<file path=ppt/slides/slide17.xml><?xml version="1.0" encoding="utf-8"?>
+<file path=ppt/slides/slide18.xml><?xml version="1.0" encoding="utf-8"?>
 <p:sld xmlns:a="http://schemas.openxmlformats.org/drawingml/2006/main" xmlns:r="http://schemas.openxmlformats.org/officeDocument/2006/relationships" xmlns:p="http://schemas.openxmlformats.org/presentationml/2006/main">
   <p:cSld>
     <p:spTree>
@@ -18866,7 +19064,7 @@
 </p:sld>
 </file>
 
-<file path=ppt/slides/slide18.xml><?xml version="1.0" encoding="utf-8"?>
+<file path=ppt/slides/slide19.xml><?xml version="1.0" encoding="utf-8"?>
 <p:sld xmlns:a="http://schemas.openxmlformats.org/drawingml/2006/main" xmlns:r="http://schemas.openxmlformats.org/officeDocument/2006/relationships" xmlns:p="http://schemas.openxmlformats.org/presentationml/2006/main">
   <p:cSld>
     <p:bg>
@@ -19168,137 +19366,6 @@
 </p:sld>
 </file>
 
-<file path=ppt/slides/slide19.xml><?xml version="1.0" encoding="utf-8"?>
-<p:sld xmlns:a="http://schemas.openxmlformats.org/drawingml/2006/main" xmlns:r="http://schemas.openxmlformats.org/officeDocument/2006/relationships" xmlns:p="http://schemas.openxmlformats.org/presentationml/2006/main">
-  <p:cSld>
-    <p:spTree>
-      <p:nvGrpSpPr>
-        <p:cNvPr id="1" name=""/>
-        <p:cNvGrpSpPr/>
-        <p:nvPr/>
-      </p:nvGrpSpPr>
-      <p:grpSpPr>
-        <a:xfrm>
-          <a:off x="0" y="0"/>
-          <a:ext cx="0" cy="0"/>
-          <a:chOff x="0" y="0"/>
-          <a:chExt cx="0" cy="0"/>
-        </a:xfrm>
-      </p:grpSpPr>
-      <p:sp>
-        <p:nvSpPr>
-          <p:cNvPr id="13" name="Title 12"/>
-          <p:cNvSpPr>
-            <a:spLocks noGrp="1"/>
-          </p:cNvSpPr>
-          <p:nvPr>
-            <p:ph type="title"/>
-          </p:nvPr>
-        </p:nvSpPr>
-        <p:spPr/>
-        <p:txBody>
-          <a:bodyPr>
-            <a:normAutofit/>
-          </a:bodyPr>
-          <a:lstStyle/>
-          <a:p>
-            <a:r>
-              <a:rPr lang="en-US" sz="5400" dirty="0">
-                <a:solidFill>
-                  <a:schemeClr val="accent1"/>
-                </a:solidFill>
-              </a:rPr>
-              <a:t>Review</a:t>
-            </a:r>
-          </a:p>
-        </p:txBody>
-      </p:sp>
-      <p:sp>
-        <p:nvSpPr>
-          <p:cNvPr id="14" name="Content Placeholder 13"/>
-          <p:cNvSpPr>
-            <a:spLocks noGrp="1"/>
-          </p:cNvSpPr>
-          <p:nvPr>
-            <p:ph idx="1"/>
-          </p:nvPr>
-        </p:nvSpPr>
-        <p:spPr>
-          <a:xfrm>
-            <a:off x="1210968" y="1901952"/>
-            <a:ext cx="10775085" cy="4602757"/>
-          </a:xfrm>
-        </p:spPr>
-        <p:txBody>
-          <a:bodyPr>
-            <a:noAutofit/>
-          </a:bodyPr>
-          <a:lstStyle/>
-          <a:p>
-            <a:pPr>
-              <a:buFont typeface="Calibri" panose="020F0502020204030204" pitchFamily="34" charset="0"/>
-              <a:buChar char="&gt;"/>
-            </a:pPr>
-            <a:r>
-              <a:rPr lang="en-US" sz="4000" dirty="0"/>
-              <a:t> How do you return a value in a function?</a:t>
-            </a:r>
-          </a:p>
-          <a:p>
-            <a:pPr>
-              <a:buFont typeface="Calibri" panose="020F0502020204030204" pitchFamily="34" charset="0"/>
-              <a:buChar char="&gt;"/>
-            </a:pPr>
-            <a:r>
-              <a:rPr lang="en-US" sz="4000" dirty="0"/>
-              <a:t> Can you explain this type?  string -&gt; </a:t>
-            </a:r>
-            <a:r>
-              <a:rPr lang="en-US" sz="4000" dirty="0" err="1"/>
-              <a:t>int</a:t>
-            </a:r>
-            <a:r>
-              <a:rPr lang="en-US" sz="4000" dirty="0"/>
-              <a:t> -&gt; object</a:t>
-            </a:r>
-          </a:p>
-          <a:p>
-            <a:pPr>
-              <a:buFont typeface="Calibri" panose="020F0502020204030204" pitchFamily="34" charset="0"/>
-              <a:buChar char="&gt;"/>
-            </a:pPr>
-            <a:r>
-              <a:rPr lang="en-US" sz="4000" dirty="0"/>
-              <a:t> How do you change a Record?</a:t>
-            </a:r>
-          </a:p>
-        </p:txBody>
-      </p:sp>
-    </p:spTree>
-    <p:extLst>
-      <p:ext uri="{BB962C8B-B14F-4D97-AF65-F5344CB8AC3E}">
-        <p14:creationId xmlns:p14="http://schemas.microsoft.com/office/powerpoint/2010/main" val="2420791809"/>
-      </p:ext>
-    </p:extLst>
-  </p:cSld>
-  <p:clrMapOvr>
-    <a:masterClrMapping/>
-  </p:clrMapOvr>
-  <mc:AlternateContent xmlns:mc="http://schemas.openxmlformats.org/markup-compatibility/2006" xmlns:p14="http://schemas.microsoft.com/office/powerpoint/2010/main">
-    <mc:Choice Requires="p14">
-      <p:transition spd="med" p14:dur="700">
-        <p:fade/>
-      </p:transition>
-    </mc:Choice>
-    <mc:Fallback xmlns="">
-      <p:transition spd="med">
-        <p:fade/>
-      </p:transition>
-    </mc:Fallback>
-  </mc:AlternateContent>
-</p:sld>
-</file>
-
 <file path=ppt/slides/slide2.xml><?xml version="1.0" encoding="utf-8"?>
 <p:sld xmlns:a="http://schemas.openxmlformats.org/drawingml/2006/main" xmlns:r="http://schemas.openxmlformats.org/officeDocument/2006/relationships" xmlns:p="http://schemas.openxmlformats.org/presentationml/2006/main">
   <p:cSld>
@@ -19316,317 +19383,425 @@
           <a:chExt cx="0" cy="0"/>
         </a:xfrm>
       </p:grpSpPr>
-      <p:sp>
-        <p:nvSpPr>
-          <p:cNvPr id="13" name="Title 12"/>
-          <p:cNvSpPr>
-            <a:spLocks noGrp="1"/>
-          </p:cNvSpPr>
-          <p:nvPr>
-            <p:ph type="title"/>
-          </p:nvPr>
-        </p:nvSpPr>
-        <p:spPr/>
-        <p:txBody>
-          <a:bodyPr>
-            <a:normAutofit/>
-          </a:bodyPr>
-          <a:lstStyle/>
-          <a:p>
-            <a:r>
-              <a:rPr lang="en-US" sz="5400" dirty="0">
-                <a:solidFill>
-                  <a:schemeClr val="accent1"/>
-                </a:solidFill>
-              </a:rPr>
-              <a:t>Pre-requisites</a:t>
-            </a:r>
-          </a:p>
-        </p:txBody>
-      </p:sp>
-      <p:sp>
-        <p:nvSpPr>
-          <p:cNvPr id="14" name="Content Placeholder 13"/>
-          <p:cNvSpPr>
-            <a:spLocks noGrp="1"/>
-          </p:cNvSpPr>
-          <p:nvPr>
-            <p:ph idx="1"/>
-          </p:nvPr>
-        </p:nvSpPr>
+      <p:pic>
+        <p:nvPicPr>
+          <p:cNvPr id="4" name="Picture 3"/>
+          <p:cNvPicPr>
+            <a:picLocks noChangeAspect="1"/>
+          </p:cNvPicPr>
+          <p:nvPr/>
+        </p:nvPicPr>
+        <p:blipFill>
+          <a:blip r:embed="rId2">
+            <a:extLst>
+              <a:ext uri="{28A0092B-C50C-407E-A947-70E740481C1C}">
+                <a14:useLocalDpi xmlns:a14="http://schemas.microsoft.com/office/drawing/2010/main" val="0"/>
+              </a:ext>
+            </a:extLst>
+          </a:blip>
+          <a:stretch>
+            <a:fillRect/>
+          </a:stretch>
+        </p:blipFill>
         <p:spPr>
           <a:xfrm>
-            <a:off x="1210968" y="1737360"/>
-            <a:ext cx="10775085" cy="4602757"/>
-          </a:xfrm>
-        </p:spPr>
-        <p:txBody>
-          <a:bodyPr numCol="2">
-            <a:noAutofit/>
-          </a:bodyPr>
-          <a:lstStyle/>
-          <a:p>
-            <a:pPr>
-              <a:buFont typeface="Calibri" panose="020F0502020204030204" pitchFamily="34" charset="0"/>
-              <a:buChar char="&gt;"/>
-            </a:pPr>
-            <a:r>
-              <a:rPr lang="en-US" sz="4000" dirty="0"/>
-              <a:t> Windows</a:t>
-            </a:r>
-          </a:p>
-          <a:p>
-            <a:pPr lvl="1">
-              <a:buFont typeface="Calibri" panose="020F0502020204030204" pitchFamily="34" charset="0"/>
-              <a:buChar char="&gt;"/>
-            </a:pPr>
-            <a:r>
-              <a:rPr lang="en-US" sz="2400" dirty="0"/>
-              <a:t> Visual Studio 2015 Community or</a:t>
-            </a:r>
-          </a:p>
-          <a:p>
-            <a:pPr lvl="1">
-              <a:buFont typeface="Calibri" panose="020F0502020204030204" pitchFamily="34" charset="0"/>
-              <a:buChar char="&gt;"/>
-            </a:pPr>
-            <a:r>
-              <a:rPr lang="en-US" sz="2400" dirty="0"/>
-              <a:t> Visual Studio Code + F# Compiler + </a:t>
-            </a:r>
-            <a:r>
-              <a:rPr lang="en-US" sz="2400" dirty="0" err="1"/>
-              <a:t>Ionide</a:t>
-            </a:r>
-            <a:r>
-              <a:rPr lang="en-US" sz="2400" dirty="0"/>
-              <a:t> package or</a:t>
-            </a:r>
-          </a:p>
-          <a:p>
-            <a:pPr lvl="1">
-              <a:buFont typeface="Calibri" panose="020F0502020204030204" pitchFamily="34" charset="0"/>
-              <a:buChar char="&gt;"/>
-            </a:pPr>
-            <a:r>
-              <a:rPr lang="en-US" sz="2400" dirty="0"/>
-              <a:t> Atom + F# Compiler + </a:t>
-            </a:r>
-            <a:r>
-              <a:rPr lang="en-US" sz="2400" dirty="0" err="1"/>
-              <a:t>Ionide</a:t>
-            </a:r>
-            <a:r>
-              <a:rPr lang="en-US" sz="2400" dirty="0"/>
-              <a:t> package </a:t>
-            </a:r>
-          </a:p>
-          <a:p>
-            <a:pPr>
-              <a:buFont typeface="Calibri" panose="020F0502020204030204" pitchFamily="34" charset="0"/>
-              <a:buChar char="&gt;"/>
-            </a:pPr>
-            <a:r>
-              <a:rPr lang="en-US" sz="4000" dirty="0"/>
-              <a:t> Linux</a:t>
-            </a:r>
-          </a:p>
-          <a:p>
-            <a:pPr lvl="1">
-              <a:buFont typeface="Calibri" panose="020F0502020204030204" pitchFamily="34" charset="0"/>
-              <a:buChar char="&gt;"/>
-            </a:pPr>
-            <a:r>
-              <a:rPr lang="en-US" sz="2400" dirty="0"/>
-              <a:t> Visual Studio Code + Mono + </a:t>
-            </a:r>
-            <a:r>
-              <a:rPr lang="en-US" sz="2400" dirty="0" err="1"/>
-              <a:t>Ionide</a:t>
-            </a:r>
-            <a:r>
-              <a:rPr lang="en-US" sz="2400" dirty="0"/>
-              <a:t> package or</a:t>
-            </a:r>
-          </a:p>
-          <a:p>
-            <a:pPr lvl="1">
-              <a:buFont typeface="Calibri" panose="020F0502020204030204" pitchFamily="34" charset="0"/>
-              <a:buChar char="&gt;"/>
-            </a:pPr>
-            <a:r>
-              <a:rPr lang="en-US" sz="2400" dirty="0"/>
-              <a:t> Atom + Mono + </a:t>
-            </a:r>
-            <a:r>
-              <a:rPr lang="en-US" sz="2400" dirty="0" err="1"/>
-              <a:t>Ionide</a:t>
-            </a:r>
-            <a:r>
-              <a:rPr lang="en-US" sz="2400" dirty="0"/>
-              <a:t> package </a:t>
-            </a:r>
-            <a:endParaRPr lang="en-US" sz="2200" dirty="0"/>
-          </a:p>
-          <a:p>
-            <a:pPr>
-              <a:buFont typeface="Calibri" panose="020F0502020204030204" pitchFamily="34" charset="0"/>
-              <a:buChar char="&gt;"/>
-            </a:pPr>
-            <a:r>
-              <a:rPr lang="en-US" sz="4000" dirty="0"/>
-              <a:t> Mac</a:t>
-            </a:r>
-          </a:p>
-          <a:p>
-            <a:pPr lvl="1">
-              <a:buFont typeface="Calibri" panose="020F0502020204030204" pitchFamily="34" charset="0"/>
-              <a:buChar char="&gt;"/>
-            </a:pPr>
-            <a:r>
-              <a:rPr lang="en-US" sz="2400" dirty="0"/>
-              <a:t> Visual Studio for Mac + Mono or</a:t>
-            </a:r>
-          </a:p>
-          <a:p>
-            <a:pPr lvl="1">
-              <a:buFont typeface="Calibri" panose="020F0502020204030204" pitchFamily="34" charset="0"/>
-              <a:buChar char="&gt;"/>
-            </a:pPr>
-            <a:r>
-              <a:rPr lang="en-US" sz="2400" dirty="0"/>
-              <a:t> </a:t>
-            </a:r>
-            <a:r>
-              <a:rPr lang="en-US" sz="2400" dirty="0" err="1"/>
-              <a:t>Xamarin</a:t>
-            </a:r>
-            <a:r>
-              <a:rPr lang="en-US" sz="2400" dirty="0"/>
-              <a:t> Studio 6.x + Mono or</a:t>
-            </a:r>
-          </a:p>
-          <a:p>
-            <a:pPr lvl="1">
-              <a:buFont typeface="Calibri" panose="020F0502020204030204" pitchFamily="34" charset="0"/>
-              <a:buChar char="&gt;"/>
-            </a:pPr>
-            <a:r>
-              <a:rPr lang="en-US" sz="2400" dirty="0"/>
-              <a:t> Visual Studio Code + Mono + </a:t>
-            </a:r>
-            <a:r>
-              <a:rPr lang="en-US" sz="2400" dirty="0" err="1"/>
-              <a:t>Ionide</a:t>
-            </a:r>
-            <a:r>
-              <a:rPr lang="en-US" sz="2400" dirty="0"/>
-              <a:t> package or </a:t>
-            </a:r>
-          </a:p>
-          <a:p>
-            <a:pPr lvl="1">
-              <a:buFont typeface="Calibri" panose="020F0502020204030204" pitchFamily="34" charset="0"/>
-              <a:buChar char="&gt;"/>
-            </a:pPr>
-            <a:r>
-              <a:rPr lang="en-US" sz="2400" dirty="0"/>
-              <a:t> Atom + Mono + </a:t>
-            </a:r>
-            <a:r>
-              <a:rPr lang="en-US" sz="2400" dirty="0" err="1"/>
-              <a:t>Ionide</a:t>
-            </a:r>
-            <a:r>
-              <a:rPr lang="en-US" sz="2400" dirty="0"/>
-              <a:t> package</a:t>
-            </a:r>
-          </a:p>
-        </p:txBody>
-      </p:sp>
-      <p:sp>
-        <p:nvSpPr>
-          <p:cNvPr id="2" name="Rectangle 1"/>
-          <p:cNvSpPr/>
-          <p:nvPr/>
-        </p:nvSpPr>
-        <p:spPr>
-          <a:xfrm>
-            <a:off x="7004672" y="4529379"/>
-            <a:ext cx="4232762" cy="1631216"/>
+            <a:off x="5696304" y="2100993"/>
+            <a:ext cx="6267450" cy="4125654"/>
           </a:xfrm>
           <a:prstGeom prst="rect">
             <a:avLst/>
           </a:prstGeom>
         </p:spPr>
-        <p:style>
-          <a:lnRef idx="2">
-            <a:schemeClr val="accent1"/>
-          </a:lnRef>
-          <a:fillRef idx="1">
-            <a:schemeClr val="lt1"/>
-          </a:fillRef>
-          <a:effectRef idx="0">
-            <a:schemeClr val="accent1"/>
-          </a:effectRef>
-          <a:fontRef idx="minor">
-            <a:schemeClr val="dk1"/>
-          </a:fontRef>
-        </p:style>
+      </p:pic>
+      <p:pic>
+        <p:nvPicPr>
+          <p:cNvPr id="1026" name="Picture 2" descr="http://dxg49ziwjgkgt.cloudfront.net/wp-content/uploads/2014/03/jet-logo.png"/>
+          <p:cNvPicPr>
+            <a:picLocks noChangeAspect="1" noChangeArrowheads="1"/>
+          </p:cNvPicPr>
+          <p:nvPr/>
+        </p:nvPicPr>
+        <p:blipFill>
+          <a:blip r:embed="rId3">
+            <a:extLst>
+              <a:ext uri="{28A0092B-C50C-407E-A947-70E740481C1C}">
+                <a14:useLocalDpi xmlns:a14="http://schemas.microsoft.com/office/drawing/2010/main" val="0"/>
+              </a:ext>
+            </a:extLst>
+          </a:blip>
+          <a:srcRect/>
+          <a:stretch>
+            <a:fillRect/>
+          </a:stretch>
+        </p:blipFill>
+        <p:spPr bwMode="auto">
+          <a:xfrm>
+            <a:off x="4210169" y="489084"/>
+            <a:ext cx="3105150" cy="1257301"/>
+          </a:xfrm>
+          <a:prstGeom prst="rect">
+            <a:avLst/>
+          </a:prstGeom>
+          <a:noFill/>
+          <a:extLst>
+            <a:ext uri="{909E8E84-426E-40DD-AFC4-6F175D3DCCD1}">
+              <a14:hiddenFill xmlns:a14="http://schemas.microsoft.com/office/drawing/2010/main">
+                <a:solidFill>
+                  <a:srgbClr val="FFFFFF"/>
+                </a:solidFill>
+              </a14:hiddenFill>
+            </a:ext>
+          </a:extLst>
+        </p:spPr>
+      </p:pic>
+      <p:sp>
+        <p:nvSpPr>
+          <p:cNvPr id="9" name="Content Placeholder 13"/>
+          <p:cNvSpPr txBox="1">
+            <a:spLocks/>
+          </p:cNvSpPr>
+          <p:nvPr/>
+        </p:nvSpPr>
+        <p:spPr>
+          <a:xfrm>
+            <a:off x="480592" y="2415717"/>
+            <a:ext cx="5248231" cy="3928586"/>
+          </a:xfrm>
+          <a:prstGeom prst="rect">
+            <a:avLst/>
+          </a:prstGeom>
+        </p:spPr>
         <p:txBody>
-          <a:bodyPr wrap="none">
-            <a:spAutoFit/>
+          <a:bodyPr>
+            <a:normAutofit fontScale="77500" lnSpcReduction="20000"/>
           </a:bodyPr>
-          <a:lstStyle/>
-          <a:p>
-            <a:pPr marL="45720" indent="0">
-              <a:buNone/>
+          <a:lstStyle>
+            <a:lvl1pPr marL="91440" indent="-91440" algn="l" defTabSz="914400" rtl="0" eaLnBrk="1" latinLnBrk="0" hangingPunct="1">
+              <a:lnSpc>
+                <a:spcPct val="90000"/>
+              </a:lnSpc>
+              <a:spcBef>
+                <a:spcPts val="1200"/>
+              </a:spcBef>
+              <a:spcAft>
+                <a:spcPts val="200"/>
+              </a:spcAft>
+              <a:buClr>
+                <a:schemeClr val="accent1"/>
+              </a:buClr>
+              <a:buSzPct val="100000"/>
+              <a:buFont typeface="Calibri" panose="020F0502020204030204" pitchFamily="34" charset="0"/>
+              <a:buChar char=" "/>
+              <a:defRPr sz="2000" kern="1200">
+                <a:solidFill>
+                  <a:schemeClr val="tx1">
+                    <a:lumMod val="75000"/>
+                    <a:lumOff val="25000"/>
+                  </a:schemeClr>
+                </a:solidFill>
+                <a:latin typeface="+mn-lt"/>
+                <a:ea typeface="+mn-ea"/>
+                <a:cs typeface="+mn-cs"/>
+              </a:defRPr>
+            </a:lvl1pPr>
+            <a:lvl2pPr marL="384048" indent="-182880" algn="l" defTabSz="914400" rtl="0" eaLnBrk="1" latinLnBrk="0" hangingPunct="1">
+              <a:lnSpc>
+                <a:spcPct val="90000"/>
+              </a:lnSpc>
+              <a:spcBef>
+                <a:spcPts val="200"/>
+              </a:spcBef>
+              <a:spcAft>
+                <a:spcPts val="400"/>
+              </a:spcAft>
+              <a:buClr>
+                <a:schemeClr val="accent1"/>
+              </a:buClr>
+              <a:buFont typeface="Calibri" pitchFamily="34" charset="0"/>
+              <a:buChar char="◦"/>
+              <a:defRPr sz="1800" kern="1200">
+                <a:solidFill>
+                  <a:schemeClr val="tx1">
+                    <a:lumMod val="75000"/>
+                    <a:lumOff val="25000"/>
+                  </a:schemeClr>
+                </a:solidFill>
+                <a:latin typeface="+mn-lt"/>
+                <a:ea typeface="+mn-ea"/>
+                <a:cs typeface="+mn-cs"/>
+              </a:defRPr>
+            </a:lvl2pPr>
+            <a:lvl3pPr marL="566928" indent="-182880" algn="l" defTabSz="914400" rtl="0" eaLnBrk="1" latinLnBrk="0" hangingPunct="1">
+              <a:lnSpc>
+                <a:spcPct val="90000"/>
+              </a:lnSpc>
+              <a:spcBef>
+                <a:spcPts val="200"/>
+              </a:spcBef>
+              <a:spcAft>
+                <a:spcPts val="400"/>
+              </a:spcAft>
+              <a:buClr>
+                <a:schemeClr val="accent1"/>
+              </a:buClr>
+              <a:buFont typeface="Calibri" pitchFamily="34" charset="0"/>
+              <a:buChar char="◦"/>
+              <a:defRPr sz="1400" kern="1200">
+                <a:solidFill>
+                  <a:schemeClr val="tx1">
+                    <a:lumMod val="75000"/>
+                    <a:lumOff val="25000"/>
+                  </a:schemeClr>
+                </a:solidFill>
+                <a:latin typeface="+mn-lt"/>
+                <a:ea typeface="+mn-ea"/>
+                <a:cs typeface="+mn-cs"/>
+              </a:defRPr>
+            </a:lvl3pPr>
+            <a:lvl4pPr marL="749808" indent="-182880" algn="l" defTabSz="914400" rtl="0" eaLnBrk="1" latinLnBrk="0" hangingPunct="1">
+              <a:lnSpc>
+                <a:spcPct val="90000"/>
+              </a:lnSpc>
+              <a:spcBef>
+                <a:spcPts val="200"/>
+              </a:spcBef>
+              <a:spcAft>
+                <a:spcPts val="400"/>
+              </a:spcAft>
+              <a:buClr>
+                <a:schemeClr val="accent1"/>
+              </a:buClr>
+              <a:buFont typeface="Calibri" pitchFamily="34" charset="0"/>
+              <a:buChar char="◦"/>
+              <a:defRPr sz="1400" kern="1200">
+                <a:solidFill>
+                  <a:schemeClr val="tx1">
+                    <a:lumMod val="75000"/>
+                    <a:lumOff val="25000"/>
+                  </a:schemeClr>
+                </a:solidFill>
+                <a:latin typeface="+mn-lt"/>
+                <a:ea typeface="+mn-ea"/>
+                <a:cs typeface="+mn-cs"/>
+              </a:defRPr>
+            </a:lvl4pPr>
+            <a:lvl5pPr marL="932688" indent="-182880" algn="l" defTabSz="914400" rtl="0" eaLnBrk="1" latinLnBrk="0" hangingPunct="1">
+              <a:lnSpc>
+                <a:spcPct val="90000"/>
+              </a:lnSpc>
+              <a:spcBef>
+                <a:spcPts val="200"/>
+              </a:spcBef>
+              <a:spcAft>
+                <a:spcPts val="400"/>
+              </a:spcAft>
+              <a:buClr>
+                <a:schemeClr val="accent1"/>
+              </a:buClr>
+              <a:buFont typeface="Calibri" pitchFamily="34" charset="0"/>
+              <a:buChar char="◦"/>
+              <a:defRPr sz="1400" kern="1200">
+                <a:solidFill>
+                  <a:schemeClr val="tx1">
+                    <a:lumMod val="75000"/>
+                    <a:lumOff val="25000"/>
+                  </a:schemeClr>
+                </a:solidFill>
+                <a:latin typeface="+mn-lt"/>
+                <a:ea typeface="+mn-ea"/>
+                <a:cs typeface="+mn-cs"/>
+              </a:defRPr>
+            </a:lvl5pPr>
+            <a:lvl6pPr marL="1100000" indent="-228600" algn="l" defTabSz="914400" rtl="0" eaLnBrk="1" latinLnBrk="0" hangingPunct="1">
+              <a:lnSpc>
+                <a:spcPct val="90000"/>
+              </a:lnSpc>
+              <a:spcBef>
+                <a:spcPts val="200"/>
+              </a:spcBef>
+              <a:spcAft>
+                <a:spcPts val="400"/>
+              </a:spcAft>
+              <a:buClr>
+                <a:schemeClr val="accent1"/>
+              </a:buClr>
+              <a:buFont typeface="Calibri" pitchFamily="34" charset="0"/>
+              <a:buChar char="◦"/>
+              <a:defRPr sz="1400" kern="1200">
+                <a:solidFill>
+                  <a:schemeClr val="tx1">
+                    <a:lumMod val="75000"/>
+                    <a:lumOff val="25000"/>
+                  </a:schemeClr>
+                </a:solidFill>
+                <a:latin typeface="+mn-lt"/>
+                <a:ea typeface="+mn-ea"/>
+                <a:cs typeface="+mn-cs"/>
+              </a:defRPr>
+            </a:lvl6pPr>
+            <a:lvl7pPr marL="1300000" indent="-228600" algn="l" defTabSz="914400" rtl="0" eaLnBrk="1" latinLnBrk="0" hangingPunct="1">
+              <a:lnSpc>
+                <a:spcPct val="90000"/>
+              </a:lnSpc>
+              <a:spcBef>
+                <a:spcPts val="200"/>
+              </a:spcBef>
+              <a:spcAft>
+                <a:spcPts val="400"/>
+              </a:spcAft>
+              <a:buClr>
+                <a:schemeClr val="accent1"/>
+              </a:buClr>
+              <a:buFont typeface="Calibri" pitchFamily="34" charset="0"/>
+              <a:buChar char="◦"/>
+              <a:defRPr sz="1400" kern="1200">
+                <a:solidFill>
+                  <a:schemeClr val="tx1">
+                    <a:lumMod val="75000"/>
+                    <a:lumOff val="25000"/>
+                  </a:schemeClr>
+                </a:solidFill>
+                <a:latin typeface="+mn-lt"/>
+                <a:ea typeface="+mn-ea"/>
+                <a:cs typeface="+mn-cs"/>
+              </a:defRPr>
+            </a:lvl7pPr>
+            <a:lvl8pPr marL="1500000" indent="-228600" algn="l" defTabSz="914400" rtl="0" eaLnBrk="1" latinLnBrk="0" hangingPunct="1">
+              <a:lnSpc>
+                <a:spcPct val="90000"/>
+              </a:lnSpc>
+              <a:spcBef>
+                <a:spcPts val="200"/>
+              </a:spcBef>
+              <a:spcAft>
+                <a:spcPts val="400"/>
+              </a:spcAft>
+              <a:buClr>
+                <a:schemeClr val="accent1"/>
+              </a:buClr>
+              <a:buFont typeface="Calibri" pitchFamily="34" charset="0"/>
+              <a:buChar char="◦"/>
+              <a:defRPr sz="1400" kern="1200">
+                <a:solidFill>
+                  <a:schemeClr val="tx1">
+                    <a:lumMod val="75000"/>
+                    <a:lumOff val="25000"/>
+                  </a:schemeClr>
+                </a:solidFill>
+                <a:latin typeface="+mn-lt"/>
+                <a:ea typeface="+mn-ea"/>
+                <a:cs typeface="+mn-cs"/>
+              </a:defRPr>
+            </a:lvl8pPr>
+            <a:lvl9pPr marL="1700000" indent="-228600" algn="l" defTabSz="914400" rtl="0" eaLnBrk="1" latinLnBrk="0" hangingPunct="1">
+              <a:lnSpc>
+                <a:spcPct val="90000"/>
+              </a:lnSpc>
+              <a:spcBef>
+                <a:spcPts val="200"/>
+              </a:spcBef>
+              <a:spcAft>
+                <a:spcPts val="400"/>
+              </a:spcAft>
+              <a:buClr>
+                <a:schemeClr val="accent1"/>
+              </a:buClr>
+              <a:buFont typeface="Calibri" pitchFamily="34" charset="0"/>
+              <a:buChar char="◦"/>
+              <a:defRPr sz="1400" kern="1200">
+                <a:solidFill>
+                  <a:schemeClr val="tx1">
+                    <a:lumMod val="75000"/>
+                    <a:lumOff val="25000"/>
+                  </a:schemeClr>
+                </a:solidFill>
+                <a:latin typeface="+mn-lt"/>
+                <a:ea typeface="+mn-ea"/>
+                <a:cs typeface="+mn-cs"/>
+              </a:defRPr>
+            </a:lvl9pPr>
+          </a:lstStyle>
+          <a:p>
+            <a:pPr>
+              <a:buFont typeface="Calibri" panose="020F0502020204030204" pitchFamily="34" charset="0"/>
+              <a:buChar char="&gt;"/>
             </a:pPr>
             <a:r>
-              <a:rPr lang="en-US" sz="2000" dirty="0"/>
-              <a:t>Download links:</a:t>
-            </a:r>
-          </a:p>
-          <a:p>
-            <a:pPr marL="45720" indent="0">
-              <a:buNone/>
+              <a:rPr lang="en-AU" sz="4000" dirty="0"/>
+              <a:t> NYC and Dublin Offices </a:t>
+            </a:r>
+          </a:p>
+          <a:p>
+            <a:pPr>
+              <a:buFont typeface="Calibri" panose="020F0502020204030204" pitchFamily="34" charset="0"/>
+              <a:buChar char="&gt;"/>
             </a:pPr>
             <a:r>
-              <a:rPr lang="en-US" sz="2000" dirty="0"/>
-              <a:t>fsharpworkshop.com/#pre-requisites</a:t>
-            </a:r>
-          </a:p>
-          <a:p>
-            <a:pPr marL="45720" indent="0">
-              <a:buNone/>
+              <a:rPr lang="en-AU" sz="4000" dirty="0"/>
+              <a:t> Over 20K orders per day</a:t>
+            </a:r>
+          </a:p>
+          <a:p>
+            <a:pPr>
+              <a:buFont typeface="Calibri" panose="020F0502020204030204" pitchFamily="34" charset="0"/>
+              <a:buChar char="&gt;"/>
             </a:pPr>
-            <a:endParaRPr lang="en-AU" sz="2000" dirty="0"/>
-          </a:p>
-          <a:p>
-            <a:pPr marL="45720" indent="0">
-              <a:buNone/>
+            <a:r>
+              <a:rPr lang="en-AU" sz="4000" dirty="0"/>
+              <a:t> Over 800 </a:t>
+            </a:r>
+            <a:r>
+              <a:rPr lang="en-AU" sz="4000" dirty="0" err="1"/>
+              <a:t>Microservices</a:t>
+            </a:r>
+            <a:endParaRPr lang="en-AU" sz="4000" dirty="0"/>
+          </a:p>
+          <a:p>
+            <a:pPr>
+              <a:buFont typeface="Calibri" panose="020F0502020204030204" pitchFamily="34" charset="0"/>
+              <a:buChar char="&gt;"/>
             </a:pPr>
             <a:r>
-              <a:rPr lang="en-AU" sz="2000" dirty="0"/>
-              <a:t>See also the “Before we start” section </a:t>
-            </a:r>
-          </a:p>
-          <a:p>
-            <a:pPr marL="45720" indent="0">
-              <a:buNone/>
+              <a:rPr lang="en-AU" sz="4000" dirty="0"/>
+              <a:t> Over 400K Lines of F# Code</a:t>
+            </a:r>
+          </a:p>
+          <a:p>
+            <a:pPr>
+              <a:buFont typeface="Calibri" panose="020F0502020204030204" pitchFamily="34" charset="0"/>
+              <a:buChar char="&gt;"/>
             </a:pPr>
             <a:r>
-              <a:rPr lang="en-AU" sz="2000" dirty="0"/>
-              <a:t>on the Exercises Guide</a:t>
-            </a:r>
-            <a:endParaRPr lang="en-US" sz="2000" dirty="0"/>
+              <a:rPr lang="en-AU" sz="4000" dirty="0"/>
+              <a:t> In Production since July-2015 </a:t>
+            </a:r>
+          </a:p>
+          <a:p>
+            <a:pPr>
+              <a:buFont typeface="Calibri" panose="020F0502020204030204" pitchFamily="34" charset="0"/>
+              <a:buChar char="&gt;"/>
+            </a:pPr>
+            <a:r>
+              <a:rPr lang="en-AU" sz="4000" dirty="0"/>
+              <a:t> Over 100 F# Engineers</a:t>
+            </a:r>
+          </a:p>
+          <a:p>
+            <a:pPr>
+              <a:buFont typeface="Calibri" panose="020F0502020204030204" pitchFamily="34" charset="0"/>
+              <a:buChar char="&gt;"/>
+            </a:pPr>
+            <a:r>
+              <a:rPr lang="en-AU" sz="4000" dirty="0"/>
+              <a:t> Bought by Walmart by 3.3B</a:t>
+            </a:r>
           </a:p>
         </p:txBody>
       </p:sp>
     </p:spTree>
     <p:extLst>
       <p:ext uri="{BB962C8B-B14F-4D97-AF65-F5344CB8AC3E}">
-        <p14:creationId xmlns:p14="http://schemas.microsoft.com/office/powerpoint/2010/main" val="144466919"/>
+        <p14:creationId xmlns:p14="http://schemas.microsoft.com/office/powerpoint/2010/main" val="3914159594"/>
       </p:ext>
     </p:extLst>
   </p:cSld>
@@ -19667,6 +19842,137 @@
       </p:grpSpPr>
       <p:sp>
         <p:nvSpPr>
+          <p:cNvPr id="13" name="Title 12"/>
+          <p:cNvSpPr>
+            <a:spLocks noGrp="1"/>
+          </p:cNvSpPr>
+          <p:nvPr>
+            <p:ph type="title"/>
+          </p:nvPr>
+        </p:nvSpPr>
+        <p:spPr/>
+        <p:txBody>
+          <a:bodyPr>
+            <a:normAutofit/>
+          </a:bodyPr>
+          <a:lstStyle/>
+          <a:p>
+            <a:r>
+              <a:rPr lang="en-US" sz="5400" dirty="0">
+                <a:solidFill>
+                  <a:schemeClr val="accent1"/>
+                </a:solidFill>
+              </a:rPr>
+              <a:t>Review</a:t>
+            </a:r>
+          </a:p>
+        </p:txBody>
+      </p:sp>
+      <p:sp>
+        <p:nvSpPr>
+          <p:cNvPr id="14" name="Content Placeholder 13"/>
+          <p:cNvSpPr>
+            <a:spLocks noGrp="1"/>
+          </p:cNvSpPr>
+          <p:nvPr>
+            <p:ph idx="1"/>
+          </p:nvPr>
+        </p:nvSpPr>
+        <p:spPr>
+          <a:xfrm>
+            <a:off x="1210968" y="1901952"/>
+            <a:ext cx="10775085" cy="4602757"/>
+          </a:xfrm>
+        </p:spPr>
+        <p:txBody>
+          <a:bodyPr>
+            <a:noAutofit/>
+          </a:bodyPr>
+          <a:lstStyle/>
+          <a:p>
+            <a:pPr>
+              <a:buFont typeface="Calibri" panose="020F0502020204030204" pitchFamily="34" charset="0"/>
+              <a:buChar char="&gt;"/>
+            </a:pPr>
+            <a:r>
+              <a:rPr lang="en-US" sz="4000" dirty="0"/>
+              <a:t> How do you return a value in a function?</a:t>
+            </a:r>
+          </a:p>
+          <a:p>
+            <a:pPr>
+              <a:buFont typeface="Calibri" panose="020F0502020204030204" pitchFamily="34" charset="0"/>
+              <a:buChar char="&gt;"/>
+            </a:pPr>
+            <a:r>
+              <a:rPr lang="en-US" sz="4000" dirty="0"/>
+              <a:t> Can you explain this type?  string -&gt; </a:t>
+            </a:r>
+            <a:r>
+              <a:rPr lang="en-US" sz="4000" dirty="0" err="1"/>
+              <a:t>int</a:t>
+            </a:r>
+            <a:r>
+              <a:rPr lang="en-US" sz="4000" dirty="0"/>
+              <a:t> -&gt; object</a:t>
+            </a:r>
+          </a:p>
+          <a:p>
+            <a:pPr>
+              <a:buFont typeface="Calibri" panose="020F0502020204030204" pitchFamily="34" charset="0"/>
+              <a:buChar char="&gt;"/>
+            </a:pPr>
+            <a:r>
+              <a:rPr lang="en-US" sz="4000" dirty="0"/>
+              <a:t> How do you change a Record?</a:t>
+            </a:r>
+          </a:p>
+        </p:txBody>
+      </p:sp>
+    </p:spTree>
+    <p:extLst>
+      <p:ext uri="{BB962C8B-B14F-4D97-AF65-F5344CB8AC3E}">
+        <p14:creationId xmlns:p14="http://schemas.microsoft.com/office/powerpoint/2010/main" val="2420791809"/>
+      </p:ext>
+    </p:extLst>
+  </p:cSld>
+  <p:clrMapOvr>
+    <a:masterClrMapping/>
+  </p:clrMapOvr>
+  <mc:AlternateContent xmlns:mc="http://schemas.openxmlformats.org/markup-compatibility/2006" xmlns:p14="http://schemas.microsoft.com/office/powerpoint/2010/main">
+    <mc:Choice Requires="p14">
+      <p:transition spd="med" p14:dur="700">
+        <p:fade/>
+      </p:transition>
+    </mc:Choice>
+    <mc:Fallback xmlns="">
+      <p:transition spd="med">
+        <p:fade/>
+      </p:transition>
+    </mc:Fallback>
+  </mc:AlternateContent>
+</p:sld>
+</file>
+
+<file path=ppt/slides/slide21.xml><?xml version="1.0" encoding="utf-8"?>
+<p:sld xmlns:a="http://schemas.openxmlformats.org/drawingml/2006/main" xmlns:r="http://schemas.openxmlformats.org/officeDocument/2006/relationships" xmlns:p="http://schemas.openxmlformats.org/presentationml/2006/main">
+  <p:cSld>
+    <p:spTree>
+      <p:nvGrpSpPr>
+        <p:cNvPr id="1" name=""/>
+        <p:cNvGrpSpPr/>
+        <p:nvPr/>
+      </p:nvGrpSpPr>
+      <p:grpSpPr>
+        <a:xfrm>
+          <a:off x="0" y="0"/>
+          <a:ext cx="0" cy="0"/>
+          <a:chOff x="0" y="0"/>
+          <a:chExt cx="0" cy="0"/>
+        </a:xfrm>
+      </p:grpSpPr>
+      <p:sp>
+        <p:nvSpPr>
           <p:cNvPr id="4" name="Title 3"/>
           <p:cNvSpPr>
             <a:spLocks noGrp="1"/>
@@ -19950,7 +20256,7 @@
 </p:sld>
 </file>
 
-<file path=ppt/slides/slide21.xml><?xml version="1.0" encoding="utf-8"?>
+<file path=ppt/slides/slide22.xml><?xml version="1.0" encoding="utf-8"?>
 <p:sld xmlns:a="http://schemas.openxmlformats.org/drawingml/2006/main" xmlns:r="http://schemas.openxmlformats.org/officeDocument/2006/relationships" xmlns:p="http://schemas.openxmlformats.org/presentationml/2006/main">
   <p:cSld>
     <p:spTree>
@@ -21121,7 +21427,7 @@
 </p:sld>
 </file>
 
-<file path=ppt/slides/slide22.xml><?xml version="1.0" encoding="utf-8"?>
+<file path=ppt/slides/slide23.xml><?xml version="1.0" encoding="utf-8"?>
 <p:sld xmlns:a="http://schemas.openxmlformats.org/drawingml/2006/main" xmlns:r="http://schemas.openxmlformats.org/officeDocument/2006/relationships" xmlns:p="http://schemas.openxmlformats.org/presentationml/2006/main">
   <p:cSld>
     <p:spTree>
@@ -21946,7 +22252,7 @@
 </p:sld>
 </file>
 
-<file path=ppt/slides/slide23.xml><?xml version="1.0" encoding="utf-8"?>
+<file path=ppt/slides/slide24.xml><?xml version="1.0" encoding="utf-8"?>
 <p:sld xmlns:a="http://schemas.openxmlformats.org/drawingml/2006/main" xmlns:r="http://schemas.openxmlformats.org/officeDocument/2006/relationships" xmlns:p="http://schemas.openxmlformats.org/presentationml/2006/main">
   <p:cSld>
     <p:spTree>
@@ -23342,7 +23648,7 @@
 </p:sld>
 </file>
 
-<file path=ppt/slides/slide24.xml><?xml version="1.0" encoding="utf-8"?>
+<file path=ppt/slides/slide25.xml><?xml version="1.0" encoding="utf-8"?>
 <p:sld xmlns:a="http://schemas.openxmlformats.org/drawingml/2006/main" xmlns:r="http://schemas.openxmlformats.org/officeDocument/2006/relationships" xmlns:p="http://schemas.openxmlformats.org/presentationml/2006/main">
   <p:cSld>
     <p:spTree>
@@ -23958,7 +24264,7 @@
 </p:sld>
 </file>
 
-<file path=ppt/slides/slide25.xml><?xml version="1.0" encoding="utf-8"?>
+<file path=ppt/slides/slide26.xml><?xml version="1.0" encoding="utf-8"?>
 <p:sld xmlns:a="http://schemas.openxmlformats.org/drawingml/2006/main" xmlns:r="http://schemas.openxmlformats.org/officeDocument/2006/relationships" xmlns:p="http://schemas.openxmlformats.org/presentationml/2006/main">
   <p:cSld>
     <p:spTree>
@@ -24260,7 +24566,7 @@
 </p:sld>
 </file>
 
-<file path=ppt/slides/slide26.xml><?xml version="1.0" encoding="utf-8"?>
+<file path=ppt/slides/slide27.xml><?xml version="1.0" encoding="utf-8"?>
 <p:sld xmlns:a="http://schemas.openxmlformats.org/drawingml/2006/main" xmlns:r="http://schemas.openxmlformats.org/officeDocument/2006/relationships" xmlns:p="http://schemas.openxmlformats.org/presentationml/2006/main">
   <p:cSld>
     <p:spTree>
@@ -24749,7 +25055,7 @@
 </p:sld>
 </file>
 
-<file path=ppt/slides/slide27.xml><?xml version="1.0" encoding="utf-8"?>
+<file path=ppt/slides/slide28.xml><?xml version="1.0" encoding="utf-8"?>
 <p:sld xmlns:a="http://schemas.openxmlformats.org/drawingml/2006/main" xmlns:r="http://schemas.openxmlformats.org/officeDocument/2006/relationships" xmlns:p="http://schemas.openxmlformats.org/presentationml/2006/main">
   <p:cSld>
     <p:spTree>
@@ -25030,129 +25336,6 @@
     <p:extLst>
       <p:ext uri="{BB962C8B-B14F-4D97-AF65-F5344CB8AC3E}">
         <p14:creationId xmlns:p14="http://schemas.microsoft.com/office/powerpoint/2010/main" val="2524491607"/>
-      </p:ext>
-    </p:extLst>
-  </p:cSld>
-  <p:clrMapOvr>
-    <a:masterClrMapping/>
-  </p:clrMapOvr>
-  <mc:AlternateContent xmlns:mc="http://schemas.openxmlformats.org/markup-compatibility/2006" xmlns:p14="http://schemas.microsoft.com/office/powerpoint/2010/main">
-    <mc:Choice Requires="p14">
-      <p:transition spd="med" p14:dur="700">
-        <p:fade/>
-      </p:transition>
-    </mc:Choice>
-    <mc:Fallback xmlns="">
-      <p:transition spd="med">
-        <p:fade/>
-      </p:transition>
-    </mc:Fallback>
-  </mc:AlternateContent>
-</p:sld>
-</file>
-
-<file path=ppt/slides/slide28.xml><?xml version="1.0" encoding="utf-8"?>
-<p:sld xmlns:a="http://schemas.openxmlformats.org/drawingml/2006/main" xmlns:r="http://schemas.openxmlformats.org/officeDocument/2006/relationships" xmlns:p="http://schemas.openxmlformats.org/presentationml/2006/main">
-  <p:cSld>
-    <p:spTree>
-      <p:nvGrpSpPr>
-        <p:cNvPr id="1" name=""/>
-        <p:cNvGrpSpPr/>
-        <p:nvPr/>
-      </p:nvGrpSpPr>
-      <p:grpSpPr>
-        <a:xfrm>
-          <a:off x="0" y="0"/>
-          <a:ext cx="0" cy="0"/>
-          <a:chOff x="0" y="0"/>
-          <a:chExt cx="0" cy="0"/>
-        </a:xfrm>
-      </p:grpSpPr>
-      <p:sp>
-        <p:nvSpPr>
-          <p:cNvPr id="13" name="Title 12"/>
-          <p:cNvSpPr>
-            <a:spLocks noGrp="1"/>
-          </p:cNvSpPr>
-          <p:nvPr>
-            <p:ph type="title"/>
-          </p:nvPr>
-        </p:nvSpPr>
-        <p:spPr/>
-        <p:txBody>
-          <a:bodyPr>
-            <a:normAutofit/>
-          </a:bodyPr>
-          <a:lstStyle/>
-          <a:p>
-            <a:r>
-              <a:rPr lang="en-US" sz="5400" dirty="0">
-                <a:solidFill>
-                  <a:schemeClr val="accent1"/>
-                </a:solidFill>
-              </a:rPr>
-              <a:t>Review</a:t>
-            </a:r>
-          </a:p>
-        </p:txBody>
-      </p:sp>
-      <p:sp>
-        <p:nvSpPr>
-          <p:cNvPr id="14" name="Content Placeholder 13"/>
-          <p:cNvSpPr>
-            <a:spLocks noGrp="1"/>
-          </p:cNvSpPr>
-          <p:nvPr>
-            <p:ph idx="1"/>
-          </p:nvPr>
-        </p:nvSpPr>
-        <p:spPr>
-          <a:xfrm>
-            <a:off x="1210968" y="1901952"/>
-            <a:ext cx="10775085" cy="4602757"/>
-          </a:xfrm>
-        </p:spPr>
-        <p:txBody>
-          <a:bodyPr>
-            <a:noAutofit/>
-          </a:bodyPr>
-          <a:lstStyle/>
-          <a:p>
-            <a:pPr>
-              <a:buFont typeface="Calibri" panose="020F0502020204030204" pitchFamily="34" charset="0"/>
-              <a:buChar char="&gt;"/>
-            </a:pPr>
-            <a:r>
-              <a:rPr lang="en-US" sz="4000" dirty="0"/>
-              <a:t> What keyword do you use for lambda expressions?</a:t>
-            </a:r>
-          </a:p>
-          <a:p>
-            <a:pPr>
-              <a:buFont typeface="Calibri" panose="020F0502020204030204" pitchFamily="34" charset="0"/>
-              <a:buChar char="&gt;"/>
-            </a:pPr>
-            <a:r>
-              <a:rPr lang="en-US" sz="4000" dirty="0"/>
-              <a:t> What is the benefit of using the pipelining operator?</a:t>
-            </a:r>
-          </a:p>
-          <a:p>
-            <a:pPr>
-              <a:buFont typeface="Calibri" panose="020F0502020204030204" pitchFamily="34" charset="0"/>
-              <a:buChar char="&gt;"/>
-            </a:pPr>
-            <a:r>
-              <a:rPr lang="en-US" sz="4000" dirty="0"/>
-              <a:t> What happens when a function is called without its last parameter?</a:t>
-            </a:r>
-          </a:p>
-        </p:txBody>
-      </p:sp>
-    </p:spTree>
-    <p:extLst>
-      <p:ext uri="{BB962C8B-B14F-4D97-AF65-F5344CB8AC3E}">
-        <p14:creationId xmlns:p14="http://schemas.microsoft.com/office/powerpoint/2010/main" val="971021498"/>
       </p:ext>
     </p:extLst>
   </p:cSld>
@@ -25193,7 +25376,7 @@
       </p:grpSpPr>
       <p:sp>
         <p:nvSpPr>
-          <p:cNvPr id="4" name="Title 3"/>
+          <p:cNvPr id="13" name="Title 12"/>
           <p:cNvSpPr>
             <a:spLocks noGrp="1"/>
           </p:cNvSpPr>
@@ -25201,260 +25384,81 @@
             <p:ph type="title"/>
           </p:nvPr>
         </p:nvSpPr>
-        <p:spPr>
-          <a:xfrm>
-            <a:off x="1295400" y="2130552"/>
-            <a:ext cx="9601200" cy="1168702"/>
-          </a:xfrm>
-        </p:spPr>
+        <p:spPr/>
         <p:txBody>
-          <a:bodyPr/>
+          <a:bodyPr>
+            <a:normAutofit/>
+          </a:bodyPr>
           <a:lstStyle/>
           <a:p>
             <a:r>
-              <a:rPr lang="en-AU" sz="7200" dirty="0">
+              <a:rPr lang="en-US" sz="5400" dirty="0">
                 <a:solidFill>
                   <a:schemeClr val="accent1"/>
                 </a:solidFill>
               </a:rPr>
-              <a:t>Module 3</a:t>
+              <a:t>Review</a:t>
             </a:r>
           </a:p>
         </p:txBody>
       </p:sp>
       <p:sp>
         <p:nvSpPr>
-          <p:cNvPr id="6" name="Text Placeholder 4"/>
-          <p:cNvSpPr txBox="1">
-            <a:spLocks/>
+          <p:cNvPr id="14" name="Content Placeholder 13"/>
+          <p:cNvSpPr>
+            <a:spLocks noGrp="1"/>
           </p:cNvSpPr>
-          <p:nvPr/>
+          <p:nvPr>
+            <p:ph idx="1"/>
+          </p:nvPr>
         </p:nvSpPr>
         <p:spPr>
           <a:xfrm>
-            <a:off x="0" y="4714568"/>
-            <a:ext cx="12192000" cy="841248"/>
+            <a:off x="1210968" y="1901952"/>
+            <a:ext cx="10775085" cy="4602757"/>
           </a:xfrm>
-          <a:prstGeom prst="rect">
-            <a:avLst/>
-          </a:prstGeom>
         </p:spPr>
         <p:txBody>
-          <a:bodyPr vert="horz" lIns="91440" tIns="45720" rIns="91440" bIns="45720" rtlCol="0" anchor="t">
+          <a:bodyPr>
             <a:noAutofit/>
           </a:bodyPr>
-          <a:lstStyle>
-            <a:lvl1pPr marL="0" indent="0" algn="ctr" defTabSz="914400" rtl="0" eaLnBrk="1" latinLnBrk="0" hangingPunct="1">
-              <a:lnSpc>
-                <a:spcPct val="90000"/>
-              </a:lnSpc>
-              <a:spcBef>
-                <a:spcPts val="0"/>
-              </a:spcBef>
-              <a:buSzPct val="80000"/>
-              <a:buFont typeface="Arial" pitchFamily="34" charset="0"/>
-              <a:buNone/>
-              <a:defRPr sz="2000" kern="1200" cap="all" baseline="0">
-                <a:solidFill>
-                  <a:schemeClr val="tx1">
-                    <a:tint val="75000"/>
-                  </a:schemeClr>
-                </a:solidFill>
-                <a:latin typeface="+mn-lt"/>
-                <a:ea typeface="+mn-ea"/>
-                <a:cs typeface="+mn-cs"/>
-              </a:defRPr>
-            </a:lvl1pPr>
-            <a:lvl2pPr marL="457200" indent="0" algn="l" defTabSz="914400" rtl="0" eaLnBrk="1" latinLnBrk="0" hangingPunct="1">
-              <a:lnSpc>
-                <a:spcPct val="90000"/>
-              </a:lnSpc>
-              <a:spcBef>
-                <a:spcPts val="1000"/>
-              </a:spcBef>
-              <a:buSzPct val="80000"/>
-              <a:buFont typeface="Arial" pitchFamily="34" charset="0"/>
-              <a:buNone/>
-              <a:defRPr sz="1800" kern="1200">
-                <a:solidFill>
-                  <a:schemeClr val="tx1">
-                    <a:tint val="75000"/>
-                  </a:schemeClr>
-                </a:solidFill>
-                <a:latin typeface="+mn-lt"/>
-                <a:ea typeface="+mn-ea"/>
-                <a:cs typeface="+mn-cs"/>
-              </a:defRPr>
-            </a:lvl2pPr>
-            <a:lvl3pPr marL="914400" indent="0" algn="l" defTabSz="914400" rtl="0" eaLnBrk="1" latinLnBrk="0" hangingPunct="1">
-              <a:lnSpc>
-                <a:spcPct val="90000"/>
-              </a:lnSpc>
-              <a:spcBef>
-                <a:spcPts val="800"/>
-              </a:spcBef>
-              <a:buSzPct val="80000"/>
-              <a:buFont typeface="Arial" pitchFamily="34" charset="0"/>
-              <a:buNone/>
-              <a:defRPr sz="1600" kern="1200">
-                <a:solidFill>
-                  <a:schemeClr val="tx1">
-                    <a:tint val="75000"/>
-                  </a:schemeClr>
-                </a:solidFill>
-                <a:latin typeface="+mn-lt"/>
-                <a:ea typeface="+mn-ea"/>
-                <a:cs typeface="+mn-cs"/>
-              </a:defRPr>
-            </a:lvl3pPr>
-            <a:lvl4pPr marL="1371600" indent="0" algn="l" defTabSz="914400" rtl="0" eaLnBrk="1" latinLnBrk="0" hangingPunct="1">
-              <a:lnSpc>
-                <a:spcPct val="90000"/>
-              </a:lnSpc>
-              <a:spcBef>
-                <a:spcPts val="800"/>
-              </a:spcBef>
-              <a:buSzPct val="80000"/>
-              <a:buFont typeface="Arial" pitchFamily="34" charset="0"/>
-              <a:buNone/>
-              <a:defRPr sz="1400" kern="1200">
-                <a:solidFill>
-                  <a:schemeClr val="tx1">
-                    <a:tint val="75000"/>
-                  </a:schemeClr>
-                </a:solidFill>
-                <a:latin typeface="+mn-lt"/>
-                <a:ea typeface="+mn-ea"/>
-                <a:cs typeface="+mn-cs"/>
-              </a:defRPr>
-            </a:lvl4pPr>
-            <a:lvl5pPr marL="1828800" indent="0" algn="l" defTabSz="914400" rtl="0" eaLnBrk="1" latinLnBrk="0" hangingPunct="1">
-              <a:lnSpc>
-                <a:spcPct val="90000"/>
-              </a:lnSpc>
-              <a:spcBef>
-                <a:spcPts val="800"/>
-              </a:spcBef>
-              <a:buSzPct val="80000"/>
-              <a:buFont typeface="Arial" pitchFamily="34" charset="0"/>
-              <a:buNone/>
-              <a:defRPr sz="1400" kern="1200">
-                <a:solidFill>
-                  <a:schemeClr val="tx1">
-                    <a:tint val="75000"/>
-                  </a:schemeClr>
-                </a:solidFill>
-                <a:latin typeface="+mn-lt"/>
-                <a:ea typeface="+mn-ea"/>
-                <a:cs typeface="+mn-cs"/>
-              </a:defRPr>
-            </a:lvl5pPr>
-            <a:lvl6pPr marL="2286000" indent="0" algn="l" defTabSz="914400" rtl="0" eaLnBrk="1" latinLnBrk="0" hangingPunct="1">
-              <a:lnSpc>
-                <a:spcPct val="90000"/>
-              </a:lnSpc>
-              <a:spcBef>
-                <a:spcPts val="800"/>
-              </a:spcBef>
-              <a:buFont typeface="Arial" pitchFamily="34" charset="0"/>
-              <a:buNone/>
-              <a:defRPr sz="1400" kern="1200">
-                <a:solidFill>
-                  <a:schemeClr val="tx1">
-                    <a:tint val="75000"/>
-                  </a:schemeClr>
-                </a:solidFill>
-                <a:latin typeface="+mn-lt"/>
-                <a:ea typeface="+mn-ea"/>
-                <a:cs typeface="+mn-cs"/>
-              </a:defRPr>
-            </a:lvl6pPr>
-            <a:lvl7pPr marL="2743200" indent="0" algn="l" defTabSz="914400" rtl="0" eaLnBrk="1" latinLnBrk="0" hangingPunct="1">
-              <a:lnSpc>
-                <a:spcPct val="90000"/>
-              </a:lnSpc>
-              <a:spcBef>
-                <a:spcPts val="800"/>
-              </a:spcBef>
-              <a:buFont typeface="Arial" pitchFamily="34" charset="0"/>
-              <a:buNone/>
-              <a:defRPr sz="1400" kern="1200" baseline="0">
-                <a:solidFill>
-                  <a:schemeClr val="tx1">
-                    <a:tint val="75000"/>
-                  </a:schemeClr>
-                </a:solidFill>
-                <a:latin typeface="+mn-lt"/>
-                <a:ea typeface="+mn-ea"/>
-                <a:cs typeface="+mn-cs"/>
-              </a:defRPr>
-            </a:lvl7pPr>
-            <a:lvl8pPr marL="3200400" indent="0" algn="l" defTabSz="914400" rtl="0" eaLnBrk="1" latinLnBrk="0" hangingPunct="1">
-              <a:lnSpc>
-                <a:spcPct val="90000"/>
-              </a:lnSpc>
-              <a:spcBef>
-                <a:spcPts val="800"/>
-              </a:spcBef>
-              <a:buFont typeface="Arial" pitchFamily="34" charset="0"/>
-              <a:buNone/>
-              <a:defRPr sz="1400" kern="1200" baseline="0">
-                <a:solidFill>
-                  <a:schemeClr val="tx1">
-                    <a:tint val="75000"/>
-                  </a:schemeClr>
-                </a:solidFill>
-                <a:latin typeface="+mn-lt"/>
-                <a:ea typeface="+mn-ea"/>
-                <a:cs typeface="+mn-cs"/>
-              </a:defRPr>
-            </a:lvl8pPr>
-            <a:lvl9pPr marL="3657600" indent="0" algn="l" defTabSz="914400" rtl="0" eaLnBrk="1" latinLnBrk="0" hangingPunct="1">
-              <a:lnSpc>
-                <a:spcPct val="90000"/>
-              </a:lnSpc>
-              <a:spcBef>
-                <a:spcPts val="800"/>
-              </a:spcBef>
-              <a:buFont typeface="Arial" pitchFamily="34" charset="0"/>
-              <a:buNone/>
-              <a:defRPr sz="1400" kern="1200" baseline="0">
-                <a:solidFill>
-                  <a:schemeClr val="tx1">
-                    <a:tint val="75000"/>
-                  </a:schemeClr>
-                </a:solidFill>
-                <a:latin typeface="+mn-lt"/>
-                <a:ea typeface="+mn-ea"/>
-                <a:cs typeface="+mn-cs"/>
-              </a:defRPr>
-            </a:lvl9pPr>
-          </a:lstStyle>
-          <a:p>
-            <a:r>
-              <a:rPr lang="en-US" sz="2600" dirty="0">
-                <a:solidFill>
-                  <a:schemeClr val="accent1"/>
-                </a:solidFill>
-                <a:latin typeface="+mj-lt"/>
-              </a:rPr>
-              <a:t>Options | Pattern matching | Discriminated unions | Units of measure</a:t>
-            </a:r>
-          </a:p>
-          <a:p>
-            <a:endParaRPr lang="en-US" sz="2600" dirty="0">
-              <a:solidFill>
-                <a:schemeClr val="accent1"/>
-              </a:solidFill>
-              <a:latin typeface="+mj-lt"/>
-            </a:endParaRPr>
+          <a:lstStyle/>
+          <a:p>
+            <a:pPr>
+              <a:buFont typeface="Calibri" panose="020F0502020204030204" pitchFamily="34" charset="0"/>
+              <a:buChar char="&gt;"/>
+            </a:pPr>
+            <a:r>
+              <a:rPr lang="en-US" sz="4000" dirty="0"/>
+              <a:t> What keyword do you use for lambda expressions?</a:t>
+            </a:r>
+          </a:p>
+          <a:p>
+            <a:pPr>
+              <a:buFont typeface="Calibri" panose="020F0502020204030204" pitchFamily="34" charset="0"/>
+              <a:buChar char="&gt;"/>
+            </a:pPr>
+            <a:r>
+              <a:rPr lang="en-US" sz="4000" dirty="0"/>
+              <a:t> What is the benefit of using the pipelining operator?</a:t>
+            </a:r>
+          </a:p>
+          <a:p>
+            <a:pPr>
+              <a:buFont typeface="Calibri" panose="020F0502020204030204" pitchFamily="34" charset="0"/>
+              <a:buChar char="&gt;"/>
+            </a:pPr>
+            <a:r>
+              <a:rPr lang="en-US" sz="4000" dirty="0"/>
+              <a:t> What happens when a function is called without its last parameter?</a:t>
+            </a:r>
           </a:p>
         </p:txBody>
       </p:sp>
     </p:spTree>
     <p:extLst>
       <p:ext uri="{BB962C8B-B14F-4D97-AF65-F5344CB8AC3E}">
-        <p14:creationId xmlns:p14="http://schemas.microsoft.com/office/powerpoint/2010/main" val="1112511199"/>
+        <p14:creationId xmlns:p14="http://schemas.microsoft.com/office/powerpoint/2010/main" val="971021498"/>
       </p:ext>
     </p:extLst>
   </p:cSld>
@@ -25516,7 +25520,7 @@
                   <a:schemeClr val="accent1"/>
                 </a:solidFill>
               </a:rPr>
-              <a:t>Materials</a:t>
+              <a:t>Pre-requisites</a:t>
             </a:r>
           </a:p>
         </p:txBody>
@@ -25533,12 +25537,12 @@
         </p:nvSpPr>
         <p:spPr>
           <a:xfrm>
-            <a:off x="1210968" y="1901952"/>
+            <a:off x="1210968" y="1737360"/>
             <a:ext cx="10775085" cy="4602757"/>
           </a:xfrm>
         </p:spPr>
         <p:txBody>
-          <a:bodyPr>
+          <a:bodyPr numCol="2">
             <a:noAutofit/>
           </a:bodyPr>
           <a:lstStyle/>
@@ -25549,7 +25553,53 @@
             </a:pPr>
             <a:r>
               <a:rPr lang="en-US" sz="4000" dirty="0"/>
-              <a:t> Exercises Guide</a:t>
+              <a:t> Windows</a:t>
+            </a:r>
+          </a:p>
+          <a:p>
+            <a:pPr lvl="1">
+              <a:buFont typeface="Calibri" panose="020F0502020204030204" pitchFamily="34" charset="0"/>
+              <a:buChar char="&gt;"/>
+            </a:pPr>
+            <a:r>
+              <a:rPr lang="en-US" sz="2400" dirty="0"/>
+              <a:t> Visual Studio 2015 Community or</a:t>
+            </a:r>
+          </a:p>
+          <a:p>
+            <a:pPr lvl="1">
+              <a:buFont typeface="Calibri" panose="020F0502020204030204" pitchFamily="34" charset="0"/>
+              <a:buChar char="&gt;"/>
+            </a:pPr>
+            <a:r>
+              <a:rPr lang="en-US" sz="2400" dirty="0"/>
+              <a:t> Visual Studio Code + F# Compiler + </a:t>
+            </a:r>
+            <a:r>
+              <a:rPr lang="en-US" sz="2400" dirty="0" err="1"/>
+              <a:t>Ionide</a:t>
+            </a:r>
+            <a:r>
+              <a:rPr lang="en-US" sz="2400" dirty="0"/>
+              <a:t> package or</a:t>
+            </a:r>
+          </a:p>
+          <a:p>
+            <a:pPr lvl="1">
+              <a:buFont typeface="Calibri" panose="020F0502020204030204" pitchFamily="34" charset="0"/>
+              <a:buChar char="&gt;"/>
+            </a:pPr>
+            <a:r>
+              <a:rPr lang="en-US" sz="2400" dirty="0"/>
+              <a:t> Atom + F# Compiler + </a:t>
+            </a:r>
+            <a:r>
+              <a:rPr lang="en-US" sz="2400" dirty="0" err="1"/>
+              <a:t>Ionide</a:t>
+            </a:r>
+            <a:r>
+              <a:rPr lang="en-US" sz="2400" dirty="0"/>
+              <a:t> package </a:t>
             </a:r>
           </a:p>
           <a:p>
@@ -25559,51 +25609,205 @@
             </a:pPr>
             <a:r>
               <a:rPr lang="en-US" sz="4000" dirty="0"/>
-              <a:t> Exercises Source Code</a:t>
-            </a:r>
-            <a:endParaRPr lang="en-US" sz="3800" dirty="0"/>
-          </a:p>
-          <a:p>
-            <a:pPr marL="0" indent="0">
+              <a:t> Linux</a:t>
+            </a:r>
+          </a:p>
+          <a:p>
+            <a:pPr lvl="1">
+              <a:buFont typeface="Calibri" panose="020F0502020204030204" pitchFamily="34" charset="0"/>
+              <a:buChar char="&gt;"/>
+            </a:pPr>
+            <a:r>
+              <a:rPr lang="en-US" sz="2400" dirty="0"/>
+              <a:t> Visual Studio Code + Mono + </a:t>
+            </a:r>
+            <a:r>
+              <a:rPr lang="en-US" sz="2400" dirty="0" err="1"/>
+              <a:t>Ionide</a:t>
+            </a:r>
+            <a:r>
+              <a:rPr lang="en-US" sz="2400" dirty="0"/>
+              <a:t> package or</a:t>
+            </a:r>
+          </a:p>
+          <a:p>
+            <a:pPr lvl="1">
+              <a:buFont typeface="Calibri" panose="020F0502020204030204" pitchFamily="34" charset="0"/>
+              <a:buChar char="&gt;"/>
+            </a:pPr>
+            <a:r>
+              <a:rPr lang="en-US" sz="2400" dirty="0"/>
+              <a:t> Atom + Mono + </a:t>
+            </a:r>
+            <a:r>
+              <a:rPr lang="en-US" sz="2400" dirty="0" err="1"/>
+              <a:t>Ionide</a:t>
+            </a:r>
+            <a:r>
+              <a:rPr lang="en-US" sz="2400" dirty="0"/>
+              <a:t> package </a:t>
+            </a:r>
+            <a:endParaRPr lang="en-US" sz="2200" dirty="0"/>
+          </a:p>
+          <a:p>
+            <a:pPr>
+              <a:buFont typeface="Calibri" panose="020F0502020204030204" pitchFamily="34" charset="0"/>
+              <a:buChar char="&gt;"/>
+            </a:pPr>
+            <a:r>
+              <a:rPr lang="en-US" sz="4000" dirty="0"/>
+              <a:t> Mac</a:t>
+            </a:r>
+          </a:p>
+          <a:p>
+            <a:pPr lvl="1">
+              <a:buFont typeface="Calibri" panose="020F0502020204030204" pitchFamily="34" charset="0"/>
+              <a:buChar char="&gt;"/>
+            </a:pPr>
+            <a:r>
+              <a:rPr lang="en-US" sz="2400" dirty="0"/>
+              <a:t> Visual Studio for Mac + Mono or</a:t>
+            </a:r>
+          </a:p>
+          <a:p>
+            <a:pPr lvl="1">
+              <a:buFont typeface="Calibri" panose="020F0502020204030204" pitchFamily="34" charset="0"/>
+              <a:buChar char="&gt;"/>
+            </a:pPr>
+            <a:r>
+              <a:rPr lang="en-US" sz="2400" dirty="0"/>
+              <a:t> </a:t>
+            </a:r>
+            <a:r>
+              <a:rPr lang="en-US" sz="2400" dirty="0" err="1"/>
+              <a:t>Xamarin</a:t>
+            </a:r>
+            <a:r>
+              <a:rPr lang="en-US" sz="2400" dirty="0"/>
+              <a:t> Studio 6.x + Mono or</a:t>
+            </a:r>
+          </a:p>
+          <a:p>
+            <a:pPr lvl="1">
+              <a:buFont typeface="Calibri" panose="020F0502020204030204" pitchFamily="34" charset="0"/>
+              <a:buChar char="&gt;"/>
+            </a:pPr>
+            <a:r>
+              <a:rPr lang="en-US" sz="2400" dirty="0"/>
+              <a:t> Visual Studio Code + Mono + </a:t>
+            </a:r>
+            <a:r>
+              <a:rPr lang="en-US" sz="2400" dirty="0" err="1"/>
+              <a:t>Ionide</a:t>
+            </a:r>
+            <a:r>
+              <a:rPr lang="en-US" sz="2400" dirty="0"/>
+              <a:t> package or </a:t>
+            </a:r>
+          </a:p>
+          <a:p>
+            <a:pPr lvl="1">
+              <a:buFont typeface="Calibri" panose="020F0502020204030204" pitchFamily="34" charset="0"/>
+              <a:buChar char="&gt;"/>
+            </a:pPr>
+            <a:r>
+              <a:rPr lang="en-US" sz="2400" dirty="0"/>
+              <a:t> Atom + Mono + </a:t>
+            </a:r>
+            <a:r>
+              <a:rPr lang="en-US" sz="2400" dirty="0" err="1"/>
+              <a:t>Ionide</a:t>
+            </a:r>
+            <a:r>
+              <a:rPr lang="en-US" sz="2400" dirty="0"/>
+              <a:t> package</a:t>
+            </a:r>
+          </a:p>
+        </p:txBody>
+      </p:sp>
+      <p:sp>
+        <p:nvSpPr>
+          <p:cNvPr id="2" name="Rectangle 1"/>
+          <p:cNvSpPr/>
+          <p:nvPr/>
+        </p:nvSpPr>
+        <p:spPr>
+          <a:xfrm>
+            <a:off x="7004672" y="4529379"/>
+            <a:ext cx="4232762" cy="1631216"/>
+          </a:xfrm>
+          <a:prstGeom prst="rect">
+            <a:avLst/>
+          </a:prstGeom>
+        </p:spPr>
+        <p:style>
+          <a:lnRef idx="2">
+            <a:schemeClr val="accent1"/>
+          </a:lnRef>
+          <a:fillRef idx="1">
+            <a:schemeClr val="lt1"/>
+          </a:fillRef>
+          <a:effectRef idx="0">
+            <a:schemeClr val="accent1"/>
+          </a:effectRef>
+          <a:fontRef idx="minor">
+            <a:schemeClr val="dk1"/>
+          </a:fontRef>
+        </p:style>
+        <p:txBody>
+          <a:bodyPr wrap="none">
+            <a:spAutoFit/>
+          </a:bodyPr>
+          <a:lstStyle/>
+          <a:p>
+            <a:pPr marL="45720" indent="0">
               <a:buNone/>
             </a:pPr>
-            <a:endParaRPr lang="en-US" sz="4400" dirty="0"/>
-          </a:p>
-          <a:p>
-            <a:pPr marL="45720" indent="0" algn="ctr">
+            <a:r>
+              <a:rPr lang="en-US" sz="2000" dirty="0"/>
+              <a:t>Download links:</a:t>
+            </a:r>
+          </a:p>
+          <a:p>
+            <a:pPr marL="45720" indent="0">
               <a:buNone/>
             </a:pPr>
             <a:r>
-              <a:rPr lang="en-US" sz="3200" dirty="0"/>
-              <a:t>fsharpworkshop.com</a:t>
-            </a:r>
-          </a:p>
-          <a:p>
-            <a:pPr marL="45720" indent="0" algn="ctr">
+              <a:rPr lang="en-US" sz="2000" dirty="0"/>
+              <a:t>fsharpworkshop.com/#pre-requisites</a:t>
+            </a:r>
+          </a:p>
+          <a:p>
+            <a:pPr marL="45720" indent="0">
               <a:buNone/>
             </a:pPr>
-            <a:r>
-              <a:rPr lang="en-US" sz="3200" dirty="0"/>
-              <a:t>github.com/jorgef/</a:t>
-            </a:r>
-            <a:r>
-              <a:rPr lang="en-US" sz="3200" dirty="0" err="1"/>
-              <a:t>fsharpworkshop</a:t>
-            </a:r>
-            <a:endParaRPr lang="en-US" sz="3200" dirty="0"/>
-          </a:p>
-          <a:p>
-            <a:pPr marL="45720" indent="0" algn="ctr">
+            <a:endParaRPr lang="en-AU" sz="2000" dirty="0"/>
+          </a:p>
+          <a:p>
+            <a:pPr marL="45720" indent="0">
               <a:buNone/>
             </a:pPr>
-            <a:endParaRPr lang="en-US" sz="3200" dirty="0"/>
+            <a:r>
+              <a:rPr lang="en-AU" sz="2000" dirty="0"/>
+              <a:t>See also the “Before we start” section </a:t>
+            </a:r>
+          </a:p>
+          <a:p>
+            <a:pPr marL="45720" indent="0">
+              <a:buNone/>
+            </a:pPr>
+            <a:r>
+              <a:rPr lang="en-AU" sz="2000" dirty="0"/>
+              <a:t>on the Exercises Guide</a:t>
+            </a:r>
+            <a:endParaRPr lang="en-US" sz="2000" dirty="0"/>
           </a:p>
         </p:txBody>
       </p:sp>
     </p:spTree>
     <p:extLst>
       <p:ext uri="{BB962C8B-B14F-4D97-AF65-F5344CB8AC3E}">
-        <p14:creationId xmlns:p14="http://schemas.microsoft.com/office/powerpoint/2010/main" val="4158401340"/>
+        <p14:creationId xmlns:p14="http://schemas.microsoft.com/office/powerpoint/2010/main" val="144466919"/>
       </p:ext>
     </p:extLst>
   </p:cSld>
@@ -25626,6 +25830,308 @@
 </file>
 
 <file path=ppt/slides/slide30.xml><?xml version="1.0" encoding="utf-8"?>
+<p:sld xmlns:a="http://schemas.openxmlformats.org/drawingml/2006/main" xmlns:r="http://schemas.openxmlformats.org/officeDocument/2006/relationships" xmlns:p="http://schemas.openxmlformats.org/presentationml/2006/main">
+  <p:cSld>
+    <p:spTree>
+      <p:nvGrpSpPr>
+        <p:cNvPr id="1" name=""/>
+        <p:cNvGrpSpPr/>
+        <p:nvPr/>
+      </p:nvGrpSpPr>
+      <p:grpSpPr>
+        <a:xfrm>
+          <a:off x="0" y="0"/>
+          <a:ext cx="0" cy="0"/>
+          <a:chOff x="0" y="0"/>
+          <a:chExt cx="0" cy="0"/>
+        </a:xfrm>
+      </p:grpSpPr>
+      <p:sp>
+        <p:nvSpPr>
+          <p:cNvPr id="4" name="Title 3"/>
+          <p:cNvSpPr>
+            <a:spLocks noGrp="1"/>
+          </p:cNvSpPr>
+          <p:nvPr>
+            <p:ph type="title"/>
+          </p:nvPr>
+        </p:nvSpPr>
+        <p:spPr>
+          <a:xfrm>
+            <a:off x="1295400" y="2130552"/>
+            <a:ext cx="9601200" cy="1168702"/>
+          </a:xfrm>
+        </p:spPr>
+        <p:txBody>
+          <a:bodyPr/>
+          <a:lstStyle/>
+          <a:p>
+            <a:r>
+              <a:rPr lang="en-AU" sz="7200" dirty="0">
+                <a:solidFill>
+                  <a:schemeClr val="accent1"/>
+                </a:solidFill>
+              </a:rPr>
+              <a:t>Module 3</a:t>
+            </a:r>
+          </a:p>
+        </p:txBody>
+      </p:sp>
+      <p:sp>
+        <p:nvSpPr>
+          <p:cNvPr id="6" name="Text Placeholder 4"/>
+          <p:cNvSpPr txBox="1">
+            <a:spLocks/>
+          </p:cNvSpPr>
+          <p:nvPr/>
+        </p:nvSpPr>
+        <p:spPr>
+          <a:xfrm>
+            <a:off x="0" y="4714568"/>
+            <a:ext cx="12192000" cy="841248"/>
+          </a:xfrm>
+          <a:prstGeom prst="rect">
+            <a:avLst/>
+          </a:prstGeom>
+        </p:spPr>
+        <p:txBody>
+          <a:bodyPr vert="horz" lIns="91440" tIns="45720" rIns="91440" bIns="45720" rtlCol="0" anchor="t">
+            <a:noAutofit/>
+          </a:bodyPr>
+          <a:lstStyle>
+            <a:lvl1pPr marL="0" indent="0" algn="ctr" defTabSz="914400" rtl="0" eaLnBrk="1" latinLnBrk="0" hangingPunct="1">
+              <a:lnSpc>
+                <a:spcPct val="90000"/>
+              </a:lnSpc>
+              <a:spcBef>
+                <a:spcPts val="0"/>
+              </a:spcBef>
+              <a:buSzPct val="80000"/>
+              <a:buFont typeface="Arial" pitchFamily="34" charset="0"/>
+              <a:buNone/>
+              <a:defRPr sz="2000" kern="1200" cap="all" baseline="0">
+                <a:solidFill>
+                  <a:schemeClr val="tx1">
+                    <a:tint val="75000"/>
+                  </a:schemeClr>
+                </a:solidFill>
+                <a:latin typeface="+mn-lt"/>
+                <a:ea typeface="+mn-ea"/>
+                <a:cs typeface="+mn-cs"/>
+              </a:defRPr>
+            </a:lvl1pPr>
+            <a:lvl2pPr marL="457200" indent="0" algn="l" defTabSz="914400" rtl="0" eaLnBrk="1" latinLnBrk="0" hangingPunct="1">
+              <a:lnSpc>
+                <a:spcPct val="90000"/>
+              </a:lnSpc>
+              <a:spcBef>
+                <a:spcPts val="1000"/>
+              </a:spcBef>
+              <a:buSzPct val="80000"/>
+              <a:buFont typeface="Arial" pitchFamily="34" charset="0"/>
+              <a:buNone/>
+              <a:defRPr sz="1800" kern="1200">
+                <a:solidFill>
+                  <a:schemeClr val="tx1">
+                    <a:tint val="75000"/>
+                  </a:schemeClr>
+                </a:solidFill>
+                <a:latin typeface="+mn-lt"/>
+                <a:ea typeface="+mn-ea"/>
+                <a:cs typeface="+mn-cs"/>
+              </a:defRPr>
+            </a:lvl2pPr>
+            <a:lvl3pPr marL="914400" indent="0" algn="l" defTabSz="914400" rtl="0" eaLnBrk="1" latinLnBrk="0" hangingPunct="1">
+              <a:lnSpc>
+                <a:spcPct val="90000"/>
+              </a:lnSpc>
+              <a:spcBef>
+                <a:spcPts val="800"/>
+              </a:spcBef>
+              <a:buSzPct val="80000"/>
+              <a:buFont typeface="Arial" pitchFamily="34" charset="0"/>
+              <a:buNone/>
+              <a:defRPr sz="1600" kern="1200">
+                <a:solidFill>
+                  <a:schemeClr val="tx1">
+                    <a:tint val="75000"/>
+                  </a:schemeClr>
+                </a:solidFill>
+                <a:latin typeface="+mn-lt"/>
+                <a:ea typeface="+mn-ea"/>
+                <a:cs typeface="+mn-cs"/>
+              </a:defRPr>
+            </a:lvl3pPr>
+            <a:lvl4pPr marL="1371600" indent="0" algn="l" defTabSz="914400" rtl="0" eaLnBrk="1" latinLnBrk="0" hangingPunct="1">
+              <a:lnSpc>
+                <a:spcPct val="90000"/>
+              </a:lnSpc>
+              <a:spcBef>
+                <a:spcPts val="800"/>
+              </a:spcBef>
+              <a:buSzPct val="80000"/>
+              <a:buFont typeface="Arial" pitchFamily="34" charset="0"/>
+              <a:buNone/>
+              <a:defRPr sz="1400" kern="1200">
+                <a:solidFill>
+                  <a:schemeClr val="tx1">
+                    <a:tint val="75000"/>
+                  </a:schemeClr>
+                </a:solidFill>
+                <a:latin typeface="+mn-lt"/>
+                <a:ea typeface="+mn-ea"/>
+                <a:cs typeface="+mn-cs"/>
+              </a:defRPr>
+            </a:lvl4pPr>
+            <a:lvl5pPr marL="1828800" indent="0" algn="l" defTabSz="914400" rtl="0" eaLnBrk="1" latinLnBrk="0" hangingPunct="1">
+              <a:lnSpc>
+                <a:spcPct val="90000"/>
+              </a:lnSpc>
+              <a:spcBef>
+                <a:spcPts val="800"/>
+              </a:spcBef>
+              <a:buSzPct val="80000"/>
+              <a:buFont typeface="Arial" pitchFamily="34" charset="0"/>
+              <a:buNone/>
+              <a:defRPr sz="1400" kern="1200">
+                <a:solidFill>
+                  <a:schemeClr val="tx1">
+                    <a:tint val="75000"/>
+                  </a:schemeClr>
+                </a:solidFill>
+                <a:latin typeface="+mn-lt"/>
+                <a:ea typeface="+mn-ea"/>
+                <a:cs typeface="+mn-cs"/>
+              </a:defRPr>
+            </a:lvl5pPr>
+            <a:lvl6pPr marL="2286000" indent="0" algn="l" defTabSz="914400" rtl="0" eaLnBrk="1" latinLnBrk="0" hangingPunct="1">
+              <a:lnSpc>
+                <a:spcPct val="90000"/>
+              </a:lnSpc>
+              <a:spcBef>
+                <a:spcPts val="800"/>
+              </a:spcBef>
+              <a:buFont typeface="Arial" pitchFamily="34" charset="0"/>
+              <a:buNone/>
+              <a:defRPr sz="1400" kern="1200">
+                <a:solidFill>
+                  <a:schemeClr val="tx1">
+                    <a:tint val="75000"/>
+                  </a:schemeClr>
+                </a:solidFill>
+                <a:latin typeface="+mn-lt"/>
+                <a:ea typeface="+mn-ea"/>
+                <a:cs typeface="+mn-cs"/>
+              </a:defRPr>
+            </a:lvl6pPr>
+            <a:lvl7pPr marL="2743200" indent="0" algn="l" defTabSz="914400" rtl="0" eaLnBrk="1" latinLnBrk="0" hangingPunct="1">
+              <a:lnSpc>
+                <a:spcPct val="90000"/>
+              </a:lnSpc>
+              <a:spcBef>
+                <a:spcPts val="800"/>
+              </a:spcBef>
+              <a:buFont typeface="Arial" pitchFamily="34" charset="0"/>
+              <a:buNone/>
+              <a:defRPr sz="1400" kern="1200" baseline="0">
+                <a:solidFill>
+                  <a:schemeClr val="tx1">
+                    <a:tint val="75000"/>
+                  </a:schemeClr>
+                </a:solidFill>
+                <a:latin typeface="+mn-lt"/>
+                <a:ea typeface="+mn-ea"/>
+                <a:cs typeface="+mn-cs"/>
+              </a:defRPr>
+            </a:lvl7pPr>
+            <a:lvl8pPr marL="3200400" indent="0" algn="l" defTabSz="914400" rtl="0" eaLnBrk="1" latinLnBrk="0" hangingPunct="1">
+              <a:lnSpc>
+                <a:spcPct val="90000"/>
+              </a:lnSpc>
+              <a:spcBef>
+                <a:spcPts val="800"/>
+              </a:spcBef>
+              <a:buFont typeface="Arial" pitchFamily="34" charset="0"/>
+              <a:buNone/>
+              <a:defRPr sz="1400" kern="1200" baseline="0">
+                <a:solidFill>
+                  <a:schemeClr val="tx1">
+                    <a:tint val="75000"/>
+                  </a:schemeClr>
+                </a:solidFill>
+                <a:latin typeface="+mn-lt"/>
+                <a:ea typeface="+mn-ea"/>
+                <a:cs typeface="+mn-cs"/>
+              </a:defRPr>
+            </a:lvl8pPr>
+            <a:lvl9pPr marL="3657600" indent="0" algn="l" defTabSz="914400" rtl="0" eaLnBrk="1" latinLnBrk="0" hangingPunct="1">
+              <a:lnSpc>
+                <a:spcPct val="90000"/>
+              </a:lnSpc>
+              <a:spcBef>
+                <a:spcPts val="800"/>
+              </a:spcBef>
+              <a:buFont typeface="Arial" pitchFamily="34" charset="0"/>
+              <a:buNone/>
+              <a:defRPr sz="1400" kern="1200" baseline="0">
+                <a:solidFill>
+                  <a:schemeClr val="tx1">
+                    <a:tint val="75000"/>
+                  </a:schemeClr>
+                </a:solidFill>
+                <a:latin typeface="+mn-lt"/>
+                <a:ea typeface="+mn-ea"/>
+                <a:cs typeface="+mn-cs"/>
+              </a:defRPr>
+            </a:lvl9pPr>
+          </a:lstStyle>
+          <a:p>
+            <a:r>
+              <a:rPr lang="en-US" sz="2600" dirty="0">
+                <a:solidFill>
+                  <a:schemeClr val="accent1"/>
+                </a:solidFill>
+                <a:latin typeface="+mj-lt"/>
+              </a:rPr>
+              <a:t>Options | Pattern matching | Discriminated unions | Units of measure</a:t>
+            </a:r>
+          </a:p>
+          <a:p>
+            <a:endParaRPr lang="en-US" sz="2600" dirty="0">
+              <a:solidFill>
+                <a:schemeClr val="accent1"/>
+              </a:solidFill>
+              <a:latin typeface="+mj-lt"/>
+            </a:endParaRPr>
+          </a:p>
+        </p:txBody>
+      </p:sp>
+    </p:spTree>
+    <p:extLst>
+      <p:ext uri="{BB962C8B-B14F-4D97-AF65-F5344CB8AC3E}">
+        <p14:creationId xmlns:p14="http://schemas.microsoft.com/office/powerpoint/2010/main" val="1112511199"/>
+      </p:ext>
+    </p:extLst>
+  </p:cSld>
+  <p:clrMapOvr>
+    <a:masterClrMapping/>
+  </p:clrMapOvr>
+  <mc:AlternateContent xmlns:mc="http://schemas.openxmlformats.org/markup-compatibility/2006" xmlns:p14="http://schemas.microsoft.com/office/powerpoint/2010/main">
+    <mc:Choice Requires="p14">
+      <p:transition spd="med" p14:dur="700">
+        <p:fade/>
+      </p:transition>
+    </mc:Choice>
+    <mc:Fallback xmlns="">
+      <p:transition spd="med">
+        <p:fade/>
+      </p:transition>
+    </mc:Fallback>
+  </mc:AlternateContent>
+</p:sld>
+</file>
+
+<file path=ppt/slides/slide31.xml><?xml version="1.0" encoding="utf-8"?>
 <p:sld xmlns:a="http://schemas.openxmlformats.org/drawingml/2006/main" xmlns:r="http://schemas.openxmlformats.org/officeDocument/2006/relationships" xmlns:p="http://schemas.openxmlformats.org/presentationml/2006/main">
   <p:cSld>
     <p:spTree>
@@ -27524,7 +28030,7 @@
 </p:sld>
 </file>
 
-<file path=ppt/slides/slide31.xml><?xml version="1.0" encoding="utf-8"?>
+<file path=ppt/slides/slide32.xml><?xml version="1.0" encoding="utf-8"?>
 <p:sld xmlns:a="http://schemas.openxmlformats.org/drawingml/2006/main" xmlns:r="http://schemas.openxmlformats.org/officeDocument/2006/relationships" xmlns:p="http://schemas.openxmlformats.org/presentationml/2006/main">
   <p:cSld>
     <p:spTree>
@@ -29130,7 +29636,7 @@
 </p:sld>
 </file>
 
-<file path=ppt/slides/slide32.xml><?xml version="1.0" encoding="utf-8"?>
+<file path=ppt/slides/slide33.xml><?xml version="1.0" encoding="utf-8"?>
 <p:sld xmlns:a="http://schemas.openxmlformats.org/drawingml/2006/main" xmlns:r="http://schemas.openxmlformats.org/officeDocument/2006/relationships" xmlns:p="http://schemas.openxmlformats.org/presentationml/2006/main">
   <p:cSld>
     <p:spTree>
@@ -30363,7 +30869,7 @@
 </p:sld>
 </file>
 
-<file path=ppt/slides/slide33.xml><?xml version="1.0" encoding="utf-8"?>
+<file path=ppt/slides/slide34.xml><?xml version="1.0" encoding="utf-8"?>
 <p:sld xmlns:a="http://schemas.openxmlformats.org/drawingml/2006/main" xmlns:r="http://schemas.openxmlformats.org/officeDocument/2006/relationships" xmlns:p="http://schemas.openxmlformats.org/presentationml/2006/main">
   <p:cSld>
     <p:spTree>
@@ -30951,7 +31457,7 @@
 </p:sld>
 </file>
 
-<file path=ppt/slides/slide34.xml><?xml version="1.0" encoding="utf-8"?>
+<file path=ppt/slides/slide35.xml><?xml version="1.0" encoding="utf-8"?>
 <p:sld xmlns:a="http://schemas.openxmlformats.org/drawingml/2006/main" xmlns:r="http://schemas.openxmlformats.org/officeDocument/2006/relationships" xmlns:p="http://schemas.openxmlformats.org/presentationml/2006/main">
   <p:cSld>
     <p:spTree>
@@ -31568,7 +32074,7 @@
 </p:sld>
 </file>
 
-<file path=ppt/slides/slide35.xml><?xml version="1.0" encoding="utf-8"?>
+<file path=ppt/slides/slide36.xml><?xml version="1.0" encoding="utf-8"?>
 <p:sld xmlns:a="http://schemas.openxmlformats.org/drawingml/2006/main" xmlns:r="http://schemas.openxmlformats.org/officeDocument/2006/relationships" xmlns:p="http://schemas.openxmlformats.org/presentationml/2006/main">
   <p:cSld>
     <p:spTree>
@@ -32102,7 +32608,7 @@
 </p:sld>
 </file>
 
-<file path=ppt/slides/slide36.xml><?xml version="1.0" encoding="utf-8"?>
+<file path=ppt/slides/slide37.xml><?xml version="1.0" encoding="utf-8"?>
 <p:sld xmlns:a="http://schemas.openxmlformats.org/drawingml/2006/main" xmlns:r="http://schemas.openxmlformats.org/officeDocument/2006/relationships" xmlns:p="http://schemas.openxmlformats.org/presentationml/2006/main">
   <p:cSld>
     <p:spTree>
@@ -32935,7 +33441,7 @@
 </p:sld>
 </file>
 
-<file path=ppt/slides/slide37.xml><?xml version="1.0" encoding="utf-8"?>
+<file path=ppt/slides/slide38.xml><?xml version="1.0" encoding="utf-8"?>
 <p:sld xmlns:a="http://schemas.openxmlformats.org/drawingml/2006/main" xmlns:r="http://schemas.openxmlformats.org/officeDocument/2006/relationships" xmlns:p="http://schemas.openxmlformats.org/presentationml/2006/main">
   <p:cSld>
     <p:spTree>
@@ -33626,7 +34132,7 @@
 </p:sld>
 </file>
 
-<file path=ppt/slides/slide38.xml><?xml version="1.0" encoding="utf-8"?>
+<file path=ppt/slides/slide39.xml><?xml version="1.0" encoding="utf-8"?>
 <p:sld xmlns:a="http://schemas.openxmlformats.org/drawingml/2006/main" xmlns:r="http://schemas.openxmlformats.org/officeDocument/2006/relationships" xmlns:p="http://schemas.openxmlformats.org/presentationml/2006/main" show="0">
   <p:cSld>
     <p:spTree>
@@ -34584,7 +35090,156 @@
 </p:sld>
 </file>
 
-<file path=ppt/slides/slide39.xml><?xml version="1.0" encoding="utf-8"?>
+<file path=ppt/slides/slide4.xml><?xml version="1.0" encoding="utf-8"?>
+<p:sld xmlns:a="http://schemas.openxmlformats.org/drawingml/2006/main" xmlns:r="http://schemas.openxmlformats.org/officeDocument/2006/relationships" xmlns:p="http://schemas.openxmlformats.org/presentationml/2006/main">
+  <p:cSld>
+    <p:spTree>
+      <p:nvGrpSpPr>
+        <p:cNvPr id="1" name=""/>
+        <p:cNvGrpSpPr/>
+        <p:nvPr/>
+      </p:nvGrpSpPr>
+      <p:grpSpPr>
+        <a:xfrm>
+          <a:off x="0" y="0"/>
+          <a:ext cx="0" cy="0"/>
+          <a:chOff x="0" y="0"/>
+          <a:chExt cx="0" cy="0"/>
+        </a:xfrm>
+      </p:grpSpPr>
+      <p:sp>
+        <p:nvSpPr>
+          <p:cNvPr id="13" name="Title 12"/>
+          <p:cNvSpPr>
+            <a:spLocks noGrp="1"/>
+          </p:cNvSpPr>
+          <p:nvPr>
+            <p:ph type="title"/>
+          </p:nvPr>
+        </p:nvSpPr>
+        <p:spPr/>
+        <p:txBody>
+          <a:bodyPr>
+            <a:normAutofit/>
+          </a:bodyPr>
+          <a:lstStyle/>
+          <a:p>
+            <a:r>
+              <a:rPr lang="en-US" sz="5400" dirty="0">
+                <a:solidFill>
+                  <a:schemeClr val="accent1"/>
+                </a:solidFill>
+              </a:rPr>
+              <a:t>Materials</a:t>
+            </a:r>
+          </a:p>
+        </p:txBody>
+      </p:sp>
+      <p:sp>
+        <p:nvSpPr>
+          <p:cNvPr id="14" name="Content Placeholder 13"/>
+          <p:cNvSpPr>
+            <a:spLocks noGrp="1"/>
+          </p:cNvSpPr>
+          <p:nvPr>
+            <p:ph idx="1"/>
+          </p:nvPr>
+        </p:nvSpPr>
+        <p:spPr>
+          <a:xfrm>
+            <a:off x="1210968" y="1901952"/>
+            <a:ext cx="10775085" cy="4602757"/>
+          </a:xfrm>
+        </p:spPr>
+        <p:txBody>
+          <a:bodyPr>
+            <a:noAutofit/>
+          </a:bodyPr>
+          <a:lstStyle/>
+          <a:p>
+            <a:pPr>
+              <a:buFont typeface="Calibri" panose="020F0502020204030204" pitchFamily="34" charset="0"/>
+              <a:buChar char="&gt;"/>
+            </a:pPr>
+            <a:r>
+              <a:rPr lang="en-US" sz="4000" dirty="0"/>
+              <a:t> Exercises Guide</a:t>
+            </a:r>
+          </a:p>
+          <a:p>
+            <a:pPr>
+              <a:buFont typeface="Calibri" panose="020F0502020204030204" pitchFamily="34" charset="0"/>
+              <a:buChar char="&gt;"/>
+            </a:pPr>
+            <a:r>
+              <a:rPr lang="en-US" sz="4000" dirty="0"/>
+              <a:t> Exercises Source Code</a:t>
+            </a:r>
+            <a:endParaRPr lang="en-US" sz="3800" dirty="0"/>
+          </a:p>
+          <a:p>
+            <a:pPr marL="0" indent="0">
+              <a:buNone/>
+            </a:pPr>
+            <a:endParaRPr lang="en-US" sz="4400" dirty="0"/>
+          </a:p>
+          <a:p>
+            <a:pPr marL="45720" indent="0" algn="ctr">
+              <a:buNone/>
+            </a:pPr>
+            <a:r>
+              <a:rPr lang="en-US" sz="3200" dirty="0"/>
+              <a:t>fsharpworkshop.com</a:t>
+            </a:r>
+          </a:p>
+          <a:p>
+            <a:pPr marL="45720" indent="0" algn="ctr">
+              <a:buNone/>
+            </a:pPr>
+            <a:r>
+              <a:rPr lang="en-US" sz="3200" dirty="0"/>
+              <a:t>github.com/jorgef/</a:t>
+            </a:r>
+            <a:r>
+              <a:rPr lang="en-US" sz="3200" dirty="0" err="1"/>
+              <a:t>fsharpworkshop</a:t>
+            </a:r>
+            <a:endParaRPr lang="en-US" sz="3200" dirty="0"/>
+          </a:p>
+          <a:p>
+            <a:pPr marL="45720" indent="0" algn="ctr">
+              <a:buNone/>
+            </a:pPr>
+            <a:endParaRPr lang="en-US" sz="3200" dirty="0"/>
+          </a:p>
+        </p:txBody>
+      </p:sp>
+    </p:spTree>
+    <p:extLst>
+      <p:ext uri="{BB962C8B-B14F-4D97-AF65-F5344CB8AC3E}">
+        <p14:creationId xmlns:p14="http://schemas.microsoft.com/office/powerpoint/2010/main" val="4158401340"/>
+      </p:ext>
+    </p:extLst>
+  </p:cSld>
+  <p:clrMapOvr>
+    <a:masterClrMapping/>
+  </p:clrMapOvr>
+  <mc:AlternateContent xmlns:mc="http://schemas.openxmlformats.org/markup-compatibility/2006" xmlns:p14="http://schemas.microsoft.com/office/powerpoint/2010/main">
+    <mc:Choice Requires="p14">
+      <p:transition spd="med" p14:dur="700">
+        <p:fade/>
+      </p:transition>
+    </mc:Choice>
+    <mc:Fallback xmlns="">
+      <p:transition spd="med">
+        <p:fade/>
+      </p:transition>
+    </mc:Fallback>
+  </mc:AlternateContent>
+</p:sld>
+</file>
+
+<file path=ppt/slides/slide40.xml><?xml version="1.0" encoding="utf-8"?>
 <p:sld xmlns:a="http://schemas.openxmlformats.org/drawingml/2006/main" xmlns:r="http://schemas.openxmlformats.org/officeDocument/2006/relationships" xmlns:p="http://schemas.openxmlformats.org/presentationml/2006/main">
   <p:cSld>
     <p:spTree>
@@ -34886,130 +35541,7 @@
 </p:sld>
 </file>
 
-<file path=ppt/slides/slide4.xml><?xml version="1.0" encoding="utf-8"?>
-<p:sld xmlns:a="http://schemas.openxmlformats.org/drawingml/2006/main" xmlns:r="http://schemas.openxmlformats.org/officeDocument/2006/relationships" xmlns:p="http://schemas.openxmlformats.org/presentationml/2006/main">
-  <p:cSld>
-    <p:spTree>
-      <p:nvGrpSpPr>
-        <p:cNvPr id="1" name=""/>
-        <p:cNvGrpSpPr/>
-        <p:nvPr/>
-      </p:nvGrpSpPr>
-      <p:grpSpPr>
-        <a:xfrm>
-          <a:off x="0" y="0"/>
-          <a:ext cx="0" cy="0"/>
-          <a:chOff x="0" y="0"/>
-          <a:chExt cx="0" cy="0"/>
-        </a:xfrm>
-      </p:grpSpPr>
-      <p:sp>
-        <p:nvSpPr>
-          <p:cNvPr id="13" name="Title 12"/>
-          <p:cNvSpPr>
-            <a:spLocks noGrp="1"/>
-          </p:cNvSpPr>
-          <p:nvPr>
-            <p:ph type="title"/>
-          </p:nvPr>
-        </p:nvSpPr>
-        <p:spPr/>
-        <p:txBody>
-          <a:bodyPr>
-            <a:normAutofit/>
-          </a:bodyPr>
-          <a:lstStyle/>
-          <a:p>
-            <a:r>
-              <a:rPr lang="en-US" sz="5400" dirty="0">
-                <a:solidFill>
-                  <a:schemeClr val="accent1"/>
-                </a:solidFill>
-              </a:rPr>
-              <a:t>Objectives</a:t>
-            </a:r>
-          </a:p>
-        </p:txBody>
-      </p:sp>
-      <p:sp>
-        <p:nvSpPr>
-          <p:cNvPr id="14" name="Content Placeholder 13"/>
-          <p:cNvSpPr>
-            <a:spLocks noGrp="1"/>
-          </p:cNvSpPr>
-          <p:nvPr>
-            <p:ph idx="1"/>
-          </p:nvPr>
-        </p:nvSpPr>
-        <p:spPr>
-          <a:xfrm>
-            <a:off x="1341119" y="1901952"/>
-            <a:ext cx="10459584" cy="4127627"/>
-          </a:xfrm>
-        </p:spPr>
-        <p:txBody>
-          <a:bodyPr>
-            <a:normAutofit/>
-          </a:bodyPr>
-          <a:lstStyle/>
-          <a:p>
-            <a:pPr>
-              <a:buFont typeface="Calibri" panose="020F0502020204030204" pitchFamily="34" charset="0"/>
-              <a:buChar char="&gt;"/>
-            </a:pPr>
-            <a:r>
-              <a:rPr lang="en-AU" sz="4000" dirty="0"/>
-              <a:t> Understand the basic core principles behind FP</a:t>
-            </a:r>
-          </a:p>
-          <a:p>
-            <a:pPr>
-              <a:buFont typeface="Calibri" panose="020F0502020204030204" pitchFamily="34" charset="0"/>
-              <a:buChar char="&gt;"/>
-            </a:pPr>
-            <a:r>
-              <a:rPr lang="en-AU" sz="4000" dirty="0"/>
-              <a:t> Understand the F# syntax and structures</a:t>
-            </a:r>
-          </a:p>
-          <a:p>
-            <a:pPr>
-              <a:buFont typeface="Calibri" panose="020F0502020204030204" pitchFamily="34" charset="0"/>
-              <a:buChar char="&gt;"/>
-            </a:pPr>
-            <a:r>
-              <a:rPr lang="en-AU" sz="4000" dirty="0"/>
-              <a:t> Get motivation to practice and master F#</a:t>
-            </a:r>
-          </a:p>
-        </p:txBody>
-      </p:sp>
-    </p:spTree>
-    <p:extLst>
-      <p:ext uri="{BB962C8B-B14F-4D97-AF65-F5344CB8AC3E}">
-        <p14:creationId xmlns:p14="http://schemas.microsoft.com/office/powerpoint/2010/main" val="3120296985"/>
-      </p:ext>
-    </p:extLst>
-  </p:cSld>
-  <p:clrMapOvr>
-    <a:masterClrMapping/>
-  </p:clrMapOvr>
-  <mc:AlternateContent xmlns:mc="http://schemas.openxmlformats.org/markup-compatibility/2006" xmlns:p14="http://schemas.microsoft.com/office/powerpoint/2010/main">
-    <mc:Choice Requires="p14">
-      <p:transition spd="med" p14:dur="700">
-        <p:fade/>
-      </p:transition>
-    </mc:Choice>
-    <mc:Fallback xmlns="">
-      <p:transition spd="med">
-        <p:fade/>
-      </p:transition>
-    </mc:Fallback>
-  </mc:AlternateContent>
-</p:sld>
-</file>
-
-<file path=ppt/slides/slide40.xml><?xml version="1.0" encoding="utf-8"?>
+<file path=ppt/slides/slide41.xml><?xml version="1.0" encoding="utf-8"?>
 <p:sld xmlns:a="http://schemas.openxmlformats.org/drawingml/2006/main" xmlns:r="http://schemas.openxmlformats.org/officeDocument/2006/relationships" xmlns:p="http://schemas.openxmlformats.org/presentationml/2006/main">
   <p:cSld>
     <p:spTree>
@@ -35724,7 +36256,7 @@
 </p:sld>
 </file>
 
-<file path=ppt/slides/slide41.xml><?xml version="1.0" encoding="utf-8"?>
+<file path=ppt/slides/slide42.xml><?xml version="1.0" encoding="utf-8"?>
 <p:sld xmlns:a="http://schemas.openxmlformats.org/drawingml/2006/main" xmlns:r="http://schemas.openxmlformats.org/officeDocument/2006/relationships" xmlns:p="http://schemas.openxmlformats.org/presentationml/2006/main">
   <p:cSld>
     <p:spTree>
@@ -36005,136 +36537,6 @@
     <p:extLst>
       <p:ext uri="{BB962C8B-B14F-4D97-AF65-F5344CB8AC3E}">
         <p14:creationId xmlns:p14="http://schemas.microsoft.com/office/powerpoint/2010/main" val="2626375152"/>
-      </p:ext>
-    </p:extLst>
-  </p:cSld>
-  <p:clrMapOvr>
-    <a:masterClrMapping/>
-  </p:clrMapOvr>
-  <mc:AlternateContent xmlns:mc="http://schemas.openxmlformats.org/markup-compatibility/2006" xmlns:p14="http://schemas.microsoft.com/office/powerpoint/2010/main">
-    <mc:Choice Requires="p14">
-      <p:transition spd="med" p14:dur="700">
-        <p:fade/>
-      </p:transition>
-    </mc:Choice>
-    <mc:Fallback xmlns="">
-      <p:transition spd="med">
-        <p:fade/>
-      </p:transition>
-    </mc:Fallback>
-  </mc:AlternateContent>
-</p:sld>
-</file>
-
-<file path=ppt/slides/slide42.xml><?xml version="1.0" encoding="utf-8"?>
-<p:sld xmlns:a="http://schemas.openxmlformats.org/drawingml/2006/main" xmlns:r="http://schemas.openxmlformats.org/officeDocument/2006/relationships" xmlns:p="http://schemas.openxmlformats.org/presentationml/2006/main">
-  <p:cSld>
-    <p:spTree>
-      <p:nvGrpSpPr>
-        <p:cNvPr id="1" name=""/>
-        <p:cNvGrpSpPr/>
-        <p:nvPr/>
-      </p:nvGrpSpPr>
-      <p:grpSpPr>
-        <a:xfrm>
-          <a:off x="0" y="0"/>
-          <a:ext cx="0" cy="0"/>
-          <a:chOff x="0" y="0"/>
-          <a:chExt cx="0" cy="0"/>
-        </a:xfrm>
-      </p:grpSpPr>
-      <p:sp>
-        <p:nvSpPr>
-          <p:cNvPr id="13" name="Title 12"/>
-          <p:cNvSpPr>
-            <a:spLocks noGrp="1"/>
-          </p:cNvSpPr>
-          <p:nvPr>
-            <p:ph type="title"/>
-          </p:nvPr>
-        </p:nvSpPr>
-        <p:spPr/>
-        <p:txBody>
-          <a:bodyPr>
-            <a:normAutofit/>
-          </a:bodyPr>
-          <a:lstStyle/>
-          <a:p>
-            <a:r>
-              <a:rPr lang="en-US" sz="5400" dirty="0">
-                <a:solidFill>
-                  <a:schemeClr val="accent1"/>
-                </a:solidFill>
-              </a:rPr>
-              <a:t>Review</a:t>
-            </a:r>
-          </a:p>
-        </p:txBody>
-      </p:sp>
-      <p:sp>
-        <p:nvSpPr>
-          <p:cNvPr id="14" name="Content Placeholder 13"/>
-          <p:cNvSpPr>
-            <a:spLocks noGrp="1"/>
-          </p:cNvSpPr>
-          <p:nvPr>
-            <p:ph idx="1"/>
-          </p:nvPr>
-        </p:nvSpPr>
-        <p:spPr>
-          <a:xfrm>
-            <a:off x="1210968" y="1901952"/>
-            <a:ext cx="10775085" cy="4602757"/>
-          </a:xfrm>
-        </p:spPr>
-        <p:txBody>
-          <a:bodyPr>
-            <a:noAutofit/>
-          </a:bodyPr>
-          <a:lstStyle/>
-          <a:p>
-            <a:pPr>
-              <a:buFont typeface="Calibri" panose="020F0502020204030204" pitchFamily="34" charset="0"/>
-              <a:buChar char="&gt;"/>
-            </a:pPr>
-            <a:r>
-              <a:rPr lang="en-US" sz="4000" dirty="0"/>
-              <a:t> What happens if you multiply the same unit of measure?</a:t>
-            </a:r>
-          </a:p>
-          <a:p>
-            <a:pPr>
-              <a:buFont typeface="Calibri" panose="020F0502020204030204" pitchFamily="34" charset="0"/>
-              <a:buChar char="&gt;"/>
-            </a:pPr>
-            <a:r>
-              <a:rPr lang="en-US" sz="4000" dirty="0"/>
-              <a:t>When should we use “_”?</a:t>
-            </a:r>
-          </a:p>
-          <a:p>
-            <a:pPr>
-              <a:buFont typeface="Calibri" panose="020F0502020204030204" pitchFamily="34" charset="0"/>
-              <a:buChar char="&gt;"/>
-            </a:pPr>
-            <a:r>
-              <a:rPr lang="en-US" sz="4000" dirty="0"/>
-              <a:t> What are the possible types of string option?</a:t>
-            </a:r>
-          </a:p>
-          <a:p>
-            <a:pPr>
-              <a:buFont typeface="Calibri" panose="020F0502020204030204" pitchFamily="34" charset="0"/>
-              <a:buChar char="&gt;"/>
-            </a:pPr>
-            <a:endParaRPr lang="en-US" sz="4000" dirty="0"/>
-          </a:p>
-        </p:txBody>
-      </p:sp>
-    </p:spTree>
-    <p:extLst>
-      <p:ext uri="{BB962C8B-B14F-4D97-AF65-F5344CB8AC3E}">
-        <p14:creationId xmlns:p14="http://schemas.microsoft.com/office/powerpoint/2010/main" val="2493503223"/>
       </p:ext>
     </p:extLst>
   </p:cSld>
@@ -36175,6 +36577,136 @@
       </p:grpSpPr>
       <p:sp>
         <p:nvSpPr>
+          <p:cNvPr id="13" name="Title 12"/>
+          <p:cNvSpPr>
+            <a:spLocks noGrp="1"/>
+          </p:cNvSpPr>
+          <p:nvPr>
+            <p:ph type="title"/>
+          </p:nvPr>
+        </p:nvSpPr>
+        <p:spPr/>
+        <p:txBody>
+          <a:bodyPr>
+            <a:normAutofit/>
+          </a:bodyPr>
+          <a:lstStyle/>
+          <a:p>
+            <a:r>
+              <a:rPr lang="en-US" sz="5400" dirty="0">
+                <a:solidFill>
+                  <a:schemeClr val="accent1"/>
+                </a:solidFill>
+              </a:rPr>
+              <a:t>Review</a:t>
+            </a:r>
+          </a:p>
+        </p:txBody>
+      </p:sp>
+      <p:sp>
+        <p:nvSpPr>
+          <p:cNvPr id="14" name="Content Placeholder 13"/>
+          <p:cNvSpPr>
+            <a:spLocks noGrp="1"/>
+          </p:cNvSpPr>
+          <p:nvPr>
+            <p:ph idx="1"/>
+          </p:nvPr>
+        </p:nvSpPr>
+        <p:spPr>
+          <a:xfrm>
+            <a:off x="1210968" y="1901952"/>
+            <a:ext cx="10775085" cy="4602757"/>
+          </a:xfrm>
+        </p:spPr>
+        <p:txBody>
+          <a:bodyPr>
+            <a:noAutofit/>
+          </a:bodyPr>
+          <a:lstStyle/>
+          <a:p>
+            <a:pPr>
+              <a:buFont typeface="Calibri" panose="020F0502020204030204" pitchFamily="34" charset="0"/>
+              <a:buChar char="&gt;"/>
+            </a:pPr>
+            <a:r>
+              <a:rPr lang="en-US" sz="4000" dirty="0"/>
+              <a:t> What happens if you multiply the same unit of measure?</a:t>
+            </a:r>
+          </a:p>
+          <a:p>
+            <a:pPr>
+              <a:buFont typeface="Calibri" panose="020F0502020204030204" pitchFamily="34" charset="0"/>
+              <a:buChar char="&gt;"/>
+            </a:pPr>
+            <a:r>
+              <a:rPr lang="en-US" sz="4000" dirty="0"/>
+              <a:t>When should we use “_”?</a:t>
+            </a:r>
+          </a:p>
+          <a:p>
+            <a:pPr>
+              <a:buFont typeface="Calibri" panose="020F0502020204030204" pitchFamily="34" charset="0"/>
+              <a:buChar char="&gt;"/>
+            </a:pPr>
+            <a:r>
+              <a:rPr lang="en-US" sz="4000" dirty="0"/>
+              <a:t> What are the possible types of string option?</a:t>
+            </a:r>
+          </a:p>
+          <a:p>
+            <a:pPr>
+              <a:buFont typeface="Calibri" panose="020F0502020204030204" pitchFamily="34" charset="0"/>
+              <a:buChar char="&gt;"/>
+            </a:pPr>
+            <a:endParaRPr lang="en-US" sz="4000" dirty="0"/>
+          </a:p>
+        </p:txBody>
+      </p:sp>
+    </p:spTree>
+    <p:extLst>
+      <p:ext uri="{BB962C8B-B14F-4D97-AF65-F5344CB8AC3E}">
+        <p14:creationId xmlns:p14="http://schemas.microsoft.com/office/powerpoint/2010/main" val="2493503223"/>
+      </p:ext>
+    </p:extLst>
+  </p:cSld>
+  <p:clrMapOvr>
+    <a:masterClrMapping/>
+  </p:clrMapOvr>
+  <mc:AlternateContent xmlns:mc="http://schemas.openxmlformats.org/markup-compatibility/2006" xmlns:p14="http://schemas.microsoft.com/office/powerpoint/2010/main">
+    <mc:Choice Requires="p14">
+      <p:transition spd="med" p14:dur="700">
+        <p:fade/>
+      </p:transition>
+    </mc:Choice>
+    <mc:Fallback xmlns="">
+      <p:transition spd="med">
+        <p:fade/>
+      </p:transition>
+    </mc:Fallback>
+  </mc:AlternateContent>
+</p:sld>
+</file>
+
+<file path=ppt/slides/slide44.xml><?xml version="1.0" encoding="utf-8"?>
+<p:sld xmlns:a="http://schemas.openxmlformats.org/drawingml/2006/main" xmlns:r="http://schemas.openxmlformats.org/officeDocument/2006/relationships" xmlns:p="http://schemas.openxmlformats.org/presentationml/2006/main">
+  <p:cSld>
+    <p:spTree>
+      <p:nvGrpSpPr>
+        <p:cNvPr id="1" name=""/>
+        <p:cNvGrpSpPr/>
+        <p:nvPr/>
+      </p:nvGrpSpPr>
+      <p:grpSpPr>
+        <a:xfrm>
+          <a:off x="0" y="0"/>
+          <a:ext cx="0" cy="0"/>
+          <a:chOff x="0" y="0"/>
+          <a:chExt cx="0" cy="0"/>
+        </a:xfrm>
+      </p:grpSpPr>
+      <p:sp>
+        <p:nvSpPr>
           <p:cNvPr id="4" name="Title 3"/>
           <p:cNvSpPr>
             <a:spLocks noGrp="1"/>
@@ -36458,7 +36990,7 @@
 </p:sld>
 </file>
 
-<file path=ppt/slides/slide44.xml><?xml version="1.0" encoding="utf-8"?>
+<file path=ppt/slides/slide45.xml><?xml version="1.0" encoding="utf-8"?>
 <p:sld xmlns:a="http://schemas.openxmlformats.org/drawingml/2006/main" xmlns:r="http://schemas.openxmlformats.org/officeDocument/2006/relationships" xmlns:p="http://schemas.openxmlformats.org/presentationml/2006/main">
   <p:cSld>
     <p:spTree>
@@ -37440,7 +37972,7 @@
 </p:sld>
 </file>
 
-<file path=ppt/slides/slide45.xml><?xml version="1.0" encoding="utf-8"?>
+<file path=ppt/slides/slide46.xml><?xml version="1.0" encoding="utf-8"?>
 <p:sld xmlns:a="http://schemas.openxmlformats.org/drawingml/2006/main" xmlns:r="http://schemas.openxmlformats.org/officeDocument/2006/relationships" xmlns:p="http://schemas.openxmlformats.org/presentationml/2006/main">
   <p:cSld>
     <p:spTree>
@@ -38538,7 +39070,7 @@
 </p:sld>
 </file>
 
-<file path=ppt/slides/slide46.xml><?xml version="1.0" encoding="utf-8"?>
+<file path=ppt/slides/slide47.xml><?xml version="1.0" encoding="utf-8"?>
 <p:sld xmlns:a="http://schemas.openxmlformats.org/drawingml/2006/main" xmlns:r="http://schemas.openxmlformats.org/officeDocument/2006/relationships" xmlns:p="http://schemas.openxmlformats.org/presentationml/2006/main">
   <p:cSld>
     <p:spTree>
@@ -39144,7 +39676,7 @@
 </p:sld>
 </file>
 
-<file path=ppt/slides/slide47.xml><?xml version="1.0" encoding="utf-8"?>
+<file path=ppt/slides/slide48.xml><?xml version="1.0" encoding="utf-8"?>
 <p:sld xmlns:a="http://schemas.openxmlformats.org/drawingml/2006/main" xmlns:r="http://schemas.openxmlformats.org/officeDocument/2006/relationships" xmlns:p="http://schemas.openxmlformats.org/presentationml/2006/main" showMasterSp="0">
   <p:cSld>
     <p:spTree>
@@ -40394,7 +40926,7 @@
 </p:sld>
 </file>
 
-<file path=ppt/slides/slide48.xml><?xml version="1.0" encoding="utf-8"?>
+<file path=ppt/slides/slide49.xml><?xml version="1.0" encoding="utf-8"?>
 <p:sld xmlns:a="http://schemas.openxmlformats.org/drawingml/2006/main" xmlns:r="http://schemas.openxmlformats.org/officeDocument/2006/relationships" xmlns:p="http://schemas.openxmlformats.org/presentationml/2006/main">
   <p:cSld>
     <p:spTree>
@@ -41268,7 +41800,130 @@
 </p:sld>
 </file>
 
-<file path=ppt/slides/slide49.xml><?xml version="1.0" encoding="utf-8"?>
+<file path=ppt/slides/slide5.xml><?xml version="1.0" encoding="utf-8"?>
+<p:sld xmlns:a="http://schemas.openxmlformats.org/drawingml/2006/main" xmlns:r="http://schemas.openxmlformats.org/officeDocument/2006/relationships" xmlns:p="http://schemas.openxmlformats.org/presentationml/2006/main">
+  <p:cSld>
+    <p:spTree>
+      <p:nvGrpSpPr>
+        <p:cNvPr id="1" name=""/>
+        <p:cNvGrpSpPr/>
+        <p:nvPr/>
+      </p:nvGrpSpPr>
+      <p:grpSpPr>
+        <a:xfrm>
+          <a:off x="0" y="0"/>
+          <a:ext cx="0" cy="0"/>
+          <a:chOff x="0" y="0"/>
+          <a:chExt cx="0" cy="0"/>
+        </a:xfrm>
+      </p:grpSpPr>
+      <p:sp>
+        <p:nvSpPr>
+          <p:cNvPr id="13" name="Title 12"/>
+          <p:cNvSpPr>
+            <a:spLocks noGrp="1"/>
+          </p:cNvSpPr>
+          <p:nvPr>
+            <p:ph type="title"/>
+          </p:nvPr>
+        </p:nvSpPr>
+        <p:spPr/>
+        <p:txBody>
+          <a:bodyPr>
+            <a:normAutofit/>
+          </a:bodyPr>
+          <a:lstStyle/>
+          <a:p>
+            <a:r>
+              <a:rPr lang="en-US" sz="5400" dirty="0">
+                <a:solidFill>
+                  <a:schemeClr val="accent1"/>
+                </a:solidFill>
+              </a:rPr>
+              <a:t>Objectives</a:t>
+            </a:r>
+          </a:p>
+        </p:txBody>
+      </p:sp>
+      <p:sp>
+        <p:nvSpPr>
+          <p:cNvPr id="14" name="Content Placeholder 13"/>
+          <p:cNvSpPr>
+            <a:spLocks noGrp="1"/>
+          </p:cNvSpPr>
+          <p:nvPr>
+            <p:ph idx="1"/>
+          </p:nvPr>
+        </p:nvSpPr>
+        <p:spPr>
+          <a:xfrm>
+            <a:off x="1341119" y="1901952"/>
+            <a:ext cx="10459584" cy="4127627"/>
+          </a:xfrm>
+        </p:spPr>
+        <p:txBody>
+          <a:bodyPr>
+            <a:normAutofit/>
+          </a:bodyPr>
+          <a:lstStyle/>
+          <a:p>
+            <a:pPr>
+              <a:buFont typeface="Calibri" panose="020F0502020204030204" pitchFamily="34" charset="0"/>
+              <a:buChar char="&gt;"/>
+            </a:pPr>
+            <a:r>
+              <a:rPr lang="en-AU" sz="4000" dirty="0"/>
+              <a:t> Understand the basic core principles behind FP</a:t>
+            </a:r>
+          </a:p>
+          <a:p>
+            <a:pPr>
+              <a:buFont typeface="Calibri" panose="020F0502020204030204" pitchFamily="34" charset="0"/>
+              <a:buChar char="&gt;"/>
+            </a:pPr>
+            <a:r>
+              <a:rPr lang="en-AU" sz="4000" dirty="0"/>
+              <a:t> Understand the F# syntax and structures</a:t>
+            </a:r>
+          </a:p>
+          <a:p>
+            <a:pPr>
+              <a:buFont typeface="Calibri" panose="020F0502020204030204" pitchFamily="34" charset="0"/>
+              <a:buChar char="&gt;"/>
+            </a:pPr>
+            <a:r>
+              <a:rPr lang="en-AU" sz="4000" dirty="0"/>
+              <a:t> Get motivation to practice and master F#</a:t>
+            </a:r>
+          </a:p>
+        </p:txBody>
+      </p:sp>
+    </p:spTree>
+    <p:extLst>
+      <p:ext uri="{BB962C8B-B14F-4D97-AF65-F5344CB8AC3E}">
+        <p14:creationId xmlns:p14="http://schemas.microsoft.com/office/powerpoint/2010/main" val="3120296985"/>
+      </p:ext>
+    </p:extLst>
+  </p:cSld>
+  <p:clrMapOvr>
+    <a:masterClrMapping/>
+  </p:clrMapOvr>
+  <mc:AlternateContent xmlns:mc="http://schemas.openxmlformats.org/markup-compatibility/2006" xmlns:p14="http://schemas.microsoft.com/office/powerpoint/2010/main">
+    <mc:Choice Requires="p14">
+      <p:transition spd="med" p14:dur="700">
+        <p:fade/>
+      </p:transition>
+    </mc:Choice>
+    <mc:Fallback xmlns="">
+      <p:transition spd="med">
+        <p:fade/>
+      </p:transition>
+    </mc:Fallback>
+  </mc:AlternateContent>
+</p:sld>
+</file>
+
+<file path=ppt/slides/slide50.xml><?xml version="1.0" encoding="utf-8"?>
 <p:sld xmlns:a="http://schemas.openxmlformats.org/drawingml/2006/main" xmlns:r="http://schemas.openxmlformats.org/officeDocument/2006/relationships" xmlns:p="http://schemas.openxmlformats.org/presentationml/2006/main">
   <p:cSld>
     <p:spTree>
@@ -41755,142 +42410,7 @@
 </p:sld>
 </file>
 
-<file path=ppt/slides/slide5.xml><?xml version="1.0" encoding="utf-8"?>
-<p:sld xmlns:a="http://schemas.openxmlformats.org/drawingml/2006/main" xmlns:r="http://schemas.openxmlformats.org/officeDocument/2006/relationships" xmlns:p="http://schemas.openxmlformats.org/presentationml/2006/main">
-  <p:cSld>
-    <p:spTree>
-      <p:nvGrpSpPr>
-        <p:cNvPr id="1" name=""/>
-        <p:cNvGrpSpPr/>
-        <p:nvPr/>
-      </p:nvGrpSpPr>
-      <p:grpSpPr>
-        <a:xfrm>
-          <a:off x="0" y="0"/>
-          <a:ext cx="0" cy="0"/>
-          <a:chOff x="0" y="0"/>
-          <a:chExt cx="0" cy="0"/>
-        </a:xfrm>
-      </p:grpSpPr>
-      <p:sp>
-        <p:nvSpPr>
-          <p:cNvPr id="4" name="Title 4"/>
-          <p:cNvSpPr txBox="1">
-            <a:spLocks/>
-          </p:cNvSpPr>
-          <p:nvPr/>
-        </p:nvSpPr>
-        <p:spPr>
-          <a:xfrm>
-            <a:off x="2188038" y="2088291"/>
-            <a:ext cx="9504878" cy="3018659"/>
-          </a:xfrm>
-          <a:prstGeom prst="rect">
-            <a:avLst/>
-          </a:prstGeom>
-        </p:spPr>
-        <p:txBody>
-          <a:bodyPr/>
-          <a:lstStyle>
-            <a:lvl1pPr marL="0" indent="0" algn="l" defTabSz="914400" rtl="0" eaLnBrk="1" latinLnBrk="0" hangingPunct="1">
-              <a:lnSpc>
-                <a:spcPct val="90000"/>
-              </a:lnSpc>
-              <a:spcBef>
-                <a:spcPct val="0"/>
-              </a:spcBef>
-              <a:buFont typeface="Arial" pitchFamily="34" charset="0"/>
-              <a:buNone/>
-              <a:defRPr sz="3400" kern="1200">
-                <a:solidFill>
-                  <a:schemeClr val="tx1"/>
-                </a:solidFill>
-                <a:latin typeface="+mj-lt"/>
-                <a:ea typeface="+mj-ea"/>
-                <a:cs typeface="+mj-cs"/>
-              </a:defRPr>
-            </a:lvl1pPr>
-          </a:lstStyle>
-          <a:p>
-            <a:pPr algn="ctr">
-              <a:lnSpc>
-                <a:spcPts val="8000"/>
-              </a:lnSpc>
-            </a:pPr>
-            <a:r>
-              <a:rPr lang="en-AU" sz="4000" dirty="0"/>
-              <a:t>F# is a mature, open source, cross-platform, functional-first programming language. </a:t>
-            </a:r>
-          </a:p>
-        </p:txBody>
-      </p:sp>
-      <p:pic>
-        <p:nvPicPr>
-          <p:cNvPr id="3074" name="Picture 2" descr="F# Logo"/>
-          <p:cNvPicPr>
-            <a:picLocks noChangeAspect="1" noChangeArrowheads="1"/>
-          </p:cNvPicPr>
-          <p:nvPr/>
-        </p:nvPicPr>
-        <p:blipFill>
-          <a:blip r:embed="rId2">
-            <a:extLst>
-              <a:ext uri="{28A0092B-C50C-407E-A947-70E740481C1C}">
-                <a14:useLocalDpi xmlns:a14="http://schemas.microsoft.com/office/drawing/2010/main" val="0"/>
-              </a:ext>
-            </a:extLst>
-          </a:blip>
-          <a:srcRect/>
-          <a:stretch>
-            <a:fillRect/>
-          </a:stretch>
-        </p:blipFill>
-        <p:spPr bwMode="auto">
-          <a:xfrm>
-            <a:off x="579901" y="2507805"/>
-            <a:ext cx="1608137" cy="1608137"/>
-          </a:xfrm>
-          <a:prstGeom prst="rect">
-            <a:avLst/>
-          </a:prstGeom>
-          <a:noFill/>
-          <a:extLst>
-            <a:ext uri="{909E8E84-426E-40DD-AFC4-6F175D3DCCD1}">
-              <a14:hiddenFill xmlns:a14="http://schemas.microsoft.com/office/drawing/2010/main">
-                <a:solidFill>
-                  <a:srgbClr val="FFFFFF"/>
-                </a:solidFill>
-              </a14:hiddenFill>
-            </a:ext>
-          </a:extLst>
-        </p:spPr>
-      </p:pic>
-    </p:spTree>
-    <p:extLst>
-      <p:ext uri="{BB962C8B-B14F-4D97-AF65-F5344CB8AC3E}">
-        <p14:creationId xmlns:p14="http://schemas.microsoft.com/office/powerpoint/2010/main" val="2168060993"/>
-      </p:ext>
-    </p:extLst>
-  </p:cSld>
-  <p:clrMapOvr>
-    <a:masterClrMapping/>
-  </p:clrMapOvr>
-  <mc:AlternateContent xmlns:mc="http://schemas.openxmlformats.org/markup-compatibility/2006" xmlns:p14="http://schemas.microsoft.com/office/powerpoint/2010/main">
-    <mc:Choice Requires="p14">
-      <p:transition spd="med" p14:dur="700">
-        <p:fade/>
-      </p:transition>
-    </mc:Choice>
-    <mc:Fallback xmlns="">
-      <p:transition spd="med">
-        <p:fade/>
-      </p:transition>
-    </mc:Fallback>
-  </mc:AlternateContent>
-</p:sld>
-</file>
-
-<file path=ppt/slides/slide50.xml><?xml version="1.0" encoding="utf-8"?>
+<file path=ppt/slides/slide51.xml><?xml version="1.0" encoding="utf-8"?>
 <p:sld xmlns:a="http://schemas.openxmlformats.org/drawingml/2006/main" xmlns:r="http://schemas.openxmlformats.org/officeDocument/2006/relationships" xmlns:p="http://schemas.openxmlformats.org/presentationml/2006/main">
   <p:cSld>
     <p:spTree>
@@ -43284,7 +43804,7 @@
 </p:sld>
 </file>
 
-<file path=ppt/slides/slide51.xml><?xml version="1.0" encoding="utf-8"?>
+<file path=ppt/slides/slide52.xml><?xml version="1.0" encoding="utf-8"?>
 <p:sld xmlns:a="http://schemas.openxmlformats.org/drawingml/2006/main" xmlns:r="http://schemas.openxmlformats.org/officeDocument/2006/relationships" xmlns:p="http://schemas.openxmlformats.org/presentationml/2006/main">
   <p:cSld>
     <p:spTree>
@@ -44004,7 +44524,7 @@
 </p:sld>
 </file>
 
-<file path=ppt/slides/slide52.xml><?xml version="1.0" encoding="utf-8"?>
+<file path=ppt/slides/slide53.xml><?xml version="1.0" encoding="utf-8"?>
 <p:sld xmlns:a="http://schemas.openxmlformats.org/drawingml/2006/main" xmlns:r="http://schemas.openxmlformats.org/officeDocument/2006/relationships" xmlns:p="http://schemas.openxmlformats.org/presentationml/2006/main">
   <p:cSld>
     <p:spTree>
@@ -45273,7 +45793,7 @@
 </p:sld>
 </file>
 
-<file path=ppt/slides/slide53.xml><?xml version="1.0" encoding="utf-8"?>
+<file path=ppt/slides/slide54.xml><?xml version="1.0" encoding="utf-8"?>
 <p:sld xmlns:a="http://schemas.openxmlformats.org/drawingml/2006/main" xmlns:r="http://schemas.openxmlformats.org/officeDocument/2006/relationships" xmlns:p="http://schemas.openxmlformats.org/presentationml/2006/main">
   <p:cSld>
     <p:spTree>
@@ -45575,7 +46095,7 @@
 </p:sld>
 </file>
 
-<file path=ppt/slides/slide54.xml><?xml version="1.0" encoding="utf-8"?>
+<file path=ppt/slides/slide55.xml><?xml version="1.0" encoding="utf-8"?>
 <p:sld xmlns:a="http://schemas.openxmlformats.org/drawingml/2006/main" xmlns:r="http://schemas.openxmlformats.org/officeDocument/2006/relationships" xmlns:p="http://schemas.openxmlformats.org/presentationml/2006/main">
   <p:cSld>
     <p:spTree>
@@ -46371,7 +46891,7 @@
 </p:sld>
 </file>
 
-<file path=ppt/slides/slide55.xml><?xml version="1.0" encoding="utf-8"?>
+<file path=ppt/slides/slide56.xml><?xml version="1.0" encoding="utf-8"?>
 <p:sld xmlns:a="http://schemas.openxmlformats.org/drawingml/2006/main" xmlns:r="http://schemas.openxmlformats.org/officeDocument/2006/relationships" xmlns:p="http://schemas.openxmlformats.org/presentationml/2006/main">
   <p:cSld>
     <p:spTree>
@@ -46673,7 +47193,7 @@
 </p:sld>
 </file>
 
-<file path=ppt/slides/slide56.xml><?xml version="1.0" encoding="utf-8"?>
+<file path=ppt/slides/slide57.xml><?xml version="1.0" encoding="utf-8"?>
 <p:sld xmlns:a="http://schemas.openxmlformats.org/drawingml/2006/main" xmlns:r="http://schemas.openxmlformats.org/officeDocument/2006/relationships" xmlns:p="http://schemas.openxmlformats.org/presentationml/2006/main" showMasterSp="0">
   <p:cSld>
     <p:spTree>
@@ -46812,7 +47332,7 @@
 </p:sld>
 </file>
 
-<file path=ppt/slides/slide57.xml><?xml version="1.0" encoding="utf-8"?>
+<file path=ppt/slides/slide58.xml><?xml version="1.0" encoding="utf-8"?>
 <p:sld xmlns:a="http://schemas.openxmlformats.org/drawingml/2006/main" xmlns:r="http://schemas.openxmlformats.org/officeDocument/2006/relationships" xmlns:p="http://schemas.openxmlformats.org/presentationml/2006/main">
   <p:cSld>
     <p:spTree>
@@ -47101,6 +47621,48 @@
           </a:p>
         </p:txBody>
       </p:sp>
+      <p:sp>
+        <p:nvSpPr>
+          <p:cNvPr id="2" name="Rectangle 1"/>
+          <p:cNvSpPr/>
+          <p:nvPr/>
+        </p:nvSpPr>
+        <p:spPr>
+          <a:xfrm>
+            <a:off x="2638762" y="1289425"/>
+            <a:ext cx="6806543" cy="646331"/>
+          </a:xfrm>
+          <a:prstGeom prst="rect">
+            <a:avLst/>
+          </a:prstGeom>
+        </p:spPr>
+        <p:style>
+          <a:lnRef idx="2">
+            <a:schemeClr val="accent1"/>
+          </a:lnRef>
+          <a:fillRef idx="1">
+            <a:schemeClr val="lt1"/>
+          </a:fillRef>
+          <a:effectRef idx="0">
+            <a:schemeClr val="accent1"/>
+          </a:effectRef>
+          <a:fontRef idx="minor">
+            <a:schemeClr val="dk1"/>
+          </a:fontRef>
+        </p:style>
+        <p:txBody>
+          <a:bodyPr wrap="none">
+            <a:spAutoFit/>
+          </a:bodyPr>
+          <a:lstStyle/>
+          <a:p>
+            <a:r>
+              <a:rPr lang="en-US" sz="3600" dirty="0"/>
+              <a:t>Survey (5 min): bit.do/intro-tutorial</a:t>
+            </a:r>
+          </a:p>
+        </p:txBody>
+      </p:sp>
     </p:spTree>
     <p:extLst>
       <p:ext uri="{BB962C8B-B14F-4D97-AF65-F5344CB8AC3E}">
@@ -47126,7 +47688,7 @@
 </p:sld>
 </file>
 
-<file path=ppt/slides/slide58.xml><?xml version="1.0" encoding="utf-8"?>
+<file path=ppt/slides/slide59.xml><?xml version="1.0" encoding="utf-8"?>
 <p:sld xmlns:a="http://schemas.openxmlformats.org/drawingml/2006/main" xmlns:r="http://schemas.openxmlformats.org/officeDocument/2006/relationships" xmlns:p="http://schemas.openxmlformats.org/presentationml/2006/main">
   <p:cSld>
     <p:spTree>
@@ -47738,6 +48300,141 @@
 </file>
 
 <file path=ppt/slides/slide6.xml><?xml version="1.0" encoding="utf-8"?>
+<p:sld xmlns:a="http://schemas.openxmlformats.org/drawingml/2006/main" xmlns:r="http://schemas.openxmlformats.org/officeDocument/2006/relationships" xmlns:p="http://schemas.openxmlformats.org/presentationml/2006/main">
+  <p:cSld>
+    <p:spTree>
+      <p:nvGrpSpPr>
+        <p:cNvPr id="1" name=""/>
+        <p:cNvGrpSpPr/>
+        <p:nvPr/>
+      </p:nvGrpSpPr>
+      <p:grpSpPr>
+        <a:xfrm>
+          <a:off x="0" y="0"/>
+          <a:ext cx="0" cy="0"/>
+          <a:chOff x="0" y="0"/>
+          <a:chExt cx="0" cy="0"/>
+        </a:xfrm>
+      </p:grpSpPr>
+      <p:sp>
+        <p:nvSpPr>
+          <p:cNvPr id="4" name="Title 4"/>
+          <p:cNvSpPr txBox="1">
+            <a:spLocks/>
+          </p:cNvSpPr>
+          <p:nvPr/>
+        </p:nvSpPr>
+        <p:spPr>
+          <a:xfrm>
+            <a:off x="2188038" y="2088291"/>
+            <a:ext cx="9504878" cy="3018659"/>
+          </a:xfrm>
+          <a:prstGeom prst="rect">
+            <a:avLst/>
+          </a:prstGeom>
+        </p:spPr>
+        <p:txBody>
+          <a:bodyPr/>
+          <a:lstStyle>
+            <a:lvl1pPr marL="0" indent="0" algn="l" defTabSz="914400" rtl="0" eaLnBrk="1" latinLnBrk="0" hangingPunct="1">
+              <a:lnSpc>
+                <a:spcPct val="90000"/>
+              </a:lnSpc>
+              <a:spcBef>
+                <a:spcPct val="0"/>
+              </a:spcBef>
+              <a:buFont typeface="Arial" pitchFamily="34" charset="0"/>
+              <a:buNone/>
+              <a:defRPr sz="3400" kern="1200">
+                <a:solidFill>
+                  <a:schemeClr val="tx1"/>
+                </a:solidFill>
+                <a:latin typeface="+mj-lt"/>
+                <a:ea typeface="+mj-ea"/>
+                <a:cs typeface="+mj-cs"/>
+              </a:defRPr>
+            </a:lvl1pPr>
+          </a:lstStyle>
+          <a:p>
+            <a:pPr algn="ctr">
+              <a:lnSpc>
+                <a:spcPts val="8000"/>
+              </a:lnSpc>
+            </a:pPr>
+            <a:r>
+              <a:rPr lang="en-AU" sz="4000" dirty="0"/>
+              <a:t>F# is a mature, open source, cross-platform, functional-first programming language. </a:t>
+            </a:r>
+          </a:p>
+        </p:txBody>
+      </p:sp>
+      <p:pic>
+        <p:nvPicPr>
+          <p:cNvPr id="3074" name="Picture 2" descr="F# Logo"/>
+          <p:cNvPicPr>
+            <a:picLocks noChangeAspect="1" noChangeArrowheads="1"/>
+          </p:cNvPicPr>
+          <p:nvPr/>
+        </p:nvPicPr>
+        <p:blipFill>
+          <a:blip r:embed="rId2">
+            <a:extLst>
+              <a:ext uri="{28A0092B-C50C-407E-A947-70E740481C1C}">
+                <a14:useLocalDpi xmlns:a14="http://schemas.microsoft.com/office/drawing/2010/main" val="0"/>
+              </a:ext>
+            </a:extLst>
+          </a:blip>
+          <a:srcRect/>
+          <a:stretch>
+            <a:fillRect/>
+          </a:stretch>
+        </p:blipFill>
+        <p:spPr bwMode="auto">
+          <a:xfrm>
+            <a:off x="579901" y="2507805"/>
+            <a:ext cx="1608137" cy="1608137"/>
+          </a:xfrm>
+          <a:prstGeom prst="rect">
+            <a:avLst/>
+          </a:prstGeom>
+          <a:noFill/>
+          <a:extLst>
+            <a:ext uri="{909E8E84-426E-40DD-AFC4-6F175D3DCCD1}">
+              <a14:hiddenFill xmlns:a14="http://schemas.microsoft.com/office/drawing/2010/main">
+                <a:solidFill>
+                  <a:srgbClr val="FFFFFF"/>
+                </a:solidFill>
+              </a14:hiddenFill>
+            </a:ext>
+          </a:extLst>
+        </p:spPr>
+      </p:pic>
+    </p:spTree>
+    <p:extLst>
+      <p:ext uri="{BB962C8B-B14F-4D97-AF65-F5344CB8AC3E}">
+        <p14:creationId xmlns:p14="http://schemas.microsoft.com/office/powerpoint/2010/main" val="2168060993"/>
+      </p:ext>
+    </p:extLst>
+  </p:cSld>
+  <p:clrMapOvr>
+    <a:masterClrMapping/>
+  </p:clrMapOvr>
+  <mc:AlternateContent xmlns:mc="http://schemas.openxmlformats.org/markup-compatibility/2006" xmlns:p14="http://schemas.microsoft.com/office/powerpoint/2010/main">
+    <mc:Choice Requires="p14">
+      <p:transition spd="med" p14:dur="700">
+        <p:fade/>
+      </p:transition>
+    </mc:Choice>
+    <mc:Fallback xmlns="">
+      <p:transition spd="med">
+        <p:fade/>
+      </p:transition>
+    </mc:Fallback>
+  </mc:AlternateContent>
+</p:sld>
+</file>
+
+<file path=ppt/slides/slide7.xml><?xml version="1.0" encoding="utf-8"?>
 <p:sld xmlns:a="http://schemas.openxmlformats.org/drawingml/2006/main" xmlns:r="http://schemas.openxmlformats.org/officeDocument/2006/relationships" xmlns:p="http://schemas.openxmlformats.org/presentationml/2006/main">
   <p:cSld>
     <p:spTree>
@@ -48127,7 +48824,7 @@
 </p:sld>
 </file>
 
-<file path=ppt/slides/slide7.xml><?xml version="1.0" encoding="utf-8"?>
+<file path=ppt/slides/slide8.xml><?xml version="1.0" encoding="utf-8"?>
 <p:sld xmlns:a="http://schemas.openxmlformats.org/drawingml/2006/main" xmlns:r="http://schemas.openxmlformats.org/officeDocument/2006/relationships" xmlns:p="http://schemas.openxmlformats.org/presentationml/2006/main">
   <p:cSld>
     <p:spTree>
@@ -48332,7 +49029,7 @@
 </p:sld>
 </file>
 
-<file path=ppt/slides/slide8.xml><?xml version="1.0" encoding="utf-8"?>
+<file path=ppt/slides/slide9.xml><?xml version="1.0" encoding="utf-8"?>
 <p:sld xmlns:a="http://schemas.openxmlformats.org/drawingml/2006/main" xmlns:r="http://schemas.openxmlformats.org/officeDocument/2006/relationships" xmlns:p="http://schemas.openxmlformats.org/presentationml/2006/main">
   <p:cSld>
     <p:spTree>
@@ -48642,203 +49339,6 @@
     <p:extLst>
       <p:ext uri="{BB962C8B-B14F-4D97-AF65-F5344CB8AC3E}">
         <p14:creationId xmlns:p14="http://schemas.microsoft.com/office/powerpoint/2010/main" val="3831332712"/>
-      </p:ext>
-    </p:extLst>
-  </p:cSld>
-  <p:clrMapOvr>
-    <a:masterClrMapping/>
-  </p:clrMapOvr>
-  <mc:AlternateContent xmlns:mc="http://schemas.openxmlformats.org/markup-compatibility/2006" xmlns:p14="http://schemas.microsoft.com/office/powerpoint/2010/main">
-    <mc:Choice Requires="p14">
-      <p:transition spd="med" p14:dur="700">
-        <p:fade/>
-      </p:transition>
-    </mc:Choice>
-    <mc:Fallback xmlns="">
-      <p:transition spd="med">
-        <p:fade/>
-      </p:transition>
-    </mc:Fallback>
-  </mc:AlternateContent>
-</p:sld>
-</file>
-
-<file path=ppt/slides/slide9.xml><?xml version="1.0" encoding="utf-8"?>
-<p:sld xmlns:a="http://schemas.openxmlformats.org/drawingml/2006/main" xmlns:r="http://schemas.openxmlformats.org/officeDocument/2006/relationships" xmlns:p="http://schemas.openxmlformats.org/presentationml/2006/main" showMasterSp="0">
-  <p:cSld>
-    <p:spTree>
-      <p:nvGrpSpPr>
-        <p:cNvPr id="1" name=""/>
-        <p:cNvGrpSpPr/>
-        <p:nvPr/>
-      </p:nvGrpSpPr>
-      <p:grpSpPr>
-        <a:xfrm>
-          <a:off x="0" y="0"/>
-          <a:ext cx="0" cy="0"/>
-          <a:chOff x="0" y="0"/>
-          <a:chExt cx="0" cy="0"/>
-        </a:xfrm>
-      </p:grpSpPr>
-      <p:sp>
-        <p:nvSpPr>
-          <p:cNvPr id="3" name="Title 12"/>
-          <p:cNvSpPr>
-            <a:spLocks noGrp="1"/>
-          </p:cNvSpPr>
-          <p:nvPr>
-            <p:ph type="title"/>
-          </p:nvPr>
-        </p:nvSpPr>
-        <p:spPr>
-          <a:xfrm>
-            <a:off x="1341120" y="185350"/>
-            <a:ext cx="9509760" cy="909948"/>
-          </a:xfrm>
-        </p:spPr>
-        <p:txBody>
-          <a:bodyPr>
-            <a:normAutofit/>
-          </a:bodyPr>
-          <a:lstStyle/>
-          <a:p>
-            <a:pPr algn="ctr"/>
-            <a:r>
-              <a:rPr lang="en-US" sz="5400" dirty="0">
-                <a:solidFill>
-                  <a:schemeClr val="accent1"/>
-                </a:solidFill>
-              </a:rPr>
-              <a:t>Agenda</a:t>
-            </a:r>
-          </a:p>
-        </p:txBody>
-      </p:sp>
-      <p:sp>
-        <p:nvSpPr>
-          <p:cNvPr id="14" name="Content Placeholder 13"/>
-          <p:cNvSpPr>
-            <a:spLocks noGrp="1"/>
-          </p:cNvSpPr>
-          <p:nvPr>
-            <p:ph idx="1"/>
-          </p:nvPr>
-        </p:nvSpPr>
-        <p:spPr>
-          <a:xfrm>
-            <a:off x="33864" y="1349367"/>
-            <a:ext cx="12124269" cy="5178853"/>
-          </a:xfrm>
-        </p:spPr>
-        <p:txBody>
-          <a:bodyPr>
-            <a:normAutofit/>
-          </a:bodyPr>
-          <a:lstStyle/>
-          <a:p>
-            <a:pPr marL="45720" indent="0" algn="ctr">
-              <a:buNone/>
-            </a:pPr>
-            <a:r>
-              <a:rPr lang="en-AU" sz="3000" b="1" dirty="0">
-                <a:solidFill>
-                  <a:schemeClr val="accent1"/>
-                </a:solidFill>
-              </a:rPr>
-              <a:t>Module 1</a:t>
-            </a:r>
-            <a:endParaRPr lang="en-AU" sz="3000" dirty="0">
-              <a:solidFill>
-                <a:schemeClr val="accent1"/>
-              </a:solidFill>
-            </a:endParaRPr>
-          </a:p>
-          <a:p>
-            <a:pPr marL="45720" indent="0" algn="ctr">
-              <a:buNone/>
-            </a:pPr>
-            <a:r>
-              <a:rPr lang="en-AU" sz="3000" dirty="0"/>
-              <a:t>Bindings | Functions | Tuples | Records</a:t>
-            </a:r>
-          </a:p>
-          <a:p>
-            <a:pPr marL="45720" indent="0" algn="ctr">
-              <a:buNone/>
-            </a:pPr>
-            <a:r>
-              <a:rPr lang="en-AU" sz="3000" b="1" dirty="0">
-                <a:solidFill>
-                  <a:schemeClr val="accent1"/>
-                </a:solidFill>
-              </a:rPr>
-              <a:t>Module 2</a:t>
-            </a:r>
-          </a:p>
-          <a:p>
-            <a:pPr marL="45720" indent="0" algn="ctr">
-              <a:buNone/>
-            </a:pPr>
-            <a:r>
-              <a:rPr lang="en-AU" sz="3000" dirty="0"/>
-              <a:t>High order functions | Pipelining | Partial application | Composition</a:t>
-            </a:r>
-          </a:p>
-          <a:p>
-            <a:pPr marL="45720" indent="0" algn="ctr">
-              <a:buNone/>
-            </a:pPr>
-            <a:r>
-              <a:rPr lang="en-AU" sz="3000" b="1" dirty="0">
-                <a:solidFill>
-                  <a:schemeClr val="accent1"/>
-                </a:solidFill>
-              </a:rPr>
-              <a:t>Module 3</a:t>
-            </a:r>
-          </a:p>
-          <a:p>
-            <a:pPr marL="45720" indent="0" algn="ctr">
-              <a:buNone/>
-            </a:pPr>
-            <a:r>
-              <a:rPr lang="en-AU" sz="3000" dirty="0"/>
-              <a:t>Options | Pattern matching | Discriminated unions | Units of measure</a:t>
-            </a:r>
-          </a:p>
-          <a:p>
-            <a:pPr marL="45720" indent="0" algn="ctr">
-              <a:buNone/>
-            </a:pPr>
-            <a:r>
-              <a:rPr lang="en-AU" sz="3000" b="1" dirty="0">
-                <a:solidFill>
-                  <a:schemeClr val="accent1"/>
-                </a:solidFill>
-              </a:rPr>
-              <a:t>Module 4 </a:t>
-            </a:r>
-            <a:endParaRPr lang="en-AU" sz="3000" dirty="0">
-              <a:solidFill>
-                <a:schemeClr val="accent1"/>
-              </a:solidFill>
-            </a:endParaRPr>
-          </a:p>
-          <a:p>
-            <a:pPr marL="45720" indent="0" algn="ctr">
-              <a:buNone/>
-            </a:pPr>
-            <a:r>
-              <a:rPr lang="en-AU" sz="3000" dirty="0"/>
-              <a:t>Functional lists | Object-oriented programming | Type providers</a:t>
-            </a:r>
-          </a:p>
-        </p:txBody>
-      </p:sp>
-    </p:spTree>
-    <p:extLst>
-      <p:ext uri="{BB962C8B-B14F-4D97-AF65-F5344CB8AC3E}">
-        <p14:creationId xmlns:p14="http://schemas.microsoft.com/office/powerpoint/2010/main" val="1530262540"/>
       </p:ext>
     </p:extLst>
   </p:cSld>

--- a/FSharpWorkshop_Slides.pptx
+++ b/FSharpWorkshop_Slides.pptx
@@ -1076,17 +1076,17 @@
     </dgm:pt>
   </dgm:ptLst>
   <dgm:cxnLst>
+    <dgm:cxn modelId="{7283A12F-89CA-422D-8456-AAAC090AE7D5}" type="presOf" srcId="{8AED33B6-67C8-410C-BB34-1C1F37AD78CD}" destId="{E37894A0-CA82-4B21-891C-DD34C3EC6A39}" srcOrd="0" destOrd="0" presId="urn:microsoft.com/office/officeart/2005/8/layout/gear1"/>
     <dgm:cxn modelId="{A4D44031-8605-4635-A989-45C3B90474DE}" type="presOf" srcId="{9FE8FA85-5A27-42A9-90CB-EFE270BBC4D8}" destId="{DF31AEBD-271A-4B6B-89F0-55F0D6606C0B}" srcOrd="1" destOrd="0" presId="urn:microsoft.com/office/officeart/2005/8/layout/gear1"/>
     <dgm:cxn modelId="{F811F63D-EDB6-4DDA-9E57-F613988FA1DB}" type="presOf" srcId="{CE17E94F-E9B3-4D01-94CF-BF84BB0D10D6}" destId="{435CF0AE-72B1-496C-B685-5BF4899CD401}" srcOrd="0" destOrd="0" presId="urn:microsoft.com/office/officeart/2005/8/layout/gear1"/>
-    <dgm:cxn modelId="{19495FCC-F612-4E8A-B643-95BB017C0C11}" type="presOf" srcId="{06ED21E7-79B8-4963-B94D-883701CCEBF3}" destId="{322547BF-FA17-4E5C-975E-1E2365FEC96B}" srcOrd="2" destOrd="0" presId="urn:microsoft.com/office/officeart/2005/8/layout/gear1"/>
-    <dgm:cxn modelId="{B914F3E8-36D7-4B3F-B66F-CD1767CCB11A}" type="presOf" srcId="{06ED21E7-79B8-4963-B94D-883701CCEBF3}" destId="{EB2F1A30-DFF1-4E79-AEDD-DD191798CE03}" srcOrd="1" destOrd="0" presId="urn:microsoft.com/office/officeart/2005/8/layout/gear1"/>
-    <dgm:cxn modelId="{7283A12F-89CA-422D-8456-AAAC090AE7D5}" type="presOf" srcId="{8AED33B6-67C8-410C-BB34-1C1F37AD78CD}" destId="{E37894A0-CA82-4B21-891C-DD34C3EC6A39}" srcOrd="0" destOrd="0" presId="urn:microsoft.com/office/officeart/2005/8/layout/gear1"/>
-    <dgm:cxn modelId="{9D070EFD-5E03-4A31-8DC3-D1DE2E396505}" type="presOf" srcId="{9FE8FA85-5A27-42A9-90CB-EFE270BBC4D8}" destId="{EE7CE306-6469-41A4-84AD-FC336EBAA72A}" srcOrd="2" destOrd="0" presId="urn:microsoft.com/office/officeart/2005/8/layout/gear1"/>
-    <dgm:cxn modelId="{13EF36C2-E304-43D2-AFD1-D01725099C79}" type="presOf" srcId="{1B8E77EF-3DD3-4E38-B208-5B07FF4B5E40}" destId="{34573F20-AECD-4E48-90F8-D213EA67693E}" srcOrd="0" destOrd="0" presId="urn:microsoft.com/office/officeart/2005/8/layout/gear1"/>
-    <dgm:cxn modelId="{9B8354E5-8DF9-40B4-A66D-6D2EED5D806B}" type="presOf" srcId="{9FE8FA85-5A27-42A9-90CB-EFE270BBC4D8}" destId="{A51FD8ED-619E-490B-A7DB-8E2B070B165E}" srcOrd="0" destOrd="0" presId="urn:microsoft.com/office/officeart/2005/8/layout/gear1"/>
+    <dgm:cxn modelId="{3F407C3F-5013-42A3-B1D5-BF9F1EA60C3D}" type="presOf" srcId="{06ED21E7-79B8-4963-B94D-883701CCEBF3}" destId="{005B9784-283A-42A4-8873-35CDA8D50128}" srcOrd="0" destOrd="0" presId="urn:microsoft.com/office/officeart/2005/8/layout/gear1"/>
     <dgm:cxn modelId="{1C02A1B8-D870-4950-B2B0-B2102126D06B}" srcId="{CE17E94F-E9B3-4D01-94CF-BF84BB0D10D6}" destId="{06ED21E7-79B8-4963-B94D-883701CCEBF3}" srcOrd="0" destOrd="0" parTransId="{380D9EA7-FEF4-489C-9D34-23476C090D00}" sibTransId="{8AED33B6-67C8-410C-BB34-1C1F37AD78CD}"/>
     <dgm:cxn modelId="{2245E8C0-0DE4-4CB2-8629-5E7F6E6C997D}" srcId="{CE17E94F-E9B3-4D01-94CF-BF84BB0D10D6}" destId="{9FE8FA85-5A27-42A9-90CB-EFE270BBC4D8}" srcOrd="1" destOrd="0" parTransId="{5F31B0A1-7A1E-4774-97C8-474CB2EC5D57}" sibTransId="{1B8E77EF-3DD3-4E38-B208-5B07FF4B5E40}"/>
-    <dgm:cxn modelId="{3F407C3F-5013-42A3-B1D5-BF9F1EA60C3D}" type="presOf" srcId="{06ED21E7-79B8-4963-B94D-883701CCEBF3}" destId="{005B9784-283A-42A4-8873-35CDA8D50128}" srcOrd="0" destOrd="0" presId="urn:microsoft.com/office/officeart/2005/8/layout/gear1"/>
+    <dgm:cxn modelId="{13EF36C2-E304-43D2-AFD1-D01725099C79}" type="presOf" srcId="{1B8E77EF-3DD3-4E38-B208-5B07FF4B5E40}" destId="{34573F20-AECD-4E48-90F8-D213EA67693E}" srcOrd="0" destOrd="0" presId="urn:microsoft.com/office/officeart/2005/8/layout/gear1"/>
+    <dgm:cxn modelId="{19495FCC-F612-4E8A-B643-95BB017C0C11}" type="presOf" srcId="{06ED21E7-79B8-4963-B94D-883701CCEBF3}" destId="{322547BF-FA17-4E5C-975E-1E2365FEC96B}" srcOrd="2" destOrd="0" presId="urn:microsoft.com/office/officeart/2005/8/layout/gear1"/>
+    <dgm:cxn modelId="{9B8354E5-8DF9-40B4-A66D-6D2EED5D806B}" type="presOf" srcId="{9FE8FA85-5A27-42A9-90CB-EFE270BBC4D8}" destId="{A51FD8ED-619E-490B-A7DB-8E2B070B165E}" srcOrd="0" destOrd="0" presId="urn:microsoft.com/office/officeart/2005/8/layout/gear1"/>
+    <dgm:cxn modelId="{B914F3E8-36D7-4B3F-B66F-CD1767CCB11A}" type="presOf" srcId="{06ED21E7-79B8-4963-B94D-883701CCEBF3}" destId="{EB2F1A30-DFF1-4E79-AEDD-DD191798CE03}" srcOrd="1" destOrd="0" presId="urn:microsoft.com/office/officeart/2005/8/layout/gear1"/>
+    <dgm:cxn modelId="{9D070EFD-5E03-4A31-8DC3-D1DE2E396505}" type="presOf" srcId="{9FE8FA85-5A27-42A9-90CB-EFE270BBC4D8}" destId="{EE7CE306-6469-41A4-84AD-FC336EBAA72A}" srcOrd="2" destOrd="0" presId="urn:microsoft.com/office/officeart/2005/8/layout/gear1"/>
     <dgm:cxn modelId="{5EAFE96C-E42C-490A-9F71-CC51697C7E00}" type="presParOf" srcId="{435CF0AE-72B1-496C-B685-5BF4899CD401}" destId="{005B9784-283A-42A4-8873-35CDA8D50128}" srcOrd="0" destOrd="0" presId="urn:microsoft.com/office/officeart/2005/8/layout/gear1"/>
     <dgm:cxn modelId="{C4114256-40B8-4F3B-AF9B-16DC94B5B7A4}" type="presParOf" srcId="{435CF0AE-72B1-496C-B685-5BF4899CD401}" destId="{EB2F1A30-DFF1-4E79-AEDD-DD191798CE03}" srcOrd="1" destOrd="0" presId="urn:microsoft.com/office/officeart/2005/8/layout/gear1"/>
     <dgm:cxn modelId="{29F9D8AB-87EE-43D6-9445-88E97B6A1236}" type="presParOf" srcId="{435CF0AE-72B1-496C-B685-5BF4899CD401}" destId="{322547BF-FA17-4E5C-975E-1E2365FEC96B}" srcOrd="2" destOrd="0" presId="urn:microsoft.com/office/officeart/2005/8/layout/gear1"/>
@@ -2957,7 +2957,7 @@
           <a:p>
             <a:fld id="{20EA5F0D-C1DC-412F-A146-DDB3A74B588F}" type="datetimeFigureOut">
               <a:rPr lang="en-US"/>
-              <a:t>12/5/2016</a:t>
+              <a:t>8/8/2017</a:t>
             </a:fld>
             <a:endParaRPr/>
           </a:p>
@@ -3122,7 +3122,7 @@
           <a:p>
             <a:fld id="{A8CDE508-72C8-4AB5-AA9C-1584D31690E0}" type="datetimeFigureOut">
               <a:rPr lang="en-US"/>
-              <a:t>12/5/2016</a:t>
+              <a:t>8/8/2017</a:t>
             </a:fld>
             <a:endParaRPr/>
           </a:p>
@@ -3847,7 +3847,7 @@
           <a:p>
             <a:fld id="{4BDF68E2-58F2-4D09-BE8B-E3BD06533059}" type="datetimeFigureOut">
               <a:rPr lang="en-US" smtClean="0"/>
-              <a:t>12/5/2016</a:t>
+              <a:t>8/8/2017</a:t>
             </a:fld>
             <a:endParaRPr lang="en-US" dirty="0"/>
           </a:p>
@@ -4067,7 +4067,7 @@
           <a:p>
             <a:fld id="{9E583DDF-CA54-461A-A486-592D2374C532}" type="datetimeFigureOut">
               <a:rPr lang="en-US" smtClean="0"/>
-              <a:t>12/5/2016</a:t>
+              <a:t>8/8/2017</a:t>
             </a:fld>
             <a:endParaRPr lang="en-US"/>
           </a:p>
@@ -4335,7 +4335,7 @@
           <a:p>
             <a:fld id="{9E583DDF-CA54-461A-A486-592D2374C532}" type="datetimeFigureOut">
               <a:rPr lang="en-US" smtClean="0"/>
-              <a:t>12/5/2016</a:t>
+              <a:t>8/8/2017</a:t>
             </a:fld>
             <a:endParaRPr lang="en-US"/>
           </a:p>
@@ -4517,7 +4517,7 @@
           <a:p>
             <a:fld id="{9E583DDF-CA54-461A-A486-592D2374C532}" type="datetimeFigureOut">
               <a:rPr lang="en-US" smtClean="0"/>
-              <a:t>12/5/2016</a:t>
+              <a:t>8/8/2017</a:t>
             </a:fld>
             <a:endParaRPr lang="en-US"/>
           </a:p>
@@ -4872,7 +4872,7 @@
           <a:p>
             <a:fld id="{9E583DDF-CA54-461A-A486-592D2374C532}" type="datetimeFigureOut">
               <a:rPr lang="en-US" smtClean="0"/>
-              <a:t>12/5/2016</a:t>
+              <a:t>8/8/2017</a:t>
             </a:fld>
             <a:endParaRPr lang="en-US"/>
           </a:p>
@@ -5159,7 +5159,7 @@
           <a:p>
             <a:fld id="{0A879FD0-C37A-4F50-8F3B-5FA0D9D0B42F}" type="datetimeFigureOut">
               <a:rPr lang="en-US" smtClean="0"/>
-              <a:t>12/5/2016</a:t>
+              <a:t>8/8/2017</a:t>
             </a:fld>
             <a:endParaRPr lang="en-US"/>
           </a:p>
@@ -5550,7 +5550,7 @@
           <a:p>
             <a:fld id="{9E583DDF-CA54-461A-A486-592D2374C532}" type="datetimeFigureOut">
               <a:rPr lang="en-US" smtClean="0"/>
-              <a:t>12/5/2016</a:t>
+              <a:t>8/8/2017</a:t>
             </a:fld>
             <a:endParaRPr lang="en-US"/>
           </a:p>
@@ -5680,7 +5680,7 @@
           <a:p>
             <a:fld id="{9E583DDF-CA54-461A-A486-592D2374C532}" type="datetimeFigureOut">
               <a:rPr lang="en-US" smtClean="0"/>
-              <a:t>12/5/2016</a:t>
+              <a:t>8/8/2017</a:t>
             </a:fld>
             <a:endParaRPr lang="en-US"/>
           </a:p>
@@ -5863,7 +5863,7 @@
           <a:p>
             <a:fld id="{9E583DDF-CA54-461A-A486-592D2374C532}" type="datetimeFigureOut">
               <a:rPr lang="en-US" smtClean="0"/>
-              <a:t>12/5/2016</a:t>
+              <a:t>8/8/2017</a:t>
             </a:fld>
             <a:endParaRPr lang="en-US"/>
           </a:p>
@@ -6229,7 +6229,7 @@
           <a:p>
             <a:fld id="{9E583DDF-CA54-461A-A486-592D2374C532}" type="datetimeFigureOut">
               <a:rPr lang="en-US" smtClean="0"/>
-              <a:t>12/5/2016</a:t>
+              <a:t>8/8/2017</a:t>
             </a:fld>
             <a:endParaRPr lang="en-US"/>
           </a:p>
@@ -6618,7 +6618,7 @@
           <a:p>
             <a:fld id="{9E583DDF-CA54-461A-A486-592D2374C532}" type="datetimeFigureOut">
               <a:rPr lang="en-US" smtClean="0"/>
-              <a:t>12/5/2016</a:t>
+              <a:t>8/8/2017</a:t>
             </a:fld>
             <a:endParaRPr lang="en-US"/>
           </a:p>
@@ -6918,7 +6918,7 @@
             <a:fld id="{9E583DDF-CA54-461A-A486-592D2374C532}" type="datetimeFigureOut">
               <a:rPr lang="en-US" smtClean="0"/>
               <a:pPr/>
-              <a:t>12/5/2016</a:t>
+              <a:t>8/8/2017</a:t>
             </a:fld>
             <a:endParaRPr lang="en-US"/>
           </a:p>
@@ -7755,13 +7755,18 @@
           </a:lstStyle>
           <a:p>
             <a:r>
-              <a:rPr lang="en-US" dirty="0">
+              <a:rPr lang="en-US">
                 <a:solidFill>
                   <a:schemeClr val="accent1"/>
                 </a:solidFill>
               </a:rPr>
-              <a:t>V3.1</a:t>
-            </a:r>
+              <a:t>V3.2</a:t>
+            </a:r>
+            <a:endParaRPr lang="en-US" dirty="0">
+              <a:solidFill>
+                <a:schemeClr val="accent1"/>
+              </a:solidFill>
+            </a:endParaRPr>
           </a:p>
         </p:txBody>
       </p:sp>
@@ -49656,21 +49661,12 @@
 </file>
 
 <file path=customXml/item1.xml><?xml version="1.0" encoding="utf-8"?>
-<?mso-contentType ?>
-<FormTemplates xmlns="http://schemas.microsoft.com/sharepoint/v3/contenttype/forms">
-  <Display>DocumentLibraryForm</Display>
-  <Edit>DocumentLibraryForm</Edit>
-  <New>DocumentLibraryForm</New>
-</FormTemplates>
-</file>
-
-<file path=customXml/item2.xml><?xml version="1.0" encoding="utf-8"?>
 <p:properties xmlns:p="http://schemas.microsoft.com/office/2006/metadata/properties" xmlns:xsi="http://www.w3.org/2001/XMLSchema-instance" xmlns:pc="http://schemas.microsoft.com/office/infopath/2007/PartnerControls">
   <documentManagement/>
 </p:properties>
 </file>
 
-<file path=customXml/item3.xml><?xml version="1.0" encoding="utf-8"?>
+<file path=customXml/item2.xml><?xml version="1.0" encoding="utf-8"?>
 <ct:contentTypeSchema xmlns:ct="http://schemas.microsoft.com/office/2006/metadata/contentType" xmlns:ma="http://schemas.microsoft.com/office/2006/metadata/properties/metaAttributes" ct:_="" ma:_="" ma:contentTypeName="Document" ma:contentTypeID="0x0101007C1D5F340F01F94FA2FD29A5E6DC872E" ma:contentTypeVersion="0" ma:contentTypeDescription="Create a new document." ma:contentTypeScope="" ma:versionID="f583bd66513a361a730282b6a794e352">
   <xsd:schema xmlns:xsd="http://www.w3.org/2001/XMLSchema" xmlns:xs="http://www.w3.org/2001/XMLSchema" xmlns:p="http://schemas.microsoft.com/office/2006/metadata/properties" targetNamespace="http://schemas.microsoft.com/office/2006/metadata/properties" ma:root="true" ma:fieldsID="6841151cf538834e171094e4faaf2d73">
     <xsd:element name="properties">
@@ -49784,15 +49780,16 @@
 </ct:contentTypeSchema>
 </file>
 
-<file path=customXml/itemProps1.xml><?xml version="1.0" encoding="utf-8"?>
-<ds:datastoreItem xmlns:ds="http://schemas.openxmlformats.org/officeDocument/2006/customXml" ds:itemID="{13DE0ED7-AE8B-4CE1-892D-805FE0D473B5}">
-  <ds:schemaRefs>
-    <ds:schemaRef ds:uri="http://schemas.microsoft.com/sharepoint/v3/contenttype/forms"/>
-  </ds:schemaRefs>
-</ds:datastoreItem>
+<file path=customXml/item3.xml><?xml version="1.0" encoding="utf-8"?>
+<?mso-contentType ?>
+<FormTemplates xmlns="http://schemas.microsoft.com/sharepoint/v3/contenttype/forms">
+  <Display>DocumentLibraryForm</Display>
+  <Edit>DocumentLibraryForm</Edit>
+  <New>DocumentLibraryForm</New>
+</FormTemplates>
 </file>
 
-<file path=customXml/itemProps2.xml><?xml version="1.0" encoding="utf-8"?>
+<file path=customXml/itemProps1.xml><?xml version="1.0" encoding="utf-8"?>
 <ds:datastoreItem xmlns:ds="http://schemas.openxmlformats.org/officeDocument/2006/customXml" ds:itemID="{9A69BF48-D9C3-4DE0-818A-0C2EC431B649}">
   <ds:schemaRefs>
     <ds:schemaRef ds:uri="http://purl.org/dc/terms/"/>
@@ -49807,7 +49804,7 @@
 </ds:datastoreItem>
 </file>
 
-<file path=customXml/itemProps3.xml><?xml version="1.0" encoding="utf-8"?>
+<file path=customXml/itemProps2.xml><?xml version="1.0" encoding="utf-8"?>
 <ds:datastoreItem xmlns:ds="http://schemas.openxmlformats.org/officeDocument/2006/customXml" ds:itemID="{566C857B-E52C-4200-9223-45EEE86CA270}">
   <ds:schemaRefs>
     <ds:schemaRef ds:uri="http://schemas.microsoft.com/office/2006/metadata/contentType"/>
@@ -49821,4 +49818,12 @@
     <ds:schemaRef ds:uri="http://schemas.microsoft.com/office/infopath/2007/PartnerControls"/>
   </ds:schemaRefs>
 </ds:datastoreItem>
+</file>
+
+<file path=customXml/itemProps3.xml><?xml version="1.0" encoding="utf-8"?>
+<ds:datastoreItem xmlns:ds="http://schemas.openxmlformats.org/officeDocument/2006/customXml" ds:itemID="{13DE0ED7-AE8B-4CE1-892D-805FE0D473B5}">
+  <ds:schemaRefs>
+    <ds:schemaRef ds:uri="http://schemas.microsoft.com/sharepoint/v3/contenttype/forms"/>
+  </ds:schemaRefs>
+</ds:datastoreItem>
 </file>
--- a/FSharpWorkshop_Slides.pptx
+++ b/FSharpWorkshop_Slides.pptx
@@ -2957,7 +2957,7 @@
           <a:p>
             <a:fld id="{20EA5F0D-C1DC-412F-A146-DDB3A74B588F}" type="datetimeFigureOut">
               <a:rPr lang="en-US"/>
-              <a:t>8/8/2017</a:t>
+              <a:t>8/10/2017</a:t>
             </a:fld>
             <a:endParaRPr/>
           </a:p>
@@ -3122,7 +3122,7 @@
           <a:p>
             <a:fld id="{A8CDE508-72C8-4AB5-AA9C-1584D31690E0}" type="datetimeFigureOut">
               <a:rPr lang="en-US"/>
-              <a:t>8/8/2017</a:t>
+              <a:t>8/10/2017</a:t>
             </a:fld>
             <a:endParaRPr/>
           </a:p>
@@ -3847,7 +3847,7 @@
           <a:p>
             <a:fld id="{4BDF68E2-58F2-4D09-BE8B-E3BD06533059}" type="datetimeFigureOut">
               <a:rPr lang="en-US" smtClean="0"/>
-              <a:t>8/8/2017</a:t>
+              <a:t>8/10/2017</a:t>
             </a:fld>
             <a:endParaRPr lang="en-US" dirty="0"/>
           </a:p>
@@ -4067,7 +4067,7 @@
           <a:p>
             <a:fld id="{9E583DDF-CA54-461A-A486-592D2374C532}" type="datetimeFigureOut">
               <a:rPr lang="en-US" smtClean="0"/>
-              <a:t>8/8/2017</a:t>
+              <a:t>8/10/2017</a:t>
             </a:fld>
             <a:endParaRPr lang="en-US"/>
           </a:p>
@@ -4335,7 +4335,7 @@
           <a:p>
             <a:fld id="{9E583DDF-CA54-461A-A486-592D2374C532}" type="datetimeFigureOut">
               <a:rPr lang="en-US" smtClean="0"/>
-              <a:t>8/8/2017</a:t>
+              <a:t>8/10/2017</a:t>
             </a:fld>
             <a:endParaRPr lang="en-US"/>
           </a:p>
@@ -4517,7 +4517,7 @@
           <a:p>
             <a:fld id="{9E583DDF-CA54-461A-A486-592D2374C532}" type="datetimeFigureOut">
               <a:rPr lang="en-US" smtClean="0"/>
-              <a:t>8/8/2017</a:t>
+              <a:t>8/10/2017</a:t>
             </a:fld>
             <a:endParaRPr lang="en-US"/>
           </a:p>
@@ -4872,7 +4872,7 @@
           <a:p>
             <a:fld id="{9E583DDF-CA54-461A-A486-592D2374C532}" type="datetimeFigureOut">
               <a:rPr lang="en-US" smtClean="0"/>
-              <a:t>8/8/2017</a:t>
+              <a:t>8/10/2017</a:t>
             </a:fld>
             <a:endParaRPr lang="en-US"/>
           </a:p>
@@ -5159,7 +5159,7 @@
           <a:p>
             <a:fld id="{0A879FD0-C37A-4F50-8F3B-5FA0D9D0B42F}" type="datetimeFigureOut">
               <a:rPr lang="en-US" smtClean="0"/>
-              <a:t>8/8/2017</a:t>
+              <a:t>8/10/2017</a:t>
             </a:fld>
             <a:endParaRPr lang="en-US"/>
           </a:p>
@@ -5550,7 +5550,7 @@
           <a:p>
             <a:fld id="{9E583DDF-CA54-461A-A486-592D2374C532}" type="datetimeFigureOut">
               <a:rPr lang="en-US" smtClean="0"/>
-              <a:t>8/8/2017</a:t>
+              <a:t>8/10/2017</a:t>
             </a:fld>
             <a:endParaRPr lang="en-US"/>
           </a:p>
@@ -5680,7 +5680,7 @@
           <a:p>
             <a:fld id="{9E583DDF-CA54-461A-A486-592D2374C532}" type="datetimeFigureOut">
               <a:rPr lang="en-US" smtClean="0"/>
-              <a:t>8/8/2017</a:t>
+              <a:t>8/10/2017</a:t>
             </a:fld>
             <a:endParaRPr lang="en-US"/>
           </a:p>
@@ -5863,7 +5863,7 @@
           <a:p>
             <a:fld id="{9E583DDF-CA54-461A-A486-592D2374C532}" type="datetimeFigureOut">
               <a:rPr lang="en-US" smtClean="0"/>
-              <a:t>8/8/2017</a:t>
+              <a:t>8/10/2017</a:t>
             </a:fld>
             <a:endParaRPr lang="en-US"/>
           </a:p>
@@ -6229,7 +6229,7 @@
           <a:p>
             <a:fld id="{9E583DDF-CA54-461A-A486-592D2374C532}" type="datetimeFigureOut">
               <a:rPr lang="en-US" smtClean="0"/>
-              <a:t>8/8/2017</a:t>
+              <a:t>8/10/2017</a:t>
             </a:fld>
             <a:endParaRPr lang="en-US"/>
           </a:p>
@@ -6618,7 +6618,7 @@
           <a:p>
             <a:fld id="{9E583DDF-CA54-461A-A486-592D2374C532}" type="datetimeFigureOut">
               <a:rPr lang="en-US" smtClean="0"/>
-              <a:t>8/8/2017</a:t>
+              <a:t>8/10/2017</a:t>
             </a:fld>
             <a:endParaRPr lang="en-US"/>
           </a:p>
@@ -6918,7 +6918,7 @@
             <a:fld id="{9E583DDF-CA54-461A-A486-592D2374C532}" type="datetimeFigureOut">
               <a:rPr lang="en-US" smtClean="0"/>
               <a:pPr/>
-              <a:t>8/8/2017</a:t>
+              <a:t>8/10/2017</a:t>
             </a:fld>
             <a:endParaRPr lang="en-US"/>
           </a:p>
@@ -7755,18 +7755,13 @@
           </a:lstStyle>
           <a:p>
             <a:r>
-              <a:rPr lang="en-US">
+              <a:rPr lang="en-US" dirty="0">
                 <a:solidFill>
                   <a:schemeClr val="accent1"/>
                 </a:solidFill>
               </a:rPr>
               <a:t>V3.2</a:t>
             </a:r>
-            <a:endParaRPr lang="en-US" dirty="0">
-              <a:solidFill>
-                <a:schemeClr val="accent1"/>
-              </a:solidFill>
-            </a:endParaRPr>
           </a:p>
         </p:txBody>
       </p:sp>
@@ -16219,7 +16214,7 @@
         <p:spPr>
           <a:xfrm>
             <a:off x="3691252" y="2488303"/>
-            <a:ext cx="4392488" cy="1323439"/>
+            <a:ext cx="4392488" cy="1015663"/>
           </a:xfrm>
           <a:prstGeom prst="rect">
             <a:avLst/>
@@ -16317,16 +16312,6 @@
                 </a:solidFill>
               </a:rPr>
               <a:t> remainder = dividend % divisor</a:t>
-            </a:r>
-          </a:p>
-          <a:p>
-            <a:r>
-              <a:rPr lang="en-AU" sz="2000" dirty="0">
-                <a:solidFill>
-                  <a:schemeClr val="tx1"/>
-                </a:solidFill>
-              </a:rPr>
-              <a:t>    (quotient, remainder)</a:t>
             </a:r>
           </a:p>
         </p:txBody>
@@ -16386,6 +16371,127 @@
                 </a:solidFill>
               </a:rPr>
               <a:t> quotient, remainder = divide 10 3</a:t>
+            </a:r>
+          </a:p>
+        </p:txBody>
+      </p:sp>
+      <p:sp>
+        <p:nvSpPr>
+          <p:cNvPr id="7" name="TextBox 6"/>
+          <p:cNvSpPr txBox="1"/>
+          <p:nvPr/>
+        </p:nvSpPr>
+        <p:spPr>
+          <a:xfrm>
+            <a:off x="3691252" y="2488303"/>
+            <a:ext cx="4392488" cy="1323439"/>
+          </a:xfrm>
+          <a:prstGeom prst="rect">
+            <a:avLst/>
+          </a:prstGeom>
+          <a:ln w="25400">
+            <a:solidFill>
+              <a:schemeClr val="accent1"/>
+            </a:solidFill>
+          </a:ln>
+        </p:spPr>
+        <p:style>
+          <a:lnRef idx="2">
+            <a:schemeClr val="accent1"/>
+          </a:lnRef>
+          <a:fillRef idx="1">
+            <a:schemeClr val="lt1"/>
+          </a:fillRef>
+          <a:effectRef idx="0">
+            <a:schemeClr val="accent1"/>
+          </a:effectRef>
+          <a:fontRef idx="minor">
+            <a:schemeClr val="dk1"/>
+          </a:fontRef>
+        </p:style>
+        <p:txBody>
+          <a:bodyPr wrap="square" rtlCol="0">
+            <a:spAutoFit/>
+          </a:bodyPr>
+          <a:lstStyle/>
+          <a:p>
+            <a:r>
+              <a:rPr lang="en-AU" sz="2000" dirty="0">
+                <a:solidFill>
+                  <a:srgbClr val="0000CC"/>
+                </a:solidFill>
+              </a:rPr>
+              <a:t>let</a:t>
+            </a:r>
+            <a:r>
+              <a:rPr lang="en-AU" sz="2000" dirty="0">
+                <a:solidFill>
+                  <a:schemeClr val="tx1"/>
+                </a:solidFill>
+              </a:rPr>
+              <a:t> divide dividend divisor =</a:t>
+            </a:r>
+          </a:p>
+          <a:p>
+            <a:r>
+              <a:rPr lang="en-AU" sz="2000" dirty="0">
+                <a:solidFill>
+                  <a:schemeClr val="tx1"/>
+                </a:solidFill>
+              </a:rPr>
+              <a:t>    </a:t>
+            </a:r>
+            <a:r>
+              <a:rPr lang="en-AU" sz="2000" dirty="0">
+                <a:solidFill>
+                  <a:srgbClr val="0000CC"/>
+                </a:solidFill>
+              </a:rPr>
+              <a:t>let</a:t>
+            </a:r>
+            <a:r>
+              <a:rPr lang="en-AU" sz="2000" dirty="0">
+                <a:solidFill>
+                  <a:schemeClr val="tx1"/>
+                </a:solidFill>
+              </a:rPr>
+              <a:t> quotient = dividend / divisor</a:t>
+            </a:r>
+          </a:p>
+          <a:p>
+            <a:r>
+              <a:rPr lang="en-AU" sz="2000" dirty="0">
+                <a:solidFill>
+                  <a:schemeClr val="tx1"/>
+                </a:solidFill>
+              </a:rPr>
+              <a:t>    </a:t>
+            </a:r>
+            <a:r>
+              <a:rPr lang="en-AU" sz="2000" dirty="0">
+                <a:solidFill>
+                  <a:srgbClr val="0000CC"/>
+                </a:solidFill>
+              </a:rPr>
+              <a:t>let</a:t>
+            </a:r>
+            <a:r>
+              <a:rPr lang="en-AU" sz="2000" dirty="0">
+                <a:solidFill>
+                  <a:schemeClr val="tx1"/>
+                </a:solidFill>
+              </a:rPr>
+              <a:t> remainder = dividend % divisor</a:t>
+            </a:r>
+          </a:p>
+          <a:p>
+            <a:r>
+              <a:rPr lang="en-AU" sz="2000" dirty="0">
+                <a:solidFill>
+                  <a:schemeClr val="tx1"/>
+                </a:solidFill>
+              </a:rPr>
+              <a:t>    (quotient, remainder)</a:t>
             </a:r>
           </a:p>
         </p:txBody>
@@ -16499,6 +16605,59 @@
                                           </p:stCondLst>
                                         </p:cTn>
                                         <p:tgtEl>
+                                          <p:spTgt spid="7"/>
+                                        </p:tgtEl>
+                                        <p:attrNameLst>
+                                          <p:attrName>style.visibility</p:attrName>
+                                        </p:attrNameLst>
+                                      </p:cBhvr>
+                                      <p:to>
+                                        <p:strVal val="visible"/>
+                                      </p:to>
+                                    </p:set>
+                                    <p:animEffect transition="in" filter="fade">
+                                      <p:cBhvr>
+                                        <p:cTn id="12" dur="500"/>
+                                        <p:tgtEl>
+                                          <p:spTgt spid="7"/>
+                                        </p:tgtEl>
+                                      </p:cBhvr>
+                                    </p:animEffect>
+                                  </p:childTnLst>
+                                </p:cTn>
+                              </p:par>
+                            </p:childTnLst>
+                          </p:cTn>
+                        </p:par>
+                      </p:childTnLst>
+                    </p:cTn>
+                  </p:par>
+                  <p:par>
+                    <p:cTn id="13" fill="hold">
+                      <p:stCondLst>
+                        <p:cond delay="indefinite"/>
+                      </p:stCondLst>
+                      <p:childTnLst>
+                        <p:par>
+                          <p:cTn id="14" fill="hold">
+                            <p:stCondLst>
+                              <p:cond delay="0"/>
+                            </p:stCondLst>
+                            <p:childTnLst>
+                              <p:par>
+                                <p:cTn id="15" presetID="10" presetClass="entr" presetSubtype="0" fill="hold" grpId="0" nodeType="clickEffect">
+                                  <p:stCondLst>
+                                    <p:cond delay="0"/>
+                                  </p:stCondLst>
+                                  <p:childTnLst>
+                                    <p:set>
+                                      <p:cBhvr>
+                                        <p:cTn id="16" dur="1" fill="hold">
+                                          <p:stCondLst>
+                                            <p:cond delay="0"/>
+                                          </p:stCondLst>
+                                        </p:cTn>
+                                        <p:tgtEl>
                                           <p:spTgt spid="6"/>
                                         </p:tgtEl>
                                         <p:attrNameLst>
@@ -16511,7 +16670,7 @@
                                     </p:set>
                                     <p:animEffect transition="in" filter="fade">
                                       <p:cBhvr>
-                                        <p:cTn id="12" dur="500"/>
+                                        <p:cTn id="17" dur="500"/>
                                         <p:tgtEl>
                                           <p:spTgt spid="6"/>
                                         </p:tgtEl>
@@ -16550,6 +16709,7 @@
     <p:bldLst>
       <p:bldP spid="5" grpId="0" animBg="1"/>
       <p:bldP spid="6" grpId="0" animBg="1"/>
+      <p:bldP spid="7" grpId="0" animBg="1"/>
     </p:bldLst>
   </p:timing>
 </p:sld>
@@ -16743,7 +16903,7 @@
         <p:spPr>
           <a:xfrm>
             <a:off x="4440162" y="1926454"/>
-            <a:ext cx="5040560" cy="400110"/>
+            <a:ext cx="6675296" cy="400110"/>
           </a:xfrm>
           <a:prstGeom prst="rect">
             <a:avLst/>
@@ -17173,7 +17333,7 @@
         <p:spPr>
           <a:xfrm>
             <a:off x="4428279" y="2536754"/>
-            <a:ext cx="6280767" cy="400110"/>
+            <a:ext cx="6675296" cy="400110"/>
           </a:xfrm>
           <a:prstGeom prst="rect">
             <a:avLst/>
@@ -21179,8 +21339,8 @@
         </p:nvSpPr>
         <p:spPr>
           <a:xfrm>
-            <a:off x="2621196" y="2730392"/>
-            <a:ext cx="6774184" cy="400110"/>
+            <a:off x="2049696" y="2697735"/>
+            <a:ext cx="8054616" cy="400110"/>
           </a:xfrm>
           <a:prstGeom prst="rect">
             <a:avLst/>
@@ -21255,8 +21415,8 @@
         </p:nvSpPr>
         <p:spPr>
           <a:xfrm>
-            <a:off x="2621196" y="3379290"/>
-            <a:ext cx="6774184" cy="400110"/>
+            <a:off x="2049696" y="3346633"/>
+            <a:ext cx="8054616" cy="400110"/>
           </a:xfrm>
           <a:prstGeom prst="rect">
             <a:avLst/>
@@ -21331,7 +21491,7 @@
         </p:nvSpPr>
         <p:spPr>
           <a:xfrm>
-            <a:off x="5282158" y="3692772"/>
+            <a:off x="4710658" y="3660115"/>
             <a:ext cx="3332172" cy="358364"/>
           </a:xfrm>
           <a:prstGeom prst="curvedUpArrow">
@@ -21373,8 +21533,8 @@
         </p:nvSpPr>
         <p:spPr>
           <a:xfrm>
-            <a:off x="2621196" y="4155068"/>
-            <a:ext cx="6774184" cy="1015663"/>
+            <a:off x="2049695" y="4122411"/>
+            <a:ext cx="8054617" cy="1015663"/>
           </a:xfrm>
           <a:prstGeom prst="rect">
             <a:avLst/>
@@ -21481,8 +21641,8 @@
         </p:nvSpPr>
         <p:spPr>
           <a:xfrm>
-            <a:off x="2621196" y="2062880"/>
-            <a:ext cx="6804472" cy="400110"/>
+            <a:off x="2049696" y="2030223"/>
+            <a:ext cx="8054616" cy="400110"/>
           </a:xfrm>
           <a:prstGeom prst="rect">
             <a:avLst/>
@@ -21592,7 +21752,7 @@
         </p:nvSpPr>
         <p:spPr>
           <a:xfrm>
-            <a:off x="5890532" y="3376004"/>
+            <a:off x="5319032" y="3343347"/>
             <a:ext cx="379639" cy="404132"/>
           </a:xfrm>
           <a:prstGeom prst="ellipse">
@@ -21621,6 +21781,110 @@
           <a:p>
             <a:pPr algn="ctr"/>
             <a:endParaRPr lang="en-US"/>
+          </a:p>
+        </p:txBody>
+      </p:sp>
+      <p:sp>
+        <p:nvSpPr>
+          <p:cNvPr id="9" name="TextBox 8"/>
+          <p:cNvSpPr txBox="1"/>
+          <p:nvPr/>
+        </p:nvSpPr>
+        <p:spPr>
+          <a:xfrm>
+            <a:off x="2049696" y="5427063"/>
+            <a:ext cx="8054617" cy="400110"/>
+          </a:xfrm>
+          <a:prstGeom prst="rect">
+            <a:avLst/>
+          </a:prstGeom>
+          <a:ln w="25400">
+            <a:solidFill>
+              <a:schemeClr val="accent1"/>
+            </a:solidFill>
+          </a:ln>
+        </p:spPr>
+        <p:style>
+          <a:lnRef idx="2">
+            <a:schemeClr val="accent1"/>
+          </a:lnRef>
+          <a:fillRef idx="1">
+            <a:schemeClr val="lt1"/>
+          </a:fillRef>
+          <a:effectRef idx="0">
+            <a:schemeClr val="accent1"/>
+          </a:effectRef>
+          <a:fontRef idx="minor">
+            <a:schemeClr val="dk1"/>
+          </a:fontRef>
+        </p:style>
+        <p:txBody>
+          <a:bodyPr wrap="square" rtlCol="0">
+            <a:spAutoFit/>
+          </a:bodyPr>
+          <a:lstStyle/>
+          <a:p>
+            <a:r>
+              <a:rPr lang="en-AU" sz="2000" dirty="0">
+                <a:solidFill>
+                  <a:srgbClr val="0000CC"/>
+                </a:solidFill>
+              </a:rPr>
+              <a:t>let </a:t>
+            </a:r>
+            <a:r>
+              <a:rPr lang="en-AU" sz="2000" dirty="0" err="1"/>
+              <a:t>filteredNumbers</a:t>
+            </a:r>
+            <a:r>
+              <a:rPr lang="en-AU" sz="2000" dirty="0"/>
+              <a:t> = </a:t>
+            </a:r>
+            <a:r>
+              <a:rPr lang="en-AU" sz="2000" dirty="0"/>
+              <a:t>filter (</a:t>
+            </a:r>
+            <a:r>
+              <a:rPr lang="en-AU" sz="2000" dirty="0">
+                <a:solidFill>
+                  <a:srgbClr val="0000CC"/>
+                </a:solidFill>
+              </a:rPr>
+              <a:t>fun</a:t>
+            </a:r>
+            <a:r>
+              <a:rPr lang="en-AU" sz="2000" dirty="0"/>
+              <a:t> n -&gt; n &lt; 20)</a:t>
+            </a:r>
+            <a:r>
+              <a:rPr lang="en-AU" sz="2000" dirty="0">
+                <a:solidFill>
+                  <a:srgbClr val="0000CC"/>
+                </a:solidFill>
+              </a:rPr>
+              <a:t> </a:t>
+            </a:r>
+            <a:r>
+              <a:rPr lang="en-AU" sz="2000" dirty="0"/>
+              <a:t>(filter (</a:t>
+            </a:r>
+            <a:r>
+              <a:rPr lang="en-AU" sz="2000" dirty="0">
+                <a:solidFill>
+                  <a:srgbClr val="0000CC"/>
+                </a:solidFill>
+              </a:rPr>
+              <a:t>fun</a:t>
+            </a:r>
+            <a:r>
+              <a:rPr lang="en-AU" sz="2000" dirty="0"/>
+              <a:t> n -&gt; n &gt; 10) </a:t>
+            </a:r>
+            <a:r>
+              <a:rPr lang="en-AU" sz="2000" dirty="0"/>
+              <a:t>numbers)</a:t>
+            </a:r>
+            <a:endParaRPr lang="en-AU" sz="2000" dirty="0"/>
           </a:p>
         </p:txBody>
       </p:sp>
@@ -21919,6 +22183,59 @@
                       </p:childTnLst>
                     </p:cTn>
                   </p:par>
+                  <p:par>
+                    <p:cTn id="28" fill="hold">
+                      <p:stCondLst>
+                        <p:cond delay="indefinite"/>
+                      </p:stCondLst>
+                      <p:childTnLst>
+                        <p:par>
+                          <p:cTn id="29" fill="hold">
+                            <p:stCondLst>
+                              <p:cond delay="0"/>
+                            </p:stCondLst>
+                            <p:childTnLst>
+                              <p:par>
+                                <p:cTn id="30" presetID="10" presetClass="entr" presetSubtype="0" fill="hold" grpId="0" nodeType="clickEffect">
+                                  <p:stCondLst>
+                                    <p:cond delay="0"/>
+                                  </p:stCondLst>
+                                  <p:childTnLst>
+                                    <p:set>
+                                      <p:cBhvr>
+                                        <p:cTn id="31" dur="1" fill="hold">
+                                          <p:stCondLst>
+                                            <p:cond delay="0"/>
+                                          </p:stCondLst>
+                                        </p:cTn>
+                                        <p:tgtEl>
+                                          <p:spTgt spid="9"/>
+                                        </p:tgtEl>
+                                        <p:attrNameLst>
+                                          <p:attrName>style.visibility</p:attrName>
+                                        </p:attrNameLst>
+                                      </p:cBhvr>
+                                      <p:to>
+                                        <p:strVal val="visible"/>
+                                      </p:to>
+                                    </p:set>
+                                    <p:animEffect transition="in" filter="fade">
+                                      <p:cBhvr>
+                                        <p:cTn id="32" dur="500"/>
+                                        <p:tgtEl>
+                                          <p:spTgt spid="9"/>
+                                        </p:tgtEl>
+                                      </p:cBhvr>
+                                    </p:animEffect>
+                                  </p:childTnLst>
+                                </p:cTn>
+                              </p:par>
+                            </p:childTnLst>
+                          </p:cTn>
+                        </p:par>
+                      </p:childTnLst>
+                    </p:cTn>
+                  </p:par>
                 </p:childTnLst>
               </p:cTn>
               <p:prevCondLst>
@@ -21946,6 +22263,7 @@
       <p:bldP spid="5" grpId="0" animBg="1"/>
       <p:bldP spid="6" grpId="0" animBg="1"/>
       <p:bldP spid="12" grpId="0" animBg="1"/>
+      <p:bldP spid="9" grpId="0" animBg="1"/>
     </p:bldLst>
   </p:timing>
 </p:sld>
@@ -22004,7 +22322,7 @@
         </p:nvSpPr>
         <p:spPr>
           <a:xfrm>
-            <a:off x="3247774" y="2075233"/>
+            <a:off x="3247774" y="2234685"/>
             <a:ext cx="2393258" cy="409074"/>
           </a:xfrm>
           <a:prstGeom prst="rect">
@@ -22059,7 +22377,7 @@
         </p:nvSpPr>
         <p:spPr>
           <a:xfrm>
-            <a:off x="3248568" y="2764582"/>
+            <a:off x="3248568" y="2924034"/>
             <a:ext cx="2392464" cy="407804"/>
           </a:xfrm>
           <a:prstGeom prst="rect">
@@ -22114,7 +22432,7 @@
         </p:nvGrpSpPr>
         <p:grpSpPr>
           <a:xfrm>
-            <a:off x="6145088" y="2756888"/>
+            <a:off x="6145088" y="2916340"/>
             <a:ext cx="2127130" cy="369332"/>
             <a:chOff x="3430910" y="2222208"/>
             <a:chExt cx="2127130" cy="369332"/>
@@ -22214,7 +22532,7 @@
         </p:nvSpPr>
         <p:spPr>
           <a:xfrm>
-            <a:off x="3248568" y="3488896"/>
+            <a:off x="3248568" y="3648348"/>
             <a:ext cx="2392464" cy="401490"/>
           </a:xfrm>
           <a:prstGeom prst="rect">
@@ -22269,7 +22587,7 @@
         </p:nvGrpSpPr>
         <p:grpSpPr>
           <a:xfrm>
-            <a:off x="6145088" y="3485653"/>
+            <a:off x="6145088" y="3645105"/>
             <a:ext cx="2330199" cy="369332"/>
             <a:chOff x="3934966" y="2234370"/>
             <a:chExt cx="2330199" cy="369332"/>
@@ -22374,193 +22692,65 @@
           </p:txBody>
         </p:sp>
       </p:grpSp>
-      <p:grpSp>
-        <p:nvGrpSpPr>
-          <p:cNvPr id="12" name="Group 11"/>
-          <p:cNvGrpSpPr/>
+      <p:sp>
+        <p:nvSpPr>
+          <p:cNvPr id="13" name="TextBox 12"/>
+          <p:cNvSpPr txBox="1"/>
           <p:nvPr/>
-        </p:nvGrpSpPr>
-        <p:grpSpPr>
+        </p:nvSpPr>
+        <p:spPr>
           <a:xfrm>
-            <a:off x="3247774" y="4163548"/>
-            <a:ext cx="5227513" cy="435230"/>
-            <a:chOff x="5286124" y="3910043"/>
-            <a:chExt cx="5227513" cy="435230"/>
+            <a:off x="3247774" y="3644524"/>
+            <a:ext cx="2393258" cy="400110"/>
           </a:xfrm>
-        </p:grpSpPr>
-        <p:sp>
-          <p:nvSpPr>
-            <p:cNvPr id="13" name="TextBox 12"/>
-            <p:cNvSpPr txBox="1"/>
-            <p:nvPr/>
-          </p:nvSpPr>
-          <p:spPr>
-            <a:xfrm>
-              <a:off x="5286124" y="3945163"/>
-              <a:ext cx="2393258" cy="400110"/>
-            </a:xfrm>
-            <a:prstGeom prst="rect">
-              <a:avLst/>
-            </a:prstGeom>
-            <a:ln w="25400">
-              <a:solidFill>
-                <a:schemeClr val="accent1"/>
-              </a:solidFill>
-            </a:ln>
-          </p:spPr>
-          <p:style>
-            <a:lnRef idx="2">
+          <a:prstGeom prst="rect">
+            <a:avLst/>
+          </a:prstGeom>
+          <a:ln w="25400">
+            <a:solidFill>
               <a:schemeClr val="accent1"/>
-            </a:lnRef>
-            <a:fillRef idx="1">
-              <a:schemeClr val="lt1"/>
-            </a:fillRef>
-            <a:effectRef idx="0">
-              <a:schemeClr val="accent1"/>
-            </a:effectRef>
-            <a:fontRef idx="minor">
-              <a:schemeClr val="dk1"/>
-            </a:fontRef>
-          </p:style>
-          <p:txBody>
-            <a:bodyPr wrap="square" rtlCol="0">
-              <a:spAutoFit/>
-            </a:bodyPr>
-            <a:lstStyle/>
-            <a:p>
-              <a:r>
-                <a:rPr lang="en-AU" sz="2000" dirty="0">
-                  <a:solidFill>
-                    <a:srgbClr val="0000CC"/>
-                  </a:solidFill>
-                </a:rPr>
-                <a:t>let </a:t>
-              </a:r>
-              <a:r>
-                <a:rPr lang="en-AU" sz="2000" dirty="0" err="1"/>
-                <a:t>addOne</a:t>
-              </a:r>
-              <a:r>
-                <a:rPr lang="en-AU" sz="2000" dirty="0"/>
-                <a:t> = sum 1</a:t>
-              </a:r>
-            </a:p>
-          </p:txBody>
-        </p:sp>
-        <p:grpSp>
-          <p:nvGrpSpPr>
-            <p:cNvPr id="14" name="Group 13"/>
-            <p:cNvGrpSpPr/>
-            <p:nvPr/>
-          </p:nvGrpSpPr>
-          <p:grpSpPr>
-            <a:xfrm>
-              <a:off x="8183438" y="3910043"/>
-              <a:ext cx="2330199" cy="369332"/>
-              <a:chOff x="3840314" y="2218321"/>
-              <a:chExt cx="2330199" cy="369332"/>
-            </a:xfrm>
-          </p:grpSpPr>
-          <p:cxnSp>
-            <p:nvCxnSpPr>
-              <p:cNvPr id="15" name="Straight Arrow Connector 14"/>
-              <p:cNvCxnSpPr/>
-              <p:nvPr/>
-            </p:nvCxnSpPr>
-            <p:spPr>
-              <a:xfrm flipH="1" flipV="1">
-                <a:off x="3840314" y="2417795"/>
-                <a:ext cx="480805" cy="8275"/>
-              </a:xfrm>
-              <a:prstGeom prst="straightConnector1">
-                <a:avLst/>
-              </a:prstGeom>
-              <a:ln w="38100">
-                <a:solidFill>
-                  <a:schemeClr val="accent1"/>
-                </a:solidFill>
-                <a:tailEnd type="triangle"/>
-              </a:ln>
-            </p:spPr>
-            <p:style>
-              <a:lnRef idx="1">
-                <a:schemeClr val="accent1"/>
-              </a:lnRef>
-              <a:fillRef idx="0">
-                <a:schemeClr val="accent1"/>
-              </a:fillRef>
-              <a:effectRef idx="0">
-                <a:schemeClr val="accent1"/>
-              </a:effectRef>
-              <a:fontRef idx="minor">
-                <a:schemeClr val="tx1"/>
-              </a:fontRef>
-            </p:style>
-          </p:cxnSp>
-          <p:sp>
-            <p:nvSpPr>
-              <p:cNvPr id="16" name="TextBox 15"/>
-              <p:cNvSpPr txBox="1"/>
-              <p:nvPr/>
-            </p:nvSpPr>
-            <p:spPr>
-              <a:xfrm>
-                <a:off x="4416378" y="2218321"/>
-                <a:ext cx="1754135" cy="369332"/>
-              </a:xfrm>
-              <a:prstGeom prst="rect">
-                <a:avLst/>
-              </a:prstGeom>
-              <a:noFill/>
-            </p:spPr>
-            <p:txBody>
-              <a:bodyPr wrap="none" rtlCol="0">
-                <a:spAutoFit/>
-              </a:bodyPr>
-              <a:lstStyle/>
-              <a:p>
-                <a:r>
-                  <a:rPr lang="en-AU" dirty="0">
-                    <a:solidFill>
-                      <a:schemeClr val="accent1"/>
-                    </a:solidFill>
-                  </a:rPr>
-                  <a:t>Returns </a:t>
-                </a:r>
-                <a:r>
-                  <a:rPr lang="en-AU" dirty="0" err="1">
-                    <a:solidFill>
-                      <a:schemeClr val="accent1"/>
-                    </a:solidFill>
-                  </a:rPr>
-                  <a:t>int</a:t>
-                </a:r>
-                <a:r>
-                  <a:rPr lang="en-AU" dirty="0">
-                    <a:solidFill>
-                      <a:schemeClr val="accent1"/>
-                    </a:solidFill>
-                  </a:rPr>
-                  <a:t> -&gt; </a:t>
-                </a:r>
-                <a:r>
-                  <a:rPr lang="en-AU" dirty="0" err="1">
-                    <a:solidFill>
-                      <a:schemeClr val="accent1"/>
-                    </a:solidFill>
-                  </a:rPr>
-                  <a:t>int</a:t>
-                </a:r>
-                <a:endParaRPr lang="en-AU" dirty="0">
-                  <a:solidFill>
-                    <a:schemeClr val="accent1"/>
-                  </a:solidFill>
-                </a:endParaRPr>
-              </a:p>
-            </p:txBody>
-          </p:sp>
-        </p:grpSp>
-      </p:grpSp>
+            </a:solidFill>
+          </a:ln>
+        </p:spPr>
+        <p:style>
+          <a:lnRef idx="2">
+            <a:schemeClr val="accent1"/>
+          </a:lnRef>
+          <a:fillRef idx="1">
+            <a:schemeClr val="lt1"/>
+          </a:fillRef>
+          <a:effectRef idx="0">
+            <a:schemeClr val="accent1"/>
+          </a:effectRef>
+          <a:fontRef idx="minor">
+            <a:schemeClr val="dk1"/>
+          </a:fontRef>
+        </p:style>
+        <p:txBody>
+          <a:bodyPr wrap="square" rtlCol="0">
+            <a:spAutoFit/>
+          </a:bodyPr>
+          <a:lstStyle/>
+          <a:p>
+            <a:r>
+              <a:rPr lang="en-AU" sz="2000" dirty="0">
+                <a:solidFill>
+                  <a:srgbClr val="0000CC"/>
+                </a:solidFill>
+              </a:rPr>
+              <a:t>let </a:t>
+            </a:r>
+            <a:r>
+              <a:rPr lang="en-AU" sz="2000" dirty="0" err="1"/>
+              <a:t>addOne</a:t>
+            </a:r>
+            <a:r>
+              <a:rPr lang="en-AU" sz="2000" dirty="0"/>
+              <a:t> = sum 1</a:t>
+            </a:r>
+          </a:p>
+        </p:txBody>
+      </p:sp>
       <p:grpSp>
         <p:nvGrpSpPr>
           <p:cNvPr id="17" name="Group 16"/>
@@ -22569,7 +22759,7 @@
         </p:nvGrpSpPr>
         <p:grpSpPr>
           <a:xfrm>
-            <a:off x="3247774" y="4835427"/>
+            <a:off x="3247774" y="4345222"/>
             <a:ext cx="5024444" cy="443736"/>
             <a:chOff x="5087094" y="3901537"/>
             <a:chExt cx="5024444" cy="443736"/>
@@ -22747,7 +22937,7 @@
         </p:nvGrpSpPr>
         <p:grpSpPr>
           <a:xfrm>
-            <a:off x="3247774" y="5543819"/>
+            <a:off x="3247774" y="5053614"/>
             <a:ext cx="5024444" cy="443736"/>
             <a:chOff x="5087094" y="3901537"/>
             <a:chExt cx="5024444" cy="443736"/>
@@ -23172,7 +23362,7 @@
                             </p:stCondLst>
                             <p:childTnLst>
                               <p:par>
-                                <p:cTn id="25" presetID="10" presetClass="entr" presetSubtype="0" fill="hold" nodeType="clickEffect">
+                                <p:cTn id="25" presetID="10" presetClass="entr" presetSubtype="0" fill="hold" grpId="0" nodeType="clickEffect">
                                   <p:stCondLst>
                                     <p:cond delay="0"/>
                                   </p:stCondLst>
@@ -23185,7 +23375,7 @@
                                           </p:stCondLst>
                                         </p:cTn>
                                         <p:tgtEl>
-                                          <p:spTgt spid="12"/>
+                                          <p:spTgt spid="13"/>
                                         </p:tgtEl>
                                         <p:attrNameLst>
                                           <p:attrName>style.visibility</p:attrName>
@@ -23199,7 +23389,7 @@
                                       <p:cBhvr>
                                         <p:cTn id="27" dur="500"/>
                                         <p:tgtEl>
-                                          <p:spTgt spid="12"/>
+                                          <p:spTgt spid="13"/>
                                         </p:tgtEl>
                                       </p:cBhvr>
                                     </p:animEffect>
@@ -23342,6 +23532,7 @@
     <p:bldLst>
       <p:bldP spid="4" grpId="0" animBg="1"/>
       <p:bldP spid="8" grpId="0" animBg="1"/>
+      <p:bldP spid="13" grpId="0" animBg="1"/>
     </p:bldLst>
   </p:timing>
 </p:sld>
@@ -27556,7 +27747,12 @@
             <p:ph type="title"/>
           </p:nvPr>
         </p:nvSpPr>
-        <p:spPr/>
+        <p:spPr>
+          <a:xfrm>
+            <a:off x="1097280" y="555171"/>
+            <a:ext cx="10058400" cy="1182189"/>
+          </a:xfrm>
+        </p:spPr>
         <p:txBody>
           <a:bodyPr>
             <a:normAutofit/>
@@ -27640,7 +27836,7 @@
         <p:spPr>
           <a:xfrm>
             <a:off x="5572125" y="3723867"/>
-            <a:ext cx="1613666" cy="400110"/>
+            <a:ext cx="1226004" cy="400110"/>
           </a:xfrm>
           <a:prstGeom prst="rect">
             <a:avLst/>
@@ -27700,7 +27896,7 @@
         <p:spPr>
           <a:xfrm>
             <a:off x="5572125" y="4986593"/>
-            <a:ext cx="2477762" cy="400110"/>
+            <a:ext cx="1960789" cy="400110"/>
           </a:xfrm>
           <a:prstGeom prst="rect">
             <a:avLst/>
@@ -28116,7 +28312,7 @@
         </p:nvGrpSpPr>
         <p:grpSpPr>
           <a:xfrm>
-            <a:off x="8121895" y="4750080"/>
+            <a:off x="7827979" y="4750080"/>
             <a:ext cx="2587924" cy="900894"/>
             <a:chOff x="3423676" y="6097665"/>
             <a:chExt cx="2587924" cy="900894"/>
@@ -28267,7 +28463,7 @@
         </p:nvGrpSpPr>
         <p:grpSpPr>
           <a:xfrm>
-            <a:off x="7348600" y="3440257"/>
+            <a:off x="7087342" y="3440257"/>
             <a:ext cx="1928577" cy="900894"/>
             <a:chOff x="3423676" y="6097665"/>
             <a:chExt cx="1928577" cy="900894"/>
@@ -29164,7 +29360,7 @@
         </p:nvSpPr>
         <p:spPr>
           <a:xfrm>
-            <a:off x="1474570" y="466929"/>
+            <a:off x="1124369" y="501672"/>
             <a:ext cx="9509760" cy="1233424"/>
           </a:xfrm>
         </p:spPr>
@@ -29193,8 +29389,8 @@
         </p:nvSpPr>
         <p:spPr>
           <a:xfrm>
-            <a:off x="2528986" y="2052771"/>
-            <a:ext cx="3290392" cy="400110"/>
+            <a:off x="3552249" y="2052771"/>
+            <a:ext cx="2369584" cy="400110"/>
           </a:xfrm>
           <a:prstGeom prst="rect">
             <a:avLst/>
@@ -29373,8 +29569,8 @@
         </p:nvSpPr>
         <p:spPr>
           <a:xfrm>
-            <a:off x="2528529" y="2733362"/>
-            <a:ext cx="3290849" cy="1015663"/>
+            <a:off x="3551792" y="2733362"/>
+            <a:ext cx="2370041" cy="1015663"/>
           </a:xfrm>
           <a:prstGeom prst="rect">
             <a:avLst/>
@@ -29637,8 +29833,8 @@
         </p:nvSpPr>
         <p:spPr>
           <a:xfrm>
-            <a:off x="2528528" y="4088037"/>
-            <a:ext cx="3290849" cy="400110"/>
+            <a:off x="3551791" y="4088037"/>
+            <a:ext cx="2370043" cy="400110"/>
           </a:xfrm>
           <a:prstGeom prst="rect">
             <a:avLst/>
@@ -29780,8 +29976,8 @@
         </p:nvSpPr>
         <p:spPr>
           <a:xfrm>
-            <a:off x="2528528" y="4782034"/>
-            <a:ext cx="3290849" cy="400110"/>
+            <a:off x="3551792" y="4782034"/>
+            <a:ext cx="2370042" cy="400110"/>
           </a:xfrm>
           <a:prstGeom prst="rect">
             <a:avLst/>
@@ -30472,7 +30668,7 @@
           </a:p>
           <a:p>
             <a:r>
-              <a:rPr lang="en-AU" sz="2000">
+              <a:rPr lang="en-AU" sz="2000" dirty="0">
                 <a:solidFill>
                   <a:srgbClr val="0000CC"/>
                 </a:solidFill>
@@ -30480,7 +30676,7 @@
               <a:t>match</a:t>
             </a:r>
             <a:r>
-              <a:rPr lang="en-AU" sz="2000">
+              <a:rPr lang="en-AU" sz="2000" dirty="0">
                 <a:solidFill>
                   <a:schemeClr val="tx1"/>
                 </a:solidFill>
@@ -30548,7 +30744,7 @@
                   <a:srgbClr val="C00000"/>
                 </a:solidFill>
               </a:rPr>
-              <a:t>"None"</a:t>
+              <a:t>"No Result"</a:t>
             </a:r>
             <a:endParaRPr lang="en-AU" sz="2000" dirty="0">
               <a:solidFill>
@@ -30762,7 +30958,7 @@
                   <a:srgbClr val="C00000"/>
                 </a:solidFill>
               </a:rPr>
-              <a:t>"None"</a:t>
+              <a:t>"No Result"</a:t>
             </a:r>
             <a:endParaRPr lang="en-AU" sz="2000" dirty="0">
               <a:solidFill>
@@ -30842,6 +31038,86 @@
                 <a:schemeClr val="tx1"/>
               </a:solidFill>
             </a:endParaRPr>
+          </a:p>
+        </p:txBody>
+      </p:sp>
+      <p:sp>
+        <p:nvSpPr>
+          <p:cNvPr id="5" name="Oval 4"/>
+          <p:cNvSpPr/>
+          <p:nvPr/>
+        </p:nvSpPr>
+        <p:spPr>
+          <a:xfrm>
+            <a:off x="5150303" y="5199362"/>
+            <a:ext cx="259897" cy="292482"/>
+          </a:xfrm>
+          <a:prstGeom prst="ellipse">
+            <a:avLst/>
+          </a:prstGeom>
+          <a:noFill/>
+          <a:ln w="25400"/>
+        </p:spPr>
+        <p:style>
+          <a:lnRef idx="2">
+            <a:schemeClr val="accent1"/>
+          </a:lnRef>
+          <a:fillRef idx="1">
+            <a:schemeClr val="lt1"/>
+          </a:fillRef>
+          <a:effectRef idx="0">
+            <a:schemeClr val="accent1"/>
+          </a:effectRef>
+          <a:fontRef idx="minor">
+            <a:schemeClr val="dk1"/>
+          </a:fontRef>
+        </p:style>
+        <p:txBody>
+          <a:bodyPr rtlCol="0" anchor="ctr"/>
+          <a:lstStyle/>
+          <a:p>
+            <a:pPr algn="ctr"/>
+            <a:endParaRPr lang="en-US"/>
+          </a:p>
+        </p:txBody>
+      </p:sp>
+      <p:sp>
+        <p:nvSpPr>
+          <p:cNvPr id="6" name="Oval 5"/>
+          <p:cNvSpPr/>
+          <p:nvPr/>
+        </p:nvSpPr>
+        <p:spPr>
+          <a:xfrm>
+            <a:off x="7626803" y="5199362"/>
+            <a:ext cx="259897" cy="292482"/>
+          </a:xfrm>
+          <a:prstGeom prst="ellipse">
+            <a:avLst/>
+          </a:prstGeom>
+          <a:noFill/>
+          <a:ln w="25400"/>
+        </p:spPr>
+        <p:style>
+          <a:lnRef idx="2">
+            <a:schemeClr val="accent1"/>
+          </a:lnRef>
+          <a:fillRef idx="1">
+            <a:schemeClr val="lt1"/>
+          </a:fillRef>
+          <a:effectRef idx="0">
+            <a:schemeClr val="accent1"/>
+          </a:effectRef>
+          <a:fontRef idx="minor">
+            <a:schemeClr val="dk1"/>
+          </a:fontRef>
+        </p:style>
+        <p:txBody>
+          <a:bodyPr rtlCol="0" anchor="ctr"/>
+          <a:lstStyle/>
+          <a:p>
+            <a:pPr algn="ctr"/>
+            <a:endParaRPr lang="en-US"/>
           </a:p>
         </p:txBody>
       </p:sp>
@@ -30928,6 +31204,94 @@
                       </p:childTnLst>
                     </p:cTn>
                   </p:par>
+                  <p:par>
+                    <p:cTn id="8" fill="hold">
+                      <p:stCondLst>
+                        <p:cond delay="indefinite"/>
+                      </p:stCondLst>
+                      <p:childTnLst>
+                        <p:par>
+                          <p:cTn id="9" fill="hold">
+                            <p:stCondLst>
+                              <p:cond delay="0"/>
+                            </p:stCondLst>
+                            <p:childTnLst>
+                              <p:par>
+                                <p:cTn id="10" presetID="10" presetClass="entr" presetSubtype="0" fill="hold" grpId="0" nodeType="clickEffect">
+                                  <p:stCondLst>
+                                    <p:cond delay="0"/>
+                                  </p:stCondLst>
+                                  <p:childTnLst>
+                                    <p:set>
+                                      <p:cBhvr>
+                                        <p:cTn id="11" dur="1" fill="hold">
+                                          <p:stCondLst>
+                                            <p:cond delay="0"/>
+                                          </p:stCondLst>
+                                        </p:cTn>
+                                        <p:tgtEl>
+                                          <p:spTgt spid="5"/>
+                                        </p:tgtEl>
+                                        <p:attrNameLst>
+                                          <p:attrName>style.visibility</p:attrName>
+                                        </p:attrNameLst>
+                                      </p:cBhvr>
+                                      <p:to>
+                                        <p:strVal val="visible"/>
+                                      </p:to>
+                                    </p:set>
+                                    <p:animEffect transition="in" filter="fade">
+                                      <p:cBhvr>
+                                        <p:cTn id="12" dur="500"/>
+                                        <p:tgtEl>
+                                          <p:spTgt spid="5"/>
+                                        </p:tgtEl>
+                                      </p:cBhvr>
+                                    </p:animEffect>
+                                  </p:childTnLst>
+                                </p:cTn>
+                              </p:par>
+                              <p:par>
+                                <p:cTn id="13" presetID="10" presetClass="entr" presetSubtype="0" fill="hold" grpId="0" nodeType="withEffect">
+                                  <p:stCondLst>
+                                    <p:cond delay="0"/>
+                                  </p:stCondLst>
+                                  <p:childTnLst>
+                                    <p:set>
+                                      <p:cBhvr>
+                                        <p:cTn id="14" dur="1" fill="hold">
+                                          <p:stCondLst>
+                                            <p:cond delay="0"/>
+                                          </p:stCondLst>
+                                        </p:cTn>
+                                        <p:tgtEl>
+                                          <p:spTgt spid="6"/>
+                                        </p:tgtEl>
+                                        <p:attrNameLst>
+                                          <p:attrName>style.visibility</p:attrName>
+                                        </p:attrNameLst>
+                                      </p:cBhvr>
+                                      <p:to>
+                                        <p:strVal val="visible"/>
+                                      </p:to>
+                                    </p:set>
+                                    <p:animEffect transition="in" filter="fade">
+                                      <p:cBhvr>
+                                        <p:cTn id="15" dur="500"/>
+                                        <p:tgtEl>
+                                          <p:spTgt spid="6"/>
+                                        </p:tgtEl>
+                                      </p:cBhvr>
+                                    </p:animEffect>
+                                  </p:childTnLst>
+                                </p:cTn>
+                              </p:par>
+                            </p:childTnLst>
+                          </p:cTn>
+                        </p:par>
+                      </p:childTnLst>
+                    </p:cTn>
+                  </p:par>
                 </p:childTnLst>
               </p:cTn>
               <p:prevCondLst>
@@ -30951,6 +31315,8 @@
     </p:tnLst>
     <p:bldLst>
       <p:bldP spid="3" grpId="0" animBg="1"/>
+      <p:bldP spid="5" grpId="0" animBg="1"/>
+      <p:bldP spid="6" grpId="0" animBg="1"/>
     </p:bldLst>
   </p:timing>
 </p:sld>
@@ -31009,7 +31375,7 @@
         </p:nvSpPr>
         <p:spPr>
           <a:xfrm>
-            <a:off x="5836006" y="2687375"/>
+            <a:off x="6559909" y="2687375"/>
             <a:ext cx="4032881" cy="1015663"/>
           </a:xfrm>
           <a:prstGeom prst="rect">
@@ -31183,173 +31549,311 @@
       </p:sp>
       <p:grpSp>
         <p:nvGrpSpPr>
-          <p:cNvPr id="20" name="Group 19"/>
+          <p:cNvPr id="9" name="Group 8"/>
           <p:cNvGrpSpPr/>
           <p:nvPr/>
         </p:nvGrpSpPr>
         <p:grpSpPr>
           <a:xfrm>
-            <a:off x="869687" y="2442042"/>
+            <a:off x="1593590" y="2442042"/>
             <a:ext cx="4205231" cy="1915495"/>
-            <a:chOff x="869687" y="2272312"/>
+            <a:chOff x="869687" y="2442042"/>
             <a:chExt cx="4205231" cy="1915495"/>
           </a:xfrm>
         </p:grpSpPr>
-        <p:sp>
-          <p:nvSpPr>
-            <p:cNvPr id="3" name="Rounded Rectangle 2"/>
-            <p:cNvSpPr/>
+        <p:grpSp>
+          <p:nvGrpSpPr>
+            <p:cNvPr id="20" name="Group 19"/>
+            <p:cNvGrpSpPr/>
             <p:nvPr/>
-          </p:nvSpPr>
-          <p:spPr>
+          </p:nvGrpSpPr>
+          <p:grpSpPr>
             <a:xfrm>
-              <a:off x="2108049" y="2272312"/>
-              <a:ext cx="1708340" cy="717284"/>
+              <a:off x="869687" y="2442042"/>
+              <a:ext cx="4205231" cy="1915495"/>
+              <a:chOff x="869687" y="2272312"/>
+              <a:chExt cx="4205231" cy="1915495"/>
             </a:xfrm>
-            <a:prstGeom prst="roundRect">
-              <a:avLst/>
-            </a:prstGeom>
-            <a:ln w="25400"/>
-          </p:spPr>
-          <p:style>
-            <a:lnRef idx="2">
-              <a:schemeClr val="accent1"/>
-            </a:lnRef>
-            <a:fillRef idx="1">
-              <a:schemeClr val="lt1"/>
-            </a:fillRef>
-            <a:effectRef idx="0">
-              <a:schemeClr val="accent1"/>
-            </a:effectRef>
-            <a:fontRef idx="minor">
-              <a:schemeClr val="dk1"/>
-            </a:fontRef>
-          </p:style>
-          <p:txBody>
-            <a:bodyPr rtlCol="0" anchor="ctr"/>
-            <a:lstStyle/>
-            <a:p>
-              <a:pPr algn="ctr"/>
-              <a:r>
-                <a:rPr lang="en-AU" dirty="0" err="1"/>
-                <a:t>DivisionResult</a:t>
-              </a:r>
-              <a:endParaRPr lang="en-US" dirty="0"/>
-            </a:p>
-          </p:txBody>
-        </p:sp>
-        <p:sp>
-          <p:nvSpPr>
-            <p:cNvPr id="6" name="Rounded Rectangle 5"/>
-            <p:cNvSpPr/>
-            <p:nvPr/>
-          </p:nvSpPr>
-          <p:spPr>
-            <a:xfrm>
-              <a:off x="869687" y="3470523"/>
-              <a:ext cx="1840662" cy="717284"/>
-            </a:xfrm>
-            <a:prstGeom prst="roundRect">
-              <a:avLst/>
-            </a:prstGeom>
-            <a:ln w="25400"/>
-          </p:spPr>
-          <p:style>
-            <a:lnRef idx="2">
-              <a:schemeClr val="accent1"/>
-            </a:lnRef>
-            <a:fillRef idx="1">
-              <a:schemeClr val="lt1"/>
-            </a:fillRef>
-            <a:effectRef idx="0">
-              <a:schemeClr val="accent1"/>
-            </a:effectRef>
-            <a:fontRef idx="minor">
-              <a:schemeClr val="dk1"/>
-            </a:fontRef>
-          </p:style>
-          <p:txBody>
-            <a:bodyPr rtlCol="0" anchor="ctr"/>
-            <a:lstStyle/>
-            <a:p>
-              <a:pPr algn="ctr"/>
-              <a:r>
-                <a:rPr lang="en-AU" dirty="0" err="1"/>
-                <a:t>DivisionSuccess</a:t>
-              </a:r>
-              <a:endParaRPr lang="en-AU" dirty="0"/>
-            </a:p>
-            <a:p>
-              <a:r>
-                <a:rPr lang="en-AU" dirty="0"/>
-                <a:t>- result</a:t>
-              </a:r>
-            </a:p>
-          </p:txBody>
-        </p:sp>
-        <p:sp>
-          <p:nvSpPr>
-            <p:cNvPr id="7" name="Rounded Rectangle 6"/>
-            <p:cNvSpPr/>
-            <p:nvPr/>
-          </p:nvSpPr>
-          <p:spPr>
-            <a:xfrm>
-              <a:off x="3234256" y="3470523"/>
-              <a:ext cx="1840662" cy="717284"/>
-            </a:xfrm>
-            <a:prstGeom prst="roundRect">
-              <a:avLst/>
-            </a:prstGeom>
-            <a:ln w="25400"/>
-          </p:spPr>
-          <p:style>
-            <a:lnRef idx="2">
-              <a:schemeClr val="accent1"/>
-            </a:lnRef>
-            <a:fillRef idx="1">
-              <a:schemeClr val="lt1"/>
-            </a:fillRef>
-            <a:effectRef idx="0">
-              <a:schemeClr val="accent1"/>
-            </a:effectRef>
-            <a:fontRef idx="minor">
-              <a:schemeClr val="dk1"/>
-            </a:fontRef>
-          </p:style>
-          <p:txBody>
-            <a:bodyPr rtlCol="0" anchor="ctr"/>
-            <a:lstStyle/>
-            <a:p>
-              <a:pPr algn="ctr"/>
-              <a:r>
-                <a:rPr lang="en-AU" dirty="0" err="1"/>
-                <a:t>DivisionError</a:t>
-              </a:r>
-              <a:endParaRPr lang="en-AU" dirty="0"/>
-            </a:p>
-            <a:p>
-              <a:r>
-                <a:rPr lang="en-AU" dirty="0"/>
-                <a:t>- message</a:t>
-              </a:r>
-              <a:endParaRPr lang="en-US" dirty="0"/>
-            </a:p>
-          </p:txBody>
-        </p:sp>
+          </p:grpSpPr>
+          <p:sp>
+            <p:nvSpPr>
+              <p:cNvPr id="3" name="Rounded Rectangle 2"/>
+              <p:cNvSpPr/>
+              <p:nvPr/>
+            </p:nvSpPr>
+            <p:spPr>
+              <a:xfrm>
+                <a:off x="2108049" y="2272312"/>
+                <a:ext cx="1708340" cy="717284"/>
+              </a:xfrm>
+              <a:prstGeom prst="roundRect">
+                <a:avLst/>
+              </a:prstGeom>
+              <a:ln w="25400"/>
+            </p:spPr>
+            <p:style>
+              <a:lnRef idx="2">
+                <a:schemeClr val="accent1"/>
+              </a:lnRef>
+              <a:fillRef idx="1">
+                <a:schemeClr val="lt1"/>
+              </a:fillRef>
+              <a:effectRef idx="0">
+                <a:schemeClr val="accent1"/>
+              </a:effectRef>
+              <a:fontRef idx="minor">
+                <a:schemeClr val="dk1"/>
+              </a:fontRef>
+            </p:style>
+            <p:txBody>
+              <a:bodyPr rtlCol="0" anchor="ctr"/>
+              <a:lstStyle/>
+              <a:p>
+                <a:pPr algn="ctr"/>
+                <a:r>
+                  <a:rPr lang="en-AU" dirty="0" err="1"/>
+                  <a:t>DivisionResult</a:t>
+                </a:r>
+                <a:endParaRPr lang="en-US" dirty="0"/>
+              </a:p>
+            </p:txBody>
+          </p:sp>
+          <p:sp>
+            <p:nvSpPr>
+              <p:cNvPr id="6" name="Rounded Rectangle 5"/>
+              <p:cNvSpPr/>
+              <p:nvPr/>
+            </p:nvSpPr>
+            <p:spPr>
+              <a:xfrm>
+                <a:off x="869687" y="3470523"/>
+                <a:ext cx="1840662" cy="717284"/>
+              </a:xfrm>
+              <a:prstGeom prst="roundRect">
+                <a:avLst/>
+              </a:prstGeom>
+              <a:ln w="25400"/>
+            </p:spPr>
+            <p:style>
+              <a:lnRef idx="2">
+                <a:schemeClr val="accent1"/>
+              </a:lnRef>
+              <a:fillRef idx="1">
+                <a:schemeClr val="lt1"/>
+              </a:fillRef>
+              <a:effectRef idx="0">
+                <a:schemeClr val="accent1"/>
+              </a:effectRef>
+              <a:fontRef idx="minor">
+                <a:schemeClr val="dk1"/>
+              </a:fontRef>
+            </p:style>
+            <p:txBody>
+              <a:bodyPr rtlCol="0" anchor="ctr"/>
+              <a:lstStyle/>
+              <a:p>
+                <a:pPr algn="ctr"/>
+                <a:r>
+                  <a:rPr lang="en-AU" dirty="0" err="1"/>
+                  <a:t>DivisionSuccess</a:t>
+                </a:r>
+                <a:endParaRPr lang="en-AU" dirty="0"/>
+              </a:p>
+              <a:p>
+                <a:r>
+                  <a:rPr lang="en-AU" dirty="0"/>
+                  <a:t>- result</a:t>
+                </a:r>
+              </a:p>
+            </p:txBody>
+          </p:sp>
+          <p:sp>
+            <p:nvSpPr>
+              <p:cNvPr id="7" name="Rounded Rectangle 6"/>
+              <p:cNvSpPr/>
+              <p:nvPr/>
+            </p:nvSpPr>
+            <p:spPr>
+              <a:xfrm>
+                <a:off x="3234256" y="3470523"/>
+                <a:ext cx="1840662" cy="717284"/>
+              </a:xfrm>
+              <a:prstGeom prst="roundRect">
+                <a:avLst/>
+              </a:prstGeom>
+              <a:ln w="25400"/>
+            </p:spPr>
+            <p:style>
+              <a:lnRef idx="2">
+                <a:schemeClr val="accent1"/>
+              </a:lnRef>
+              <a:fillRef idx="1">
+                <a:schemeClr val="lt1"/>
+              </a:fillRef>
+              <a:effectRef idx="0">
+                <a:schemeClr val="accent1"/>
+              </a:effectRef>
+              <a:fontRef idx="minor">
+                <a:schemeClr val="dk1"/>
+              </a:fontRef>
+            </p:style>
+            <p:txBody>
+              <a:bodyPr rtlCol="0" anchor="ctr"/>
+              <a:lstStyle/>
+              <a:p>
+                <a:pPr algn="ctr"/>
+                <a:r>
+                  <a:rPr lang="en-AU" dirty="0" err="1"/>
+                  <a:t>DivisionError</a:t>
+                </a:r>
+                <a:endParaRPr lang="en-AU" dirty="0"/>
+              </a:p>
+              <a:p>
+                <a:r>
+                  <a:rPr lang="en-AU" dirty="0"/>
+                  <a:t>- message</a:t>
+                </a:r>
+                <a:endParaRPr lang="en-US" dirty="0"/>
+              </a:p>
+            </p:txBody>
+          </p:sp>
+          <p:cxnSp>
+            <p:nvCxnSpPr>
+              <p:cNvPr id="8" name="Straight Arrow Connector 7"/>
+              <p:cNvCxnSpPr>
+                <a:stCxn id="6" idx="0"/>
+                <a:endCxn id="11" idx="3"/>
+              </p:cNvCxnSpPr>
+              <p:nvPr/>
+            </p:nvCxnSpPr>
+            <p:spPr>
+              <a:xfrm flipV="1">
+                <a:off x="1790018" y="3142908"/>
+                <a:ext cx="1172201" cy="327615"/>
+              </a:xfrm>
+              <a:prstGeom prst="straightConnector1">
+                <a:avLst/>
+              </a:prstGeom>
+              <a:ln w="25400">
+                <a:solidFill>
+                  <a:schemeClr val="accent1"/>
+                </a:solidFill>
+                <a:tailEnd type="none"/>
+              </a:ln>
+            </p:spPr>
+            <p:style>
+              <a:lnRef idx="1">
+                <a:schemeClr val="accent1"/>
+              </a:lnRef>
+              <a:fillRef idx="0">
+                <a:schemeClr val="accent1"/>
+              </a:fillRef>
+              <a:effectRef idx="0">
+                <a:schemeClr val="accent1"/>
+              </a:effectRef>
+              <a:fontRef idx="minor">
+                <a:schemeClr val="tx1"/>
+              </a:fontRef>
+            </p:style>
+          </p:cxnSp>
+          <p:sp>
+            <p:nvSpPr>
+              <p:cNvPr id="11" name="Isosceles Triangle 10"/>
+              <p:cNvSpPr/>
+              <p:nvPr/>
+            </p:nvSpPr>
+            <p:spPr>
+              <a:xfrm>
+                <a:off x="2899251" y="2995071"/>
+                <a:ext cx="125936" cy="147837"/>
+              </a:xfrm>
+              <a:prstGeom prst="triangle">
+                <a:avLst/>
+              </a:prstGeom>
+              <a:noFill/>
+              <a:ln w="25400">
+                <a:solidFill>
+                  <a:schemeClr val="accent1"/>
+                </a:solidFill>
+              </a:ln>
+            </p:spPr>
+            <p:style>
+              <a:lnRef idx="2">
+                <a:schemeClr val="accent1">
+                  <a:shade val="50000"/>
+                </a:schemeClr>
+              </a:lnRef>
+              <a:fillRef idx="1">
+                <a:schemeClr val="accent1"/>
+              </a:fillRef>
+              <a:effectRef idx="0">
+                <a:schemeClr val="accent1"/>
+              </a:effectRef>
+              <a:fontRef idx="minor">
+                <a:schemeClr val="lt1"/>
+              </a:fontRef>
+            </p:style>
+            <p:txBody>
+              <a:bodyPr rtlCol="0" anchor="ctr"/>
+              <a:lstStyle/>
+              <a:p>
+                <a:pPr algn="ctr"/>
+                <a:endParaRPr lang="en-US"/>
+              </a:p>
+            </p:txBody>
+          </p:sp>
+          <p:cxnSp>
+            <p:nvCxnSpPr>
+              <p:cNvPr id="13" name="Straight Arrow Connector 12"/>
+              <p:cNvCxnSpPr>
+                <a:stCxn id="7" idx="0"/>
+                <a:endCxn id="11" idx="3"/>
+              </p:cNvCxnSpPr>
+              <p:nvPr/>
+            </p:nvCxnSpPr>
+            <p:spPr>
+              <a:xfrm flipH="1" flipV="1">
+                <a:off x="2962219" y="3142908"/>
+                <a:ext cx="1192368" cy="327615"/>
+              </a:xfrm>
+              <a:prstGeom prst="straightConnector1">
+                <a:avLst/>
+              </a:prstGeom>
+              <a:ln w="25400">
+                <a:solidFill>
+                  <a:schemeClr val="accent1"/>
+                </a:solidFill>
+                <a:tailEnd type="none"/>
+              </a:ln>
+            </p:spPr>
+            <p:style>
+              <a:lnRef idx="1">
+                <a:schemeClr val="accent1"/>
+              </a:lnRef>
+              <a:fillRef idx="0">
+                <a:schemeClr val="accent1"/>
+              </a:fillRef>
+              <a:effectRef idx="0">
+                <a:schemeClr val="accent1"/>
+              </a:effectRef>
+              <a:fontRef idx="minor">
+                <a:schemeClr val="tx1"/>
+              </a:fontRef>
+            </p:style>
+          </p:cxnSp>
+        </p:grpSp>
         <p:cxnSp>
           <p:nvCxnSpPr>
-            <p:cNvPr id="8" name="Straight Arrow Connector 7"/>
+            <p:cNvPr id="12" name="Straight Arrow Connector 11"/>
             <p:cNvCxnSpPr>
-              <a:stCxn id="6" idx="0"/>
-              <a:endCxn id="11" idx="3"/>
+              <a:stCxn id="6" idx="3"/>
             </p:cNvCxnSpPr>
             <p:nvPr/>
           </p:nvCxnSpPr>
           <p:spPr>
-            <a:xfrm flipV="1">
-              <a:off x="1790018" y="3142908"/>
-              <a:ext cx="1172201" cy="327615"/>
+            <a:xfrm flipH="1">
+              <a:off x="869687" y="3998895"/>
+              <a:ext cx="1840662" cy="1"/>
             </a:xfrm>
             <a:prstGeom prst="straightConnector1">
               <a:avLst/>
@@ -31376,65 +31880,16 @@
             </a:fontRef>
           </p:style>
         </p:cxnSp>
-        <p:sp>
-          <p:nvSpPr>
-            <p:cNvPr id="11" name="Isosceles Triangle 10"/>
-            <p:cNvSpPr/>
-            <p:nvPr/>
-          </p:nvSpPr>
-          <p:spPr>
-            <a:xfrm>
-              <a:off x="2899251" y="2995071"/>
-              <a:ext cx="125936" cy="147837"/>
-            </a:xfrm>
-            <a:prstGeom prst="triangle">
-              <a:avLst/>
-            </a:prstGeom>
-            <a:noFill/>
-            <a:ln w="25400">
-              <a:solidFill>
-                <a:schemeClr val="accent1"/>
-              </a:solidFill>
-            </a:ln>
-          </p:spPr>
-          <p:style>
-            <a:lnRef idx="2">
-              <a:schemeClr val="accent1">
-                <a:shade val="50000"/>
-              </a:schemeClr>
-            </a:lnRef>
-            <a:fillRef idx="1">
-              <a:schemeClr val="accent1"/>
-            </a:fillRef>
-            <a:effectRef idx="0">
-              <a:schemeClr val="accent1"/>
-            </a:effectRef>
-            <a:fontRef idx="minor">
-              <a:schemeClr val="lt1"/>
-            </a:fontRef>
-          </p:style>
-          <p:txBody>
-            <a:bodyPr rtlCol="0" anchor="ctr"/>
-            <a:lstStyle/>
-            <a:p>
-              <a:pPr algn="ctr"/>
-              <a:endParaRPr lang="en-US"/>
-            </a:p>
-          </p:txBody>
-        </p:sp>
         <p:cxnSp>
           <p:nvCxnSpPr>
-            <p:cNvPr id="13" name="Straight Arrow Connector 12"/>
-            <p:cNvCxnSpPr>
-              <a:stCxn id="7" idx="0"/>
-              <a:endCxn id="11" idx="3"/>
-            </p:cNvCxnSpPr>
+            <p:cNvPr id="14" name="Straight Arrow Connector 13"/>
+            <p:cNvCxnSpPr/>
             <p:nvPr/>
           </p:nvCxnSpPr>
           <p:spPr>
-            <a:xfrm flipH="1" flipV="1">
-              <a:off x="2962219" y="3142908"/>
-              <a:ext cx="1192368" cy="327615"/>
+            <a:xfrm flipH="1">
+              <a:off x="3234256" y="3998894"/>
+              <a:ext cx="1840662" cy="1"/>
             </a:xfrm>
             <a:prstGeom prst="straightConnector1">
               <a:avLst/>
@@ -31748,7 +32203,7 @@
                   <a:srgbClr val="C00000"/>
                 </a:solidFill>
               </a:rPr>
-              <a:t>“Result:%</a:t>
+              <a:t>“Result: %</a:t>
             </a:r>
             <a:r>
               <a:rPr lang="en-AU" sz="2000" dirty="0" err="1">
@@ -41440,7 +41895,7 @@
                   <a:srgbClr val="0000CC"/>
                 </a:solidFill>
               </a:rPr>
-              <a:t>       member</a:t>
+              <a:t>         member</a:t>
             </a:r>
             <a:r>
               <a:rPr lang="en-AU" sz="2000" dirty="0">
@@ -49792,12 +50247,12 @@
 <file path=customXml/itemProps1.xml><?xml version="1.0" encoding="utf-8"?>
 <ds:datastoreItem xmlns:ds="http://schemas.openxmlformats.org/officeDocument/2006/customXml" ds:itemID="{9A69BF48-D9C3-4DE0-818A-0C2EC431B649}">
   <ds:schemaRefs>
+    <ds:schemaRef ds:uri="http://purl.org/dc/elements/1.1/"/>
+    <ds:schemaRef ds:uri="http://schemas.microsoft.com/office/infopath/2007/PartnerControls"/>
+    <ds:schemaRef ds:uri="http://schemas.microsoft.com/office/2006/documentManagement/types"/>
+    <ds:schemaRef ds:uri="http://www.w3.org/XML/1998/namespace"/>
+    <ds:schemaRef ds:uri="http://purl.org/dc/dcmitype/"/>
     <ds:schemaRef ds:uri="http://purl.org/dc/terms/"/>
-    <ds:schemaRef ds:uri="http://www.w3.org/XML/1998/namespace"/>
-    <ds:schemaRef ds:uri="http://schemas.microsoft.com/office/infopath/2007/PartnerControls"/>
-    <ds:schemaRef ds:uri="http://purl.org/dc/elements/1.1/"/>
-    <ds:schemaRef ds:uri="http://schemas.microsoft.com/office/2006/documentManagement/types"/>
-    <ds:schemaRef ds:uri="http://purl.org/dc/dcmitype/"/>
     <ds:schemaRef ds:uri="http://schemas.openxmlformats.org/package/2006/metadata/core-properties"/>
     <ds:schemaRef ds:uri="http://schemas.microsoft.com/office/2006/metadata/properties"/>
   </ds:schemaRefs>

--- a/FSharpWorkshop_Slides.pptx
+++ b/FSharpWorkshop_Slides.pptx
@@ -2957,7 +2957,7 @@
           <a:p>
             <a:fld id="{20EA5F0D-C1DC-412F-A146-DDB3A74B588F}" type="datetimeFigureOut">
               <a:rPr lang="en-US"/>
-              <a:t>8/10/2017</a:t>
+              <a:t>9/26/18</a:t>
             </a:fld>
             <a:endParaRPr/>
           </a:p>
@@ -3122,7 +3122,7 @@
           <a:p>
             <a:fld id="{A8CDE508-72C8-4AB5-AA9C-1584D31690E0}" type="datetimeFigureOut">
               <a:rPr lang="en-US"/>
-              <a:t>8/10/2017</a:t>
+              <a:t>9/26/18</a:t>
             </a:fld>
             <a:endParaRPr/>
           </a:p>
@@ -3186,35 +3186,30 @@
           <a:p>
             <a:pPr lvl="0"/>
             <a:r>
-              <a:rPr/>
               <a:t>Click to edit Master text styles</a:t>
             </a:r>
           </a:p>
           <a:p>
             <a:pPr lvl="1"/>
             <a:r>
-              <a:rPr/>
               <a:t>Second level</a:t>
             </a:r>
           </a:p>
           <a:p>
             <a:pPr lvl="2"/>
             <a:r>
-              <a:rPr/>
               <a:t>Third level</a:t>
             </a:r>
           </a:p>
           <a:p>
             <a:pPr lvl="3"/>
             <a:r>
-              <a:rPr/>
               <a:t>Fourth level</a:t>
             </a:r>
           </a:p>
           <a:p>
             <a:pPr lvl="4"/>
             <a:r>
-              <a:rPr/>
               <a:t>Fifth level</a:t>
             </a:r>
           </a:p>
@@ -3847,7 +3842,7 @@
           <a:p>
             <a:fld id="{4BDF68E2-58F2-4D09-BE8B-E3BD06533059}" type="datetimeFigureOut">
               <a:rPr lang="en-US" smtClean="0"/>
-              <a:t>8/10/2017</a:t>
+              <a:t>9/26/18</a:t>
             </a:fld>
             <a:endParaRPr lang="en-US" dirty="0"/>
           </a:p>
@@ -4067,7 +4062,7 @@
           <a:p>
             <a:fld id="{9E583DDF-CA54-461A-A486-592D2374C532}" type="datetimeFigureOut">
               <a:rPr lang="en-US" smtClean="0"/>
-              <a:t>8/10/2017</a:t>
+              <a:t>9/26/18</a:t>
             </a:fld>
             <a:endParaRPr lang="en-US"/>
           </a:p>
@@ -4335,7 +4330,7 @@
           <a:p>
             <a:fld id="{9E583DDF-CA54-461A-A486-592D2374C532}" type="datetimeFigureOut">
               <a:rPr lang="en-US" smtClean="0"/>
-              <a:t>8/10/2017</a:t>
+              <a:t>9/26/18</a:t>
             </a:fld>
             <a:endParaRPr lang="en-US"/>
           </a:p>
@@ -4517,7 +4512,7 @@
           <a:p>
             <a:fld id="{9E583DDF-CA54-461A-A486-592D2374C532}" type="datetimeFigureOut">
               <a:rPr lang="en-US" smtClean="0"/>
-              <a:t>8/10/2017</a:t>
+              <a:t>9/26/18</a:t>
             </a:fld>
             <a:endParaRPr lang="en-US"/>
           </a:p>
@@ -4872,7 +4867,7 @@
           <a:p>
             <a:fld id="{9E583DDF-CA54-461A-A486-592D2374C532}" type="datetimeFigureOut">
               <a:rPr lang="en-US" smtClean="0"/>
-              <a:t>8/10/2017</a:t>
+              <a:t>9/26/18</a:t>
             </a:fld>
             <a:endParaRPr lang="en-US"/>
           </a:p>
@@ -5159,7 +5154,7 @@
           <a:p>
             <a:fld id="{0A879FD0-C37A-4F50-8F3B-5FA0D9D0B42F}" type="datetimeFigureOut">
               <a:rPr lang="en-US" smtClean="0"/>
-              <a:t>8/10/2017</a:t>
+              <a:t>9/26/18</a:t>
             </a:fld>
             <a:endParaRPr lang="en-US"/>
           </a:p>
@@ -5550,7 +5545,7 @@
           <a:p>
             <a:fld id="{9E583DDF-CA54-461A-A486-592D2374C532}" type="datetimeFigureOut">
               <a:rPr lang="en-US" smtClean="0"/>
-              <a:t>8/10/2017</a:t>
+              <a:t>9/26/18</a:t>
             </a:fld>
             <a:endParaRPr lang="en-US"/>
           </a:p>
@@ -5680,7 +5675,7 @@
           <a:p>
             <a:fld id="{9E583DDF-CA54-461A-A486-592D2374C532}" type="datetimeFigureOut">
               <a:rPr lang="en-US" smtClean="0"/>
-              <a:t>8/10/2017</a:t>
+              <a:t>9/26/18</a:t>
             </a:fld>
             <a:endParaRPr lang="en-US"/>
           </a:p>
@@ -5863,7 +5858,7 @@
           <a:p>
             <a:fld id="{9E583DDF-CA54-461A-A486-592D2374C532}" type="datetimeFigureOut">
               <a:rPr lang="en-US" smtClean="0"/>
-              <a:t>8/10/2017</a:t>
+              <a:t>9/26/18</a:t>
             </a:fld>
             <a:endParaRPr lang="en-US"/>
           </a:p>
@@ -6229,7 +6224,7 @@
           <a:p>
             <a:fld id="{9E583DDF-CA54-461A-A486-592D2374C532}" type="datetimeFigureOut">
               <a:rPr lang="en-US" smtClean="0"/>
-              <a:t>8/10/2017</a:t>
+              <a:t>9/26/18</a:t>
             </a:fld>
             <a:endParaRPr lang="en-US"/>
           </a:p>
@@ -6618,7 +6613,7 @@
           <a:p>
             <a:fld id="{9E583DDF-CA54-461A-A486-592D2374C532}" type="datetimeFigureOut">
               <a:rPr lang="en-US" smtClean="0"/>
-              <a:t>8/10/2017</a:t>
+              <a:t>9/26/18</a:t>
             </a:fld>
             <a:endParaRPr lang="en-US"/>
           </a:p>
@@ -6918,7 +6913,7 @@
             <a:fld id="{9E583DDF-CA54-461A-A486-592D2374C532}" type="datetimeFigureOut">
               <a:rPr lang="en-US" smtClean="0"/>
               <a:pPr/>
-              <a:t>8/10/2017</a:t>
+              <a:t>9/26/18</a:t>
             </a:fld>
             <a:endParaRPr lang="en-US"/>
           </a:p>
@@ -19537,54 +19532,17 @@
             </a:pPr>
             <a:r>
               <a:rPr lang="en-US" sz="4000" dirty="0"/>
-              <a:t> Windows</a:t>
-            </a:r>
-          </a:p>
-          <a:p>
-            <a:pPr lvl="1">
-              <a:buFont typeface="Calibri" panose="020F0502020204030204" pitchFamily="34" charset="0"/>
-              <a:buChar char="&gt;"/>
-            </a:pPr>
-            <a:r>
-              <a:rPr lang="en-US" sz="2400" dirty="0"/>
-              <a:t> Visual Studio 2015 Community or</a:t>
-            </a:r>
-          </a:p>
-          <a:p>
-            <a:pPr lvl="1">
-              <a:buFont typeface="Calibri" panose="020F0502020204030204" pitchFamily="34" charset="0"/>
-              <a:buChar char="&gt;"/>
-            </a:pPr>
-            <a:r>
-              <a:rPr lang="en-US" sz="2400" dirty="0"/>
-              <a:t> Visual Studio Code + F# Compiler + </a:t>
-            </a:r>
-            <a:r>
-              <a:rPr lang="en-US" sz="2400" dirty="0" err="1"/>
-              <a:t>Ionide</a:t>
-            </a:r>
-            <a:r>
-              <a:rPr lang="en-US" sz="2400" dirty="0"/>
-              <a:t> package or</a:t>
-            </a:r>
-          </a:p>
-          <a:p>
-            <a:pPr lvl="1">
-              <a:buFont typeface="Calibri" panose="020F0502020204030204" pitchFamily="34" charset="0"/>
-              <a:buChar char="&gt;"/>
-            </a:pPr>
-            <a:r>
-              <a:rPr lang="en-US" sz="2400" dirty="0"/>
-              <a:t> Atom + F# Compiler + </a:t>
-            </a:r>
-            <a:r>
-              <a:rPr lang="en-US" sz="2400" dirty="0" err="1"/>
-              <a:t>Ionide</a:t>
-            </a:r>
-            <a:r>
-              <a:rPr lang="en-US" sz="2400" dirty="0"/>
-              <a:t> package </a:t>
-            </a:r>
+              <a:t> </a:t>
+            </a:r>
+            <a:r>
+              <a:rPr lang="en-US" sz="4000" dirty="0" err="1"/>
+              <a:t>.Net</a:t>
+            </a:r>
+            <a:r>
+              <a:rPr lang="en-US" sz="4000" dirty="0"/>
+              <a:t> Core SDK</a:t>
+            </a:r>
+            <a:endParaRPr lang="en-US" sz="2400" dirty="0"/>
           </a:p>
           <a:p>
             <a:pPr>
@@ -19593,45 +19551,8 @@
             </a:pPr>
             <a:r>
               <a:rPr lang="en-US" sz="4000" dirty="0"/>
-              <a:t> Linux</a:t>
-            </a:r>
-          </a:p>
-          <a:p>
-            <a:pPr lvl="1">
-              <a:buFont typeface="Calibri" panose="020F0502020204030204" pitchFamily="34" charset="0"/>
-              <a:buChar char="&gt;"/>
-            </a:pPr>
-            <a:r>
-              <a:rPr lang="en-US" sz="2400" dirty="0"/>
-              <a:t> Visual Studio Code + Mono + </a:t>
-            </a:r>
-            <a:r>
-              <a:rPr lang="en-US" sz="2400" dirty="0" err="1"/>
-              <a:t>Ionide</a:t>
-            </a:r>
-            <a:r>
-              <a:rPr lang="en-US" sz="2400" dirty="0"/>
-              <a:t> package or</a:t>
-            </a:r>
-          </a:p>
-          <a:p>
-            <a:pPr lvl="1">
-              <a:buFont typeface="Calibri" panose="020F0502020204030204" pitchFamily="34" charset="0"/>
-              <a:buChar char="&gt;"/>
-            </a:pPr>
-            <a:r>
-              <a:rPr lang="en-US" sz="2400" dirty="0"/>
-              <a:t> Atom + Mono + </a:t>
-            </a:r>
-            <a:r>
-              <a:rPr lang="en-US" sz="2400" dirty="0" err="1"/>
-              <a:t>Ionide</a:t>
-            </a:r>
-            <a:r>
-              <a:rPr lang="en-US" sz="2400" dirty="0"/>
-              <a:t> package </a:t>
-            </a:r>
-            <a:endParaRPr lang="en-US" sz="2200" dirty="0"/>
+              <a:t> Visual Studio Code</a:t>
+            </a:r>
           </a:p>
           <a:p>
             <a:pPr>
@@ -19640,72 +19561,17 @@
             </a:pPr>
             <a:r>
               <a:rPr lang="en-US" sz="4000" dirty="0"/>
-              <a:t> Mac</a:t>
-            </a:r>
-          </a:p>
-          <a:p>
-            <a:pPr lvl="1">
-              <a:buFont typeface="Calibri" panose="020F0502020204030204" pitchFamily="34" charset="0"/>
-              <a:buChar char="&gt;"/>
-            </a:pPr>
-            <a:r>
-              <a:rPr lang="en-US" sz="2400" dirty="0"/>
-              <a:t> Visual Studio for Mac + Mono or</a:t>
-            </a:r>
-          </a:p>
-          <a:p>
-            <a:pPr lvl="1">
-              <a:buFont typeface="Calibri" panose="020F0502020204030204" pitchFamily="34" charset="0"/>
-              <a:buChar char="&gt;"/>
-            </a:pPr>
-            <a:r>
-              <a:rPr lang="en-US" sz="2400" dirty="0"/>
               <a:t> </a:t>
             </a:r>
             <a:r>
-              <a:rPr lang="en-US" sz="2400" dirty="0" err="1"/>
-              <a:t>Xamarin</a:t>
-            </a:r>
-            <a:r>
-              <a:rPr lang="en-US" sz="2400" dirty="0"/>
-              <a:t> Studio 6.x + Mono or</a:t>
-            </a:r>
-          </a:p>
-          <a:p>
-            <a:pPr lvl="1">
-              <a:buFont typeface="Calibri" panose="020F0502020204030204" pitchFamily="34" charset="0"/>
-              <a:buChar char="&gt;"/>
-            </a:pPr>
-            <a:r>
-              <a:rPr lang="en-US" sz="2400" dirty="0"/>
-              <a:t> Visual Studio Code + Mono + </a:t>
-            </a:r>
-            <a:r>
-              <a:rPr lang="en-US" sz="2400" dirty="0" err="1"/>
+              <a:rPr lang="en-US" sz="4000" dirty="0" err="1"/>
               <a:t>Ionide</a:t>
             </a:r>
             <a:r>
-              <a:rPr lang="en-US" sz="2400" dirty="0"/>
-              <a:t> package or </a:t>
-            </a:r>
-          </a:p>
-          <a:p>
-            <a:pPr lvl="1">
-              <a:buFont typeface="Calibri" panose="020F0502020204030204" pitchFamily="34" charset="0"/>
-              <a:buChar char="&gt;"/>
-            </a:pPr>
-            <a:r>
-              <a:rPr lang="en-US" sz="2400" dirty="0"/>
-              <a:t> Atom + Mono + </a:t>
-            </a:r>
-            <a:r>
-              <a:rPr lang="en-US" sz="2400" dirty="0" err="1"/>
-              <a:t>Ionide</a:t>
-            </a:r>
-            <a:r>
-              <a:rPr lang="en-US" sz="2400" dirty="0"/>
-              <a:t> package</a:t>
-            </a:r>
+              <a:rPr lang="en-US" sz="4000" dirty="0"/>
+              <a:t> Package</a:t>
+            </a:r>
+            <a:endParaRPr lang="en-US" sz="2400" dirty="0"/>
           </a:p>
         </p:txBody>
       </p:sp>
@@ -19717,8 +19583,8 @@
         </p:nvSpPr>
         <p:spPr>
           <a:xfrm>
-            <a:off x="7004672" y="4529379"/>
-            <a:ext cx="4232762" cy="1631216"/>
+            <a:off x="6126480" y="1925664"/>
+            <a:ext cx="5017720" cy="1938992"/>
           </a:xfrm>
           <a:prstGeom prst="rect">
             <a:avLst/>
@@ -19748,7 +19614,7 @@
               <a:buNone/>
             </a:pPr>
             <a:r>
-              <a:rPr lang="en-US" sz="2000" dirty="0"/>
+              <a:rPr lang="en-US" sz="2400" dirty="0"/>
               <a:t>Download links:</a:t>
             </a:r>
           </a:p>
@@ -19757,7 +19623,7 @@
               <a:buNone/>
             </a:pPr>
             <a:r>
-              <a:rPr lang="en-US" sz="2000" dirty="0"/>
+              <a:rPr lang="en-US" sz="2400" dirty="0"/>
               <a:t>fsharpworkshop.com/#pre-requisites</a:t>
             </a:r>
           </a:p>
@@ -19765,14 +19631,14 @@
             <a:pPr marL="45720" indent="0">
               <a:buNone/>
             </a:pPr>
-            <a:endParaRPr lang="en-AU" sz="2000" dirty="0"/>
+            <a:endParaRPr lang="en-AU" sz="2400" dirty="0"/>
           </a:p>
           <a:p>
             <a:pPr marL="45720" indent="0">
               <a:buNone/>
             </a:pPr>
             <a:r>
-              <a:rPr lang="en-AU" sz="2000" dirty="0"/>
+              <a:rPr lang="en-AU" sz="2400" dirty="0"/>
               <a:t>See also the “Before we start” section </a:t>
             </a:r>
           </a:p>
@@ -19781,10 +19647,10 @@
               <a:buNone/>
             </a:pPr>
             <a:r>
-              <a:rPr lang="en-AU" sz="2000" dirty="0"/>
+              <a:rPr lang="en-AU" sz="2400" dirty="0"/>
               <a:t>on the Exercises Guide</a:t>
             </a:r>
-            <a:endParaRPr lang="en-US" sz="2000" dirty="0"/>
+            <a:endParaRPr lang="en-US" sz="2400" dirty="0"/>
           </a:p>
         </p:txBody>
       </p:sp>
@@ -21838,11 +21704,7 @@
             </a:r>
             <a:r>
               <a:rPr lang="en-AU" sz="2000" dirty="0"/>
-              <a:t> = </a:t>
-            </a:r>
-            <a:r>
-              <a:rPr lang="en-AU" sz="2000" dirty="0"/>
-              <a:t>filter (</a:t>
+              <a:t> = filter (</a:t>
             </a:r>
             <a:r>
               <a:rPr lang="en-AU" sz="2000" dirty="0">
@@ -21878,13 +21740,8 @@
             </a:r>
             <a:r>
               <a:rPr lang="en-AU" sz="2000" dirty="0"/>
-              <a:t> n -&gt; n &gt; 10) </a:t>
-            </a:r>
-            <a:r>
-              <a:rPr lang="en-AU" sz="2000" dirty="0"/>
-              <a:t>numbers)</a:t>
-            </a:r>
-            <a:endParaRPr lang="en-AU" sz="2000" dirty="0"/>
+              <a:t> n -&gt; n &gt; 10) numbers)</a:t>
+            </a:r>
           </a:p>
         </p:txBody>
       </p:sp>
@@ -39800,10 +39657,10 @@
         </p:nvGrpSpPr>
         <p:grpSpPr>
           <a:xfrm>
-            <a:off x="4528162" y="927527"/>
-            <a:ext cx="6627518" cy="5390996"/>
-            <a:chOff x="4528162" y="927527"/>
-            <a:chExt cx="6627518" cy="5390996"/>
+            <a:off x="3549512" y="927527"/>
+            <a:ext cx="7606168" cy="5390996"/>
+            <a:chOff x="3549512" y="927527"/>
+            <a:chExt cx="7606168" cy="5390996"/>
           </a:xfrm>
         </p:grpSpPr>
         <p:sp>
@@ -40253,7 +40110,7 @@
           </p:nvSpPr>
           <p:spPr>
             <a:xfrm>
-              <a:off x="4528162" y="5551385"/>
+              <a:off x="3549512" y="5579858"/>
               <a:ext cx="2736304" cy="738664"/>
             </a:xfrm>
             <a:prstGeom prst="rect">
@@ -50116,12 +49973,6 @@
 </file>
 
 <file path=customXml/item1.xml><?xml version="1.0" encoding="utf-8"?>
-<p:properties xmlns:p="http://schemas.microsoft.com/office/2006/metadata/properties" xmlns:xsi="http://www.w3.org/2001/XMLSchema-instance" xmlns:pc="http://schemas.microsoft.com/office/infopath/2007/PartnerControls">
-  <documentManagement/>
-</p:properties>
-</file>
-
-<file path=customXml/item2.xml><?xml version="1.0" encoding="utf-8"?>
 <ct:contentTypeSchema xmlns:ct="http://schemas.microsoft.com/office/2006/metadata/contentType" xmlns:ma="http://schemas.microsoft.com/office/2006/metadata/properties/metaAttributes" ct:_="" ma:_="" ma:contentTypeName="Document" ma:contentTypeID="0x0101007C1D5F340F01F94FA2FD29A5E6DC872E" ma:contentTypeVersion="0" ma:contentTypeDescription="Create a new document." ma:contentTypeScope="" ma:versionID="f583bd66513a361a730282b6a794e352">
   <xsd:schema xmlns:xsd="http://www.w3.org/2001/XMLSchema" xmlns:xs="http://www.w3.org/2001/XMLSchema" xmlns:p="http://schemas.microsoft.com/office/2006/metadata/properties" targetNamespace="http://schemas.microsoft.com/office/2006/metadata/properties" ma:root="true" ma:fieldsID="6841151cf538834e171094e4faaf2d73">
     <xsd:element name="properties">
@@ -50235,7 +50086,7 @@
 </ct:contentTypeSchema>
 </file>
 
-<file path=customXml/item3.xml><?xml version="1.0" encoding="utf-8"?>
+<file path=customXml/item2.xml><?xml version="1.0" encoding="utf-8"?>
 <?mso-contentType ?>
 <FormTemplates xmlns="http://schemas.microsoft.com/sharepoint/v3/contenttype/forms">
   <Display>DocumentLibraryForm</Display>
@@ -50244,22 +50095,13 @@
 </FormTemplates>
 </file>
 
-<file path=customXml/itemProps1.xml><?xml version="1.0" encoding="utf-8"?>
-<ds:datastoreItem xmlns:ds="http://schemas.openxmlformats.org/officeDocument/2006/customXml" ds:itemID="{9A69BF48-D9C3-4DE0-818A-0C2EC431B649}">
-  <ds:schemaRefs>
-    <ds:schemaRef ds:uri="http://purl.org/dc/elements/1.1/"/>
-    <ds:schemaRef ds:uri="http://schemas.microsoft.com/office/infopath/2007/PartnerControls"/>
-    <ds:schemaRef ds:uri="http://schemas.microsoft.com/office/2006/documentManagement/types"/>
-    <ds:schemaRef ds:uri="http://www.w3.org/XML/1998/namespace"/>
-    <ds:schemaRef ds:uri="http://purl.org/dc/dcmitype/"/>
-    <ds:schemaRef ds:uri="http://purl.org/dc/terms/"/>
-    <ds:schemaRef ds:uri="http://schemas.openxmlformats.org/package/2006/metadata/core-properties"/>
-    <ds:schemaRef ds:uri="http://schemas.microsoft.com/office/2006/metadata/properties"/>
-  </ds:schemaRefs>
-</ds:datastoreItem>
+<file path=customXml/item3.xml><?xml version="1.0" encoding="utf-8"?>
+<p:properties xmlns:p="http://schemas.microsoft.com/office/2006/metadata/properties" xmlns:xsi="http://www.w3.org/2001/XMLSchema-instance" xmlns:pc="http://schemas.microsoft.com/office/infopath/2007/PartnerControls">
+  <documentManagement/>
+</p:properties>
 </file>
 
-<file path=customXml/itemProps2.xml><?xml version="1.0" encoding="utf-8"?>
+<file path=customXml/itemProps1.xml><?xml version="1.0" encoding="utf-8"?>
 <ds:datastoreItem xmlns:ds="http://schemas.openxmlformats.org/officeDocument/2006/customXml" ds:itemID="{566C857B-E52C-4200-9223-45EEE86CA270}">
   <ds:schemaRefs>
     <ds:schemaRef ds:uri="http://schemas.microsoft.com/office/2006/metadata/contentType"/>
@@ -50275,10 +50117,25 @@
 </ds:datastoreItem>
 </file>
 
-<file path=customXml/itemProps3.xml><?xml version="1.0" encoding="utf-8"?>
+<file path=customXml/itemProps2.xml><?xml version="1.0" encoding="utf-8"?>
 <ds:datastoreItem xmlns:ds="http://schemas.openxmlformats.org/officeDocument/2006/customXml" ds:itemID="{13DE0ED7-AE8B-4CE1-892D-805FE0D473B5}">
   <ds:schemaRefs>
     <ds:schemaRef ds:uri="http://schemas.microsoft.com/sharepoint/v3/contenttype/forms"/>
   </ds:schemaRefs>
 </ds:datastoreItem>
+</file>
+
+<file path=customXml/itemProps3.xml><?xml version="1.0" encoding="utf-8"?>
+<ds:datastoreItem xmlns:ds="http://schemas.openxmlformats.org/officeDocument/2006/customXml" ds:itemID="{9A69BF48-D9C3-4DE0-818A-0C2EC431B649}">
+  <ds:schemaRefs>
+    <ds:schemaRef ds:uri="http://purl.org/dc/elements/1.1/"/>
+    <ds:schemaRef ds:uri="http://schemas.microsoft.com/office/infopath/2007/PartnerControls"/>
+    <ds:schemaRef ds:uri="http://schemas.microsoft.com/office/2006/documentManagement/types"/>
+    <ds:schemaRef ds:uri="http://www.w3.org/XML/1998/namespace"/>
+    <ds:schemaRef ds:uri="http://purl.org/dc/dcmitype/"/>
+    <ds:schemaRef ds:uri="http://purl.org/dc/terms/"/>
+    <ds:schemaRef ds:uri="http://schemas.openxmlformats.org/package/2006/metadata/core-properties"/>
+    <ds:schemaRef ds:uri="http://schemas.microsoft.com/office/2006/metadata/properties"/>
+  </ds:schemaRefs>
+</ds:datastoreItem>
 </file>
--- a/FSharpWorkshop_Slides.pptx
+++ b/FSharpWorkshop_Slides.pptx
@@ -2957,7 +2957,7 @@
           <a:p>
             <a:fld id="{20EA5F0D-C1DC-412F-A146-DDB3A74B588F}" type="datetimeFigureOut">
               <a:rPr lang="en-US"/>
-              <a:t>9/26/18</a:t>
+              <a:t>5/10/19</a:t>
             </a:fld>
             <a:endParaRPr/>
           </a:p>
@@ -3122,7 +3122,7 @@
           <a:p>
             <a:fld id="{A8CDE508-72C8-4AB5-AA9C-1584D31690E0}" type="datetimeFigureOut">
               <a:rPr lang="en-US"/>
-              <a:t>9/26/18</a:t>
+              <a:t>5/10/19</a:t>
             </a:fld>
             <a:endParaRPr/>
           </a:p>
@@ -3842,7 +3842,7 @@
           <a:p>
             <a:fld id="{4BDF68E2-58F2-4D09-BE8B-E3BD06533059}" type="datetimeFigureOut">
               <a:rPr lang="en-US" smtClean="0"/>
-              <a:t>9/26/18</a:t>
+              <a:t>5/10/19</a:t>
             </a:fld>
             <a:endParaRPr lang="en-US" dirty="0"/>
           </a:p>
@@ -4062,7 +4062,7 @@
           <a:p>
             <a:fld id="{9E583DDF-CA54-461A-A486-592D2374C532}" type="datetimeFigureOut">
               <a:rPr lang="en-US" smtClean="0"/>
-              <a:t>9/26/18</a:t>
+              <a:t>5/10/19</a:t>
             </a:fld>
             <a:endParaRPr lang="en-US"/>
           </a:p>
@@ -4330,7 +4330,7 @@
           <a:p>
             <a:fld id="{9E583DDF-CA54-461A-A486-592D2374C532}" type="datetimeFigureOut">
               <a:rPr lang="en-US" smtClean="0"/>
-              <a:t>9/26/18</a:t>
+              <a:t>5/10/19</a:t>
             </a:fld>
             <a:endParaRPr lang="en-US"/>
           </a:p>
@@ -4512,7 +4512,7 @@
           <a:p>
             <a:fld id="{9E583DDF-CA54-461A-A486-592D2374C532}" type="datetimeFigureOut">
               <a:rPr lang="en-US" smtClean="0"/>
-              <a:t>9/26/18</a:t>
+              <a:t>5/10/19</a:t>
             </a:fld>
             <a:endParaRPr lang="en-US"/>
           </a:p>
@@ -4867,7 +4867,7 @@
           <a:p>
             <a:fld id="{9E583DDF-CA54-461A-A486-592D2374C532}" type="datetimeFigureOut">
               <a:rPr lang="en-US" smtClean="0"/>
-              <a:t>9/26/18</a:t>
+              <a:t>5/10/19</a:t>
             </a:fld>
             <a:endParaRPr lang="en-US"/>
           </a:p>
@@ -5154,7 +5154,7 @@
           <a:p>
             <a:fld id="{0A879FD0-C37A-4F50-8F3B-5FA0D9D0B42F}" type="datetimeFigureOut">
               <a:rPr lang="en-US" smtClean="0"/>
-              <a:t>9/26/18</a:t>
+              <a:t>5/10/19</a:t>
             </a:fld>
             <a:endParaRPr lang="en-US"/>
           </a:p>
@@ -5545,7 +5545,7 @@
           <a:p>
             <a:fld id="{9E583DDF-CA54-461A-A486-592D2374C532}" type="datetimeFigureOut">
               <a:rPr lang="en-US" smtClean="0"/>
-              <a:t>9/26/18</a:t>
+              <a:t>5/10/19</a:t>
             </a:fld>
             <a:endParaRPr lang="en-US"/>
           </a:p>
@@ -5675,7 +5675,7 @@
           <a:p>
             <a:fld id="{9E583DDF-CA54-461A-A486-592D2374C532}" type="datetimeFigureOut">
               <a:rPr lang="en-US" smtClean="0"/>
-              <a:t>9/26/18</a:t>
+              <a:t>5/10/19</a:t>
             </a:fld>
             <a:endParaRPr lang="en-US"/>
           </a:p>
@@ -5858,7 +5858,7 @@
           <a:p>
             <a:fld id="{9E583DDF-CA54-461A-A486-592D2374C532}" type="datetimeFigureOut">
               <a:rPr lang="en-US" smtClean="0"/>
-              <a:t>9/26/18</a:t>
+              <a:t>5/10/19</a:t>
             </a:fld>
             <a:endParaRPr lang="en-US"/>
           </a:p>
@@ -6224,7 +6224,7 @@
           <a:p>
             <a:fld id="{9E583DDF-CA54-461A-A486-592D2374C532}" type="datetimeFigureOut">
               <a:rPr lang="en-US" smtClean="0"/>
-              <a:t>9/26/18</a:t>
+              <a:t>5/10/19</a:t>
             </a:fld>
             <a:endParaRPr lang="en-US"/>
           </a:p>
@@ -6613,7 +6613,7 @@
           <a:p>
             <a:fld id="{9E583DDF-CA54-461A-A486-592D2374C532}" type="datetimeFigureOut">
               <a:rPr lang="en-US" smtClean="0"/>
-              <a:t>9/26/18</a:t>
+              <a:t>5/10/19</a:t>
             </a:fld>
             <a:endParaRPr lang="en-US"/>
           </a:p>
@@ -6913,7 +6913,7 @@
             <a:fld id="{9E583DDF-CA54-461A-A486-592D2374C532}" type="datetimeFigureOut">
               <a:rPr lang="en-US" smtClean="0"/>
               <a:pPr/>
-              <a:t>9/26/18</a:t>
+              <a:t>5/10/19</a:t>
             </a:fld>
             <a:endParaRPr lang="en-US"/>
           </a:p>
@@ -19571,6 +19571,29 @@
               <a:rPr lang="en-US" sz="4000" dirty="0"/>
               <a:t> Package</a:t>
             </a:r>
+          </a:p>
+          <a:p>
+            <a:pPr>
+              <a:buFont typeface="Calibri" panose="020F0502020204030204" pitchFamily="34" charset="0"/>
+              <a:buChar char="&gt;"/>
+            </a:pPr>
+            <a:r>
+              <a:rPr lang="en-US" sz="4000" dirty="0"/>
+              <a:t> Mono </a:t>
+            </a:r>
+            <a:br>
+              <a:rPr lang="en-US" sz="4000" dirty="0"/>
+            </a:br>
+            <a:r>
+              <a:rPr lang="en-US" sz="4000" dirty="0"/>
+              <a:t>  (Mac or Linux only)</a:t>
+            </a:r>
+          </a:p>
+          <a:p>
+            <a:pPr>
+              <a:buFont typeface="Calibri" panose="020F0502020204030204" pitchFamily="34" charset="0"/>
+              <a:buChar char="&gt;"/>
+            </a:pPr>
             <a:endParaRPr lang="en-US" sz="2400" dirty="0"/>
           </a:p>
         </p:txBody>
@@ -49973,6 +49996,21 @@
 </file>
 
 <file path=customXml/item1.xml><?xml version="1.0" encoding="utf-8"?>
+<?mso-contentType ?>
+<FormTemplates xmlns="http://schemas.microsoft.com/sharepoint/v3/contenttype/forms">
+  <Display>DocumentLibraryForm</Display>
+  <Edit>DocumentLibraryForm</Edit>
+  <New>DocumentLibraryForm</New>
+</FormTemplates>
+</file>
+
+<file path=customXml/item2.xml><?xml version="1.0" encoding="utf-8"?>
+<p:properties xmlns:p="http://schemas.microsoft.com/office/2006/metadata/properties" xmlns:xsi="http://www.w3.org/2001/XMLSchema-instance" xmlns:pc="http://schemas.microsoft.com/office/infopath/2007/PartnerControls">
+  <documentManagement/>
+</p:properties>
+</file>
+
+<file path=customXml/item3.xml><?xml version="1.0" encoding="utf-8"?>
 <ct:contentTypeSchema xmlns:ct="http://schemas.microsoft.com/office/2006/metadata/contentType" xmlns:ma="http://schemas.microsoft.com/office/2006/metadata/properties/metaAttributes" ct:_="" ma:_="" ma:contentTypeName="Document" ma:contentTypeID="0x0101007C1D5F340F01F94FA2FD29A5E6DC872E" ma:contentTypeVersion="0" ma:contentTypeDescription="Create a new document." ma:contentTypeScope="" ma:versionID="f583bd66513a361a730282b6a794e352">
   <xsd:schema xmlns:xsd="http://www.w3.org/2001/XMLSchema" xmlns:xs="http://www.w3.org/2001/XMLSchema" xmlns:p="http://schemas.microsoft.com/office/2006/metadata/properties" targetNamespace="http://schemas.microsoft.com/office/2006/metadata/properties" ma:root="true" ma:fieldsID="6841151cf538834e171094e4faaf2d73">
     <xsd:element name="properties">
@@ -50086,22 +50124,30 @@
 </ct:contentTypeSchema>
 </file>
 
-<file path=customXml/item2.xml><?xml version="1.0" encoding="utf-8"?>
-<?mso-contentType ?>
-<FormTemplates xmlns="http://schemas.microsoft.com/sharepoint/v3/contenttype/forms">
-  <Display>DocumentLibraryForm</Display>
-  <Edit>DocumentLibraryForm</Edit>
-  <New>DocumentLibraryForm</New>
-</FormTemplates>
+<file path=customXml/itemProps1.xml><?xml version="1.0" encoding="utf-8"?>
+<ds:datastoreItem xmlns:ds="http://schemas.openxmlformats.org/officeDocument/2006/customXml" ds:itemID="{13DE0ED7-AE8B-4CE1-892D-805FE0D473B5}">
+  <ds:schemaRefs>
+    <ds:schemaRef ds:uri="http://schemas.microsoft.com/sharepoint/v3/contenttype/forms"/>
+  </ds:schemaRefs>
+</ds:datastoreItem>
 </file>
 
-<file path=customXml/item3.xml><?xml version="1.0" encoding="utf-8"?>
-<p:properties xmlns:p="http://schemas.microsoft.com/office/2006/metadata/properties" xmlns:xsi="http://www.w3.org/2001/XMLSchema-instance" xmlns:pc="http://schemas.microsoft.com/office/infopath/2007/PartnerControls">
-  <documentManagement/>
-</p:properties>
+<file path=customXml/itemProps2.xml><?xml version="1.0" encoding="utf-8"?>
+<ds:datastoreItem xmlns:ds="http://schemas.openxmlformats.org/officeDocument/2006/customXml" ds:itemID="{9A69BF48-D9C3-4DE0-818A-0C2EC431B649}">
+  <ds:schemaRefs>
+    <ds:schemaRef ds:uri="http://purl.org/dc/elements/1.1/"/>
+    <ds:schemaRef ds:uri="http://schemas.microsoft.com/office/infopath/2007/PartnerControls"/>
+    <ds:schemaRef ds:uri="http://schemas.microsoft.com/office/2006/documentManagement/types"/>
+    <ds:schemaRef ds:uri="http://www.w3.org/XML/1998/namespace"/>
+    <ds:schemaRef ds:uri="http://purl.org/dc/dcmitype/"/>
+    <ds:schemaRef ds:uri="http://purl.org/dc/terms/"/>
+    <ds:schemaRef ds:uri="http://schemas.openxmlformats.org/package/2006/metadata/core-properties"/>
+    <ds:schemaRef ds:uri="http://schemas.microsoft.com/office/2006/metadata/properties"/>
+  </ds:schemaRefs>
+</ds:datastoreItem>
 </file>
 
-<file path=customXml/itemProps1.xml><?xml version="1.0" encoding="utf-8"?>
+<file path=customXml/itemProps3.xml><?xml version="1.0" encoding="utf-8"?>
 <ds:datastoreItem xmlns:ds="http://schemas.openxmlformats.org/officeDocument/2006/customXml" ds:itemID="{566C857B-E52C-4200-9223-45EEE86CA270}">
   <ds:schemaRefs>
     <ds:schemaRef ds:uri="http://schemas.microsoft.com/office/2006/metadata/contentType"/>
@@ -50115,27 +50161,4 @@
     <ds:schemaRef ds:uri="http://schemas.microsoft.com/office/infopath/2007/PartnerControls"/>
   </ds:schemaRefs>
 </ds:datastoreItem>
-</file>
-
-<file path=customXml/itemProps2.xml><?xml version="1.0" encoding="utf-8"?>
-<ds:datastoreItem xmlns:ds="http://schemas.openxmlformats.org/officeDocument/2006/customXml" ds:itemID="{13DE0ED7-AE8B-4CE1-892D-805FE0D473B5}">
-  <ds:schemaRefs>
-    <ds:schemaRef ds:uri="http://schemas.microsoft.com/sharepoint/v3/contenttype/forms"/>
-  </ds:schemaRefs>
-</ds:datastoreItem>
-</file>
-
-<file path=customXml/itemProps3.xml><?xml version="1.0" encoding="utf-8"?>
-<ds:datastoreItem xmlns:ds="http://schemas.openxmlformats.org/officeDocument/2006/customXml" ds:itemID="{9A69BF48-D9C3-4DE0-818A-0C2EC431B649}">
-  <ds:schemaRefs>
-    <ds:schemaRef ds:uri="http://purl.org/dc/elements/1.1/"/>
-    <ds:schemaRef ds:uri="http://schemas.microsoft.com/office/infopath/2007/PartnerControls"/>
-    <ds:schemaRef ds:uri="http://schemas.microsoft.com/office/2006/documentManagement/types"/>
-    <ds:schemaRef ds:uri="http://www.w3.org/XML/1998/namespace"/>
-    <ds:schemaRef ds:uri="http://purl.org/dc/dcmitype/"/>
-    <ds:schemaRef ds:uri="http://purl.org/dc/terms/"/>
-    <ds:schemaRef ds:uri="http://schemas.openxmlformats.org/package/2006/metadata/core-properties"/>
-    <ds:schemaRef ds:uri="http://schemas.microsoft.com/office/2006/metadata/properties"/>
-  </ds:schemaRefs>
-</ds:datastoreItem>
 </file>